--- a/Ribbon解析 .pptx
+++ b/Ribbon解析 .pptx
@@ -8,7 +8,7 @@
     <p:sldMasterId id="2147483654" r:id="rId4"/>
   </p:sldMasterIdLst>
   <p:notesMasterIdLst>
-    <p:notesMasterId r:id="rId21"/>
+    <p:notesMasterId r:id="rId23"/>
   </p:notesMasterIdLst>
   <p:sldIdLst>
     <p:sldId id="262" r:id="rId5"/>
@@ -18,15 +18,17 @@
     <p:sldId id="273" r:id="rId9"/>
     <p:sldId id="287" r:id="rId10"/>
     <p:sldId id="285" r:id="rId11"/>
-    <p:sldId id="276" r:id="rId12"/>
-    <p:sldId id="286" r:id="rId13"/>
-    <p:sldId id="278" r:id="rId14"/>
-    <p:sldId id="279" r:id="rId15"/>
-    <p:sldId id="280" r:id="rId16"/>
-    <p:sldId id="281" r:id="rId17"/>
-    <p:sldId id="282" r:id="rId18"/>
-    <p:sldId id="283" r:id="rId19"/>
-    <p:sldId id="258" r:id="rId20"/>
+    <p:sldId id="290" r:id="rId12"/>
+    <p:sldId id="278" r:id="rId13"/>
+    <p:sldId id="279" r:id="rId14"/>
+    <p:sldId id="280" r:id="rId15"/>
+    <p:sldId id="292" r:id="rId16"/>
+    <p:sldId id="286" r:id="rId17"/>
+    <p:sldId id="289" r:id="rId18"/>
+    <p:sldId id="281" r:id="rId19"/>
+    <p:sldId id="282" r:id="rId20"/>
+    <p:sldId id="291" r:id="rId21"/>
+    <p:sldId id="258" r:id="rId22"/>
   </p:sldIdLst>
   <p:sldSz cx="9144000" cy="5143500" type="screen16x9"/>
   <p:notesSz cx="6858000" cy="9144000"/>
@@ -226,7 +228,7 @@
           <a:p>
             <a:fld id="{92B55BAB-7C45-421E-99C9-10E18144B49B}" type="datetimeFigureOut">
               <a:rPr lang="zh-CN" altLang="en-US" smtClean="0"/>
-              <a:t>2020/7/13</a:t>
+              <a:t>2020/7/15</a:t>
             </a:fld>
             <a:endParaRPr lang="zh-CN" altLang="en-US"/>
           </a:p>
@@ -903,83 +905,105 @@
           <a:bodyPr/>
           <a:lstStyle/>
           <a:p>
-            <a:pPr marL="228600" indent="-228600">
-              <a:buAutoNum type="arabicPeriod"/>
-            </a:pPr>
+            <a:r>
+              <a:rPr lang="en-US" altLang="zh-CN" dirty="0" err="1" smtClean="0"/>
+              <a:t>ILoadBalancer</a:t>
+            </a:r>
             <a:r>
               <a:rPr lang="en-US" altLang="zh-CN" dirty="0" smtClean="0"/>
-              <a:t>Eureka Server, </a:t>
-            </a:r>
-            <a:r>
-              <a:rPr lang="zh-CN" altLang="en-US" dirty="0" smtClean="0"/>
-              <a:t>它优先选择在同一个</a:t>
+              <a:t>&gt;</a:t>
+            </a:r>
+            <a:r>
+              <a:rPr lang="en-US" altLang="zh-CN" dirty="0" err="1" smtClean="0"/>
+              <a:t>BaseLoadBalancer</a:t>
             </a:r>
             <a:r>
               <a:rPr lang="en-US" altLang="zh-CN" dirty="0" smtClean="0"/>
-              <a:t>Zone</a:t>
-            </a:r>
-            <a:r>
-              <a:rPr lang="zh-CN" altLang="en-US" dirty="0" smtClean="0"/>
-              <a:t>且负载较少的</a:t>
-            </a:r>
-            <a:r>
-              <a:rPr lang="en-US" altLang="zh-CN" dirty="0" smtClean="0"/>
-              <a:t>Server</a:t>
-            </a:r>
+              <a:t>&gt;</a:t>
+            </a:r>
+            <a:r>
+              <a:rPr lang="en-US" altLang="zh-CN" dirty="0" err="1" smtClean="0"/>
+              <a:t>DynamicServerListLoadBalancer</a:t>
+            </a:r>
+            <a:endParaRPr lang="en-US" altLang="zh-CN" sz="1200" b="0" i="0" kern="1200" dirty="0" smtClean="0">
+              <a:solidFill>
+                <a:schemeClr val="tx1"/>
+              </a:solidFill>
+              <a:effectLst/>
+              <a:latin typeface="+mn-lt"/>
+              <a:ea typeface="+mn-ea"/>
+              <a:cs typeface="+mn-cs"/>
+            </a:endParaRPr>
           </a:p>
           <a:p>
-            <a:pPr marL="228600" marR="0" lvl="0" indent="-228600" algn="l" defTabSz="914400" rtl="0" eaLnBrk="1" fontAlgn="auto" latinLnBrk="0" hangingPunct="1">
-              <a:lnSpc>
-                <a:spcPct val="100000"/>
-              </a:lnSpc>
-              <a:spcBef>
-                <a:spcPts val="0"/>
-              </a:spcBef>
-              <a:spcAft>
-                <a:spcPts val="0"/>
-              </a:spcAft>
-              <a:buClrTx/>
-              <a:buSzTx/>
-              <a:buFontTx/>
-              <a:buAutoNum type="arabicPeriod"/>
-              <a:tabLst/>
-              <a:defRPr/>
-            </a:pPr>
-            <a:r>
-              <a:rPr lang="zh-CN" altLang="en-US" dirty="0" smtClean="0"/>
-              <a:t>获取提供者客户端下标（总请求数</a:t>
-            </a:r>
-            <a:r>
-              <a:rPr lang="en-US" altLang="zh-CN" dirty="0" smtClean="0"/>
-              <a:t>%</a:t>
-            </a:r>
-            <a:r>
-              <a:rPr lang="zh-CN" altLang="en-US" dirty="0" smtClean="0"/>
-              <a:t>服务提供者数），得到调用的服务客户端的实际地址</a:t>
-            </a:r>
-            <a:endParaRPr lang="en-US" altLang="zh-CN" dirty="0" smtClean="0"/>
+            <a:endParaRPr lang="en-US" altLang="zh-CN" sz="1200" b="0" i="0" kern="1200" dirty="0" smtClean="0">
+              <a:solidFill>
+                <a:schemeClr val="tx1"/>
+              </a:solidFill>
+              <a:effectLst/>
+              <a:latin typeface="+mn-lt"/>
+              <a:ea typeface="+mn-ea"/>
+              <a:cs typeface="+mn-cs"/>
+            </a:endParaRPr>
           </a:p>
           <a:p>
-            <a:pPr marL="228600" marR="0" lvl="0" indent="-228600" algn="l" defTabSz="914400" rtl="0" eaLnBrk="1" fontAlgn="auto" latinLnBrk="0" hangingPunct="1">
-              <a:lnSpc>
-                <a:spcPct val="100000"/>
-              </a:lnSpc>
-              <a:spcBef>
-                <a:spcPts val="0"/>
-              </a:spcBef>
-              <a:spcAft>
-                <a:spcPts val="0"/>
-              </a:spcAft>
-              <a:buClrTx/>
-              <a:buSzTx/>
-              <a:buFontTx/>
-              <a:buAutoNum type="arabicPeriod"/>
-              <a:tabLst/>
-              <a:defRPr/>
-            </a:pPr>
-            <a:r>
-              <a:rPr lang="zh-CN" altLang="en-US" dirty="0" smtClean="0"/>
-              <a:t>多种路由策略</a:t>
+            <a:endParaRPr lang="en-US" altLang="zh-CN" sz="1200" b="0" i="0" kern="1200" dirty="0" smtClean="0">
+              <a:solidFill>
+                <a:schemeClr val="tx1"/>
+              </a:solidFill>
+              <a:effectLst/>
+              <a:latin typeface="+mn-lt"/>
+              <a:ea typeface="+mn-ea"/>
+              <a:cs typeface="+mn-cs"/>
+            </a:endParaRPr>
+          </a:p>
+          <a:p>
+            <a:endParaRPr lang="en-US" altLang="zh-CN" sz="1200" b="0" i="0" kern="1200" dirty="0" smtClean="0">
+              <a:solidFill>
+                <a:schemeClr val="tx1"/>
+              </a:solidFill>
+              <a:effectLst/>
+              <a:latin typeface="+mn-lt"/>
+              <a:ea typeface="+mn-ea"/>
+              <a:cs typeface="+mn-cs"/>
+            </a:endParaRPr>
+          </a:p>
+          <a:p>
+            <a:r>
+              <a:rPr lang="en-US" altLang="zh-CN" sz="1200" b="0" i="0" kern="1200" dirty="0" err="1" smtClean="0">
+                <a:solidFill>
+                  <a:schemeClr val="tx1"/>
+                </a:solidFill>
+                <a:effectLst/>
+                <a:latin typeface="+mn-lt"/>
+                <a:ea typeface="+mn-ea"/>
+                <a:cs typeface="+mn-cs"/>
+              </a:rPr>
+              <a:t>LoadBalancerAutoConfiguration</a:t>
+            </a:r>
+            <a:r>
+              <a:rPr lang="en-US" altLang="zh-CN" sz="1200" b="0" i="0" kern="1200" dirty="0" smtClean="0">
+                <a:solidFill>
+                  <a:schemeClr val="tx1"/>
+                </a:solidFill>
+                <a:effectLst/>
+                <a:latin typeface="+mn-lt"/>
+                <a:ea typeface="+mn-ea"/>
+                <a:cs typeface="+mn-cs"/>
+              </a:rPr>
+              <a:t>(</a:t>
+            </a:r>
+            <a:r>
+              <a:rPr lang="en-US" altLang="zh-CN" sz="1200" b="0" i="0" kern="1200" dirty="0" err="1" smtClean="0">
+                <a:solidFill>
+                  <a:schemeClr val="tx1"/>
+                </a:solidFill>
+                <a:effectLst/>
+                <a:latin typeface="+mn-lt"/>
+                <a:ea typeface="+mn-ea"/>
+                <a:cs typeface="+mn-cs"/>
+              </a:rPr>
+              <a:t>LoadBalancer</a:t>
             </a:r>
             <a:r>
               <a:rPr lang="zh-CN" altLang="en-US" sz="1200" b="0" i="0" kern="1200" dirty="0" smtClean="0">
@@ -991,14 +1015,69 @@
                 <a:ea typeface="+mn-ea"/>
                 <a:cs typeface="+mn-cs"/>
               </a:rPr>
-              <a:t>例如轮询、随机、根据响应时间加权等。</a:t>
-            </a:r>
-            <a:endParaRPr lang="zh-CN" altLang="en-US" dirty="0" smtClean="0"/>
+              <a:t>自动配置类</a:t>
+            </a:r>
+            <a:r>
+              <a:rPr lang="en-US" altLang="zh-CN" sz="1200" b="0" i="0" kern="1200" dirty="0" smtClean="0">
+                <a:solidFill>
+                  <a:schemeClr val="tx1"/>
+                </a:solidFill>
+                <a:effectLst/>
+                <a:latin typeface="+mn-lt"/>
+                <a:ea typeface="+mn-ea"/>
+                <a:cs typeface="+mn-cs"/>
+              </a:rPr>
+              <a:t>)</a:t>
+            </a:r>
           </a:p>
           <a:p>
-            <a:pPr marL="228600" indent="-228600">
-              <a:buAutoNum type="arabicPeriod"/>
-            </a:pPr>
+            <a:endParaRPr lang="en-US" altLang="zh-CN" sz="1200" b="0" i="0" kern="1200" dirty="0" smtClean="0">
+              <a:solidFill>
+                <a:schemeClr val="tx1"/>
+              </a:solidFill>
+              <a:effectLst/>
+              <a:latin typeface="+mn-lt"/>
+              <a:ea typeface="+mn-ea"/>
+              <a:cs typeface="+mn-cs"/>
+            </a:endParaRPr>
+          </a:p>
+          <a:p>
+            <a:r>
+              <a:rPr lang="en-US" altLang="zh-CN" sz="1200" b="0" i="0" kern="1200" dirty="0" err="1" smtClean="0">
+                <a:solidFill>
+                  <a:schemeClr val="tx1"/>
+                </a:solidFill>
+                <a:effectLst/>
+                <a:latin typeface="+mn-lt"/>
+                <a:ea typeface="+mn-ea"/>
+                <a:cs typeface="+mn-cs"/>
+              </a:rPr>
+              <a:t>LoadBalancerInterceptor</a:t>
+            </a:r>
+            <a:r>
+              <a:rPr lang="en-US" altLang="zh-CN" sz="1200" b="0" i="0" kern="1200" dirty="0" smtClean="0">
+                <a:solidFill>
+                  <a:schemeClr val="tx1"/>
+                </a:solidFill>
+                <a:effectLst/>
+                <a:latin typeface="+mn-lt"/>
+                <a:ea typeface="+mn-ea"/>
+                <a:cs typeface="+mn-cs"/>
+              </a:rPr>
+              <a:t> </a:t>
+            </a:r>
+            <a:r>
+              <a:rPr lang="zh-CN" altLang="en-US" sz="1200" b="0" i="0" kern="1200" dirty="0" smtClean="0">
+                <a:solidFill>
+                  <a:schemeClr val="tx1"/>
+                </a:solidFill>
+                <a:effectLst/>
+                <a:latin typeface="+mn-lt"/>
+                <a:ea typeface="+mn-ea"/>
+                <a:cs typeface="+mn-cs"/>
+              </a:rPr>
+              <a:t>拦截请求</a:t>
+            </a:r>
             <a:endParaRPr lang="zh-CN" altLang="en-US" dirty="0"/>
           </a:p>
         </p:txBody>
@@ -1020,7 +1099,7 @@
           <a:p>
             <a:fld id="{51CD2DA3-C41E-4549-8AC5-B16F02EA38EC}" type="slidenum">
               <a:rPr lang="zh-CN" altLang="en-US" smtClean="0"/>
-              <a:t>8</a:t>
+              <a:t>9</a:t>
             </a:fld>
             <a:endParaRPr lang="zh-CN" altLang="en-US"/>
           </a:p>
@@ -1029,7 +1108,7 @@
     </p:spTree>
     <p:extLst>
       <p:ext uri="{BB962C8B-B14F-4D97-AF65-F5344CB8AC3E}">
-        <p14:creationId xmlns:p14="http://schemas.microsoft.com/office/powerpoint/2010/main" val="1006286998"/>
+        <p14:creationId xmlns:p14="http://schemas.microsoft.com/office/powerpoint/2010/main" val="3362908018"/>
       </p:ext>
     </p:extLst>
   </p:cSld>
@@ -1084,113 +1163,71 @@
           <a:lstStyle/>
           <a:p>
             <a:r>
-              <a:rPr lang="en-US" altLang="zh-CN" sz="1200" b="0" i="0" kern="1200" dirty="0" err="1" smtClean="0">
-                <a:solidFill>
-                  <a:schemeClr val="tx1"/>
-                </a:solidFill>
-                <a:effectLst/>
-                <a:latin typeface="+mn-lt"/>
-                <a:ea typeface="+mn-ea"/>
-                <a:cs typeface="+mn-cs"/>
-              </a:rPr>
-              <a:t>LoadBalancerAutoConfiguration</a:t>
-            </a:r>
-            <a:r>
-              <a:rPr lang="en-US" altLang="zh-CN" sz="1200" b="0" i="0" kern="1200" dirty="0" smtClean="0">
-                <a:solidFill>
-                  <a:schemeClr val="tx1"/>
-                </a:solidFill>
-                <a:effectLst/>
-                <a:latin typeface="+mn-lt"/>
-                <a:ea typeface="+mn-ea"/>
-                <a:cs typeface="+mn-cs"/>
-              </a:rPr>
-              <a:t>(</a:t>
-            </a:r>
-            <a:r>
-              <a:rPr lang="en-US" altLang="zh-CN" sz="1200" b="0" i="0" kern="1200" dirty="0" err="1" smtClean="0">
-                <a:solidFill>
-                  <a:schemeClr val="tx1"/>
-                </a:solidFill>
-                <a:effectLst/>
-                <a:latin typeface="+mn-lt"/>
-                <a:ea typeface="+mn-ea"/>
-                <a:cs typeface="+mn-cs"/>
-              </a:rPr>
-              <a:t>LoadBalancer</a:t>
-            </a:r>
-            <a:r>
-              <a:rPr lang="zh-CN" altLang="en-US" sz="1200" b="0" i="0" kern="1200" dirty="0" smtClean="0">
-                <a:solidFill>
-                  <a:schemeClr val="tx1"/>
-                </a:solidFill>
-                <a:effectLst/>
-                <a:latin typeface="+mn-lt"/>
-                <a:ea typeface="+mn-ea"/>
-                <a:cs typeface="+mn-cs"/>
-              </a:rPr>
-              <a:t>自动配置类</a:t>
-            </a:r>
-            <a:r>
-              <a:rPr lang="en-US" altLang="zh-CN" sz="1200" b="0" i="0" kern="1200" dirty="0" smtClean="0">
-                <a:solidFill>
-                  <a:schemeClr val="tx1"/>
-                </a:solidFill>
-                <a:effectLst/>
-                <a:latin typeface="+mn-lt"/>
-                <a:ea typeface="+mn-ea"/>
-                <a:cs typeface="+mn-cs"/>
-              </a:rPr>
-              <a:t>)</a:t>
-            </a:r>
+              <a:rPr lang="en-US" altLang="zh-CN" dirty="0" err="1" smtClean="0"/>
+              <a:t>LoadBalacerInterceptor</a:t>
+            </a:r>
+            <a:r>
+              <a:rPr lang="en-US" altLang="zh-CN" dirty="0" smtClean="0"/>
+              <a:t>:</a:t>
+            </a:r>
+            <a:r>
+              <a:rPr lang="zh-CN" altLang="en-US" dirty="0" smtClean="0"/>
+              <a:t>拦截每一次</a:t>
+            </a:r>
+            <a:r>
+              <a:rPr lang="en-US" altLang="zh-CN" dirty="0" smtClean="0"/>
+              <a:t>HTTP</a:t>
+            </a:r>
+            <a:r>
+              <a:rPr lang="zh-CN" altLang="en-US" dirty="0" smtClean="0"/>
+              <a:t>请求，将请求绑定进</a:t>
+            </a:r>
+            <a:r>
+              <a:rPr lang="en-US" altLang="zh-CN" dirty="0" smtClean="0"/>
+              <a:t>Ribbon</a:t>
+            </a:r>
+            <a:r>
+              <a:rPr lang="zh-CN" altLang="en-US" dirty="0" smtClean="0"/>
+              <a:t>负载均衡生命周期。</a:t>
+            </a:r>
+            <a:endParaRPr lang="en-US" altLang="zh-CN" dirty="0" smtClean="0"/>
           </a:p>
           <a:p>
-            <a:endParaRPr lang="en-US" altLang="zh-CN" sz="1200" b="0" i="0" kern="1200" dirty="0" smtClean="0">
-              <a:solidFill>
-                <a:schemeClr val="tx1"/>
-              </a:solidFill>
-              <a:effectLst/>
-              <a:latin typeface="+mn-lt"/>
-              <a:ea typeface="+mn-ea"/>
-              <a:cs typeface="+mn-cs"/>
-            </a:endParaRPr>
-          </a:p>
-          <a:p>
-            <a:r>
-              <a:rPr lang="en-US" altLang="zh-CN" sz="1200" b="0" i="0" kern="1200" dirty="0" err="1" smtClean="0">
-                <a:solidFill>
-                  <a:schemeClr val="tx1"/>
-                </a:solidFill>
-                <a:effectLst/>
-                <a:latin typeface="+mn-lt"/>
-                <a:ea typeface="+mn-ea"/>
-                <a:cs typeface="+mn-cs"/>
-              </a:rPr>
-              <a:t>LoadBalancerInterceptor</a:t>
-            </a:r>
-            <a:r>
-              <a:rPr lang="en-US" altLang="zh-CN" sz="1200" b="0" i="0" kern="1200" dirty="0" smtClean="0">
-                <a:solidFill>
-                  <a:schemeClr val="tx1"/>
-                </a:solidFill>
-                <a:effectLst/>
-                <a:latin typeface="+mn-lt"/>
-                <a:ea typeface="+mn-ea"/>
-                <a:cs typeface="+mn-cs"/>
-              </a:rPr>
-              <a:t> </a:t>
-            </a:r>
-            <a:r>
-              <a:rPr lang="zh-CN" altLang="en-US" sz="1200" b="0" i="0" kern="1200" dirty="0" smtClean="0">
-                <a:solidFill>
-                  <a:schemeClr val="tx1"/>
-                </a:solidFill>
-                <a:effectLst/>
-                <a:latin typeface="+mn-lt"/>
-                <a:ea typeface="+mn-ea"/>
-                <a:cs typeface="+mn-cs"/>
-              </a:rPr>
-              <a:t>拦截请求</a:t>
+            <a:r>
+              <a:rPr lang="en-US" altLang="zh-CN" dirty="0" err="1" smtClean="0"/>
+              <a:t>RestTemplateCustomizer</a:t>
+            </a:r>
+            <a:r>
+              <a:rPr lang="en-US" altLang="zh-CN" dirty="0" smtClean="0"/>
+              <a:t>:</a:t>
+            </a:r>
+            <a:r>
+              <a:rPr lang="zh-CN" altLang="en-US" dirty="0" smtClean="0"/>
+              <a:t>为每个</a:t>
+            </a:r>
+            <a:r>
+              <a:rPr lang="en-US" altLang="zh-CN" dirty="0" err="1" smtClean="0"/>
+              <a:t>RestTemplate</a:t>
+            </a:r>
+            <a:r>
+              <a:rPr lang="zh-CN" altLang="en-US" dirty="0" smtClean="0"/>
+              <a:t>绑定</a:t>
+            </a:r>
+            <a:r>
+              <a:rPr lang="en-US" altLang="zh-CN" dirty="0" err="1" smtClean="0"/>
+              <a:t>LoadBalacerInterceptor</a:t>
+            </a:r>
+            <a:r>
+              <a:rPr lang="zh-CN" altLang="en-US" dirty="0" smtClean="0"/>
+              <a:t>拦截器</a:t>
+            </a:r>
+            <a:r>
+              <a:rPr lang="en-US" altLang="zh-CN" dirty="0" smtClean="0"/>
+              <a:t>,</a:t>
+            </a:r>
+            <a:r>
+              <a:rPr lang="zh-CN" altLang="en-US" dirty="0" smtClean="0"/>
+              <a:t>这个也是重要的部分</a:t>
             </a:r>
             <a:endParaRPr lang="zh-CN" altLang="en-US" dirty="0"/>
           </a:p>
@@ -1213,7 +1250,7 @@
           <a:p>
             <a:fld id="{51CD2DA3-C41E-4549-8AC5-B16F02EA38EC}" type="slidenum">
               <a:rPr lang="zh-CN" altLang="en-US" smtClean="0"/>
-              <a:t>10</a:t>
+              <a:t>11</a:t>
             </a:fld>
             <a:endParaRPr lang="zh-CN" altLang="en-US"/>
           </a:p>
@@ -1222,7 +1259,7 @@
     </p:spTree>
     <p:extLst>
       <p:ext uri="{BB962C8B-B14F-4D97-AF65-F5344CB8AC3E}">
-        <p14:creationId xmlns:p14="http://schemas.microsoft.com/office/powerpoint/2010/main" val="3362908018"/>
+        <p14:creationId xmlns:p14="http://schemas.microsoft.com/office/powerpoint/2010/main" val="2797997489"/>
       </p:ext>
     </p:extLst>
   </p:cSld>
@@ -1276,287 +1313,7 @@
           <a:bodyPr/>
           <a:lstStyle/>
           <a:p>
-            <a:r>
-              <a:rPr lang="en-US" altLang="zh-CN" dirty="0" err="1" smtClean="0"/>
-              <a:t>PingUrl</a:t>
-            </a:r>
-            <a:r>
-              <a:rPr lang="en-US" altLang="zh-CN" dirty="0" smtClean="0"/>
-              <a:t> </a:t>
-            </a:r>
-            <a:r>
-              <a:rPr lang="zh-CN" altLang="en-US" dirty="0" smtClean="0"/>
-              <a:t>真实的去</a:t>
-            </a:r>
-            <a:r>
-              <a:rPr lang="en-US" altLang="zh-CN" dirty="0" smtClean="0"/>
-              <a:t>ping </a:t>
-            </a:r>
-            <a:r>
-              <a:rPr lang="zh-CN" altLang="en-US" dirty="0" smtClean="0"/>
-              <a:t>某个</a:t>
-            </a:r>
-            <a:r>
-              <a:rPr lang="en-US" altLang="zh-CN" dirty="0" err="1" smtClean="0"/>
-              <a:t>url</a:t>
-            </a:r>
-            <a:r>
-              <a:rPr lang="zh-CN" altLang="en-US" dirty="0" smtClean="0"/>
-              <a:t>，判断其是否</a:t>
-            </a:r>
-            <a:r>
-              <a:rPr lang="en-US" altLang="zh-CN" dirty="0" smtClean="0"/>
-              <a:t>alive</a:t>
-            </a:r>
-          </a:p>
-          <a:p>
-            <a:r>
-              <a:rPr lang="en-US" altLang="zh-CN" dirty="0" err="1" smtClean="0"/>
-              <a:t>PingConstant</a:t>
-            </a:r>
-            <a:r>
-              <a:rPr lang="en-US" altLang="zh-CN" dirty="0" smtClean="0"/>
-              <a:t> </a:t>
-            </a:r>
-            <a:r>
-              <a:rPr lang="zh-CN" altLang="en-US" dirty="0" smtClean="0"/>
-              <a:t>固定返回某服务是否可用，默认返回</a:t>
-            </a:r>
-            <a:r>
-              <a:rPr lang="en-US" altLang="zh-CN" dirty="0" smtClean="0"/>
-              <a:t>true</a:t>
-            </a:r>
-            <a:r>
-              <a:rPr lang="zh-CN" altLang="en-US" dirty="0" smtClean="0"/>
-              <a:t>，即可用</a:t>
-            </a:r>
-            <a:endParaRPr lang="en-US" altLang="zh-CN" dirty="0" smtClean="0"/>
-          </a:p>
-          <a:p>
-            <a:r>
-              <a:rPr lang="en-US" altLang="zh-CN" dirty="0" err="1" smtClean="0"/>
-              <a:t>NoOpPing</a:t>
-            </a:r>
-            <a:r>
-              <a:rPr lang="en-US" altLang="zh-CN" dirty="0" smtClean="0"/>
-              <a:t> </a:t>
-            </a:r>
-            <a:r>
-              <a:rPr lang="zh-CN" altLang="en-US" dirty="0" smtClean="0"/>
-              <a:t>不去</a:t>
-            </a:r>
-            <a:r>
-              <a:rPr lang="en-US" altLang="zh-CN" dirty="0" smtClean="0"/>
-              <a:t>ping,</a:t>
-            </a:r>
-            <a:r>
-              <a:rPr lang="zh-CN" altLang="en-US" dirty="0" smtClean="0"/>
-              <a:t>直接返回</a:t>
-            </a:r>
-            <a:r>
-              <a:rPr lang="en-US" altLang="zh-CN" dirty="0" smtClean="0"/>
-              <a:t>true,</a:t>
-            </a:r>
-            <a:r>
-              <a:rPr lang="zh-CN" altLang="en-US" dirty="0" smtClean="0"/>
-              <a:t>即可用。</a:t>
-            </a:r>
-            <a:endParaRPr lang="en-US" altLang="zh-CN" dirty="0" smtClean="0"/>
-          </a:p>
-          <a:p>
-            <a:r>
-              <a:rPr lang="en-US" altLang="zh-CN" dirty="0" err="1" smtClean="0"/>
-              <a:t>DummyPing</a:t>
-            </a:r>
-            <a:r>
-              <a:rPr lang="en-US" altLang="zh-CN" dirty="0" smtClean="0"/>
-              <a:t> </a:t>
-            </a:r>
-            <a:r>
-              <a:rPr lang="zh-CN" altLang="en-US" dirty="0" smtClean="0"/>
-              <a:t>直接返回</a:t>
-            </a:r>
-            <a:r>
-              <a:rPr lang="en-US" altLang="zh-CN" dirty="0" smtClean="0"/>
-              <a:t>true</a:t>
-            </a:r>
-            <a:r>
-              <a:rPr lang="zh-CN" altLang="en-US" dirty="0" smtClean="0"/>
-              <a:t>，并实现了</a:t>
-            </a:r>
-            <a:r>
-              <a:rPr lang="en-US" altLang="zh-CN" dirty="0" err="1" smtClean="0"/>
-              <a:t>initWithNiwsConfig</a:t>
-            </a:r>
-            <a:r>
-              <a:rPr lang="zh-CN" altLang="en-US" dirty="0" smtClean="0"/>
-              <a:t>方法。</a:t>
-            </a:r>
-            <a:endParaRPr lang="en-US" altLang="zh-CN" dirty="0" smtClean="0"/>
-          </a:p>
-          <a:p>
-            <a:r>
-              <a:rPr lang="en-US" altLang="zh-CN" dirty="0" err="1" smtClean="0"/>
-              <a:t>NIWSDiscoveryPing</a:t>
-            </a:r>
-            <a:r>
-              <a:rPr lang="zh-CN" altLang="en-US" dirty="0" smtClean="0"/>
-              <a:t>，根据</a:t>
-            </a:r>
-            <a:r>
-              <a:rPr lang="en-US" altLang="zh-CN" dirty="0" err="1" smtClean="0"/>
-              <a:t>DiscoveryEnabledServer</a:t>
-            </a:r>
-            <a:r>
-              <a:rPr lang="zh-CN" altLang="en-US" dirty="0" smtClean="0"/>
-              <a:t>的</a:t>
-            </a:r>
-            <a:r>
-              <a:rPr lang="en-US" altLang="zh-CN" dirty="0" err="1" smtClean="0"/>
-              <a:t>InstanceInfo</a:t>
-            </a:r>
-            <a:r>
-              <a:rPr lang="zh-CN" altLang="en-US" dirty="0" smtClean="0"/>
-              <a:t>的</a:t>
-            </a:r>
-            <a:r>
-              <a:rPr lang="en-US" altLang="zh-CN" dirty="0" err="1" smtClean="0"/>
-              <a:t>InstanceStatus</a:t>
-            </a:r>
-            <a:r>
-              <a:rPr lang="zh-CN" altLang="en-US" dirty="0" smtClean="0"/>
-              <a:t>去判断，如果为</a:t>
-            </a:r>
-            <a:r>
-              <a:rPr lang="en-US" altLang="zh-CN" dirty="0" err="1" smtClean="0"/>
-              <a:t>InstanceStatus.UP</a:t>
-            </a:r>
-            <a:r>
-              <a:rPr lang="zh-CN" altLang="en-US" dirty="0" smtClean="0"/>
-              <a:t>，则为可用，否则不可用。</a:t>
-            </a:r>
-            <a:endParaRPr lang="en-US" altLang="zh-CN" dirty="0" smtClean="0"/>
-          </a:p>
-          <a:p>
-            <a:endParaRPr lang="en-US" altLang="zh-CN" dirty="0" smtClean="0"/>
-          </a:p>
-          <a:p>
-            <a:endParaRPr lang="en-US" altLang="zh-CN" dirty="0" smtClean="0"/>
-          </a:p>
-          <a:p>
-            <a:pPr marL="0" marR="0" lvl="0" indent="0" algn="l" defTabSz="914400" rtl="0" eaLnBrk="1" fontAlgn="auto" latinLnBrk="0" hangingPunct="1">
-              <a:lnSpc>
-                <a:spcPct val="100000"/>
-              </a:lnSpc>
-              <a:spcBef>
-                <a:spcPts val="0"/>
-              </a:spcBef>
-              <a:spcAft>
-                <a:spcPts val="0"/>
-              </a:spcAft>
-              <a:buClrTx/>
-              <a:buSzTx/>
-              <a:buFontTx/>
-              <a:buNone/>
-              <a:tabLst/>
-              <a:defRPr/>
-            </a:pPr>
-            <a:r>
-              <a:rPr lang="zh-CN" altLang="en-US" sz="1200" b="0" i="0" kern="1200" dirty="0" smtClean="0">
-                <a:solidFill>
-                  <a:schemeClr val="tx1"/>
-                </a:solidFill>
-                <a:effectLst/>
-                <a:latin typeface="+mn-lt"/>
-                <a:ea typeface="+mn-ea"/>
-                <a:cs typeface="+mn-cs"/>
-              </a:rPr>
-              <a:t>负载均衡器是从</a:t>
-            </a:r>
-            <a:r>
-              <a:rPr lang="en-US" altLang="zh-CN" sz="1200" b="0" i="0" kern="1200" dirty="0" err="1" smtClean="0">
-                <a:solidFill>
-                  <a:schemeClr val="tx1"/>
-                </a:solidFill>
-                <a:effectLst/>
-                <a:latin typeface="+mn-lt"/>
-                <a:ea typeface="+mn-ea"/>
-                <a:cs typeface="+mn-cs"/>
-              </a:rPr>
-              <a:t>EurekaClient</a:t>
-            </a:r>
-            <a:r>
-              <a:rPr lang="zh-CN" altLang="en-US" sz="1200" b="0" i="0" kern="1200" dirty="0" smtClean="0">
-                <a:solidFill>
-                  <a:schemeClr val="tx1"/>
-                </a:solidFill>
-                <a:effectLst/>
-                <a:latin typeface="+mn-lt"/>
-                <a:ea typeface="+mn-ea"/>
-                <a:cs typeface="+mn-cs"/>
-              </a:rPr>
-              <a:t>获取服务信息，并根据</a:t>
-            </a:r>
-            <a:r>
-              <a:rPr lang="en-US" altLang="zh-CN" sz="1200" b="0" i="0" kern="1200" dirty="0" err="1" smtClean="0">
-                <a:solidFill>
-                  <a:schemeClr val="tx1"/>
-                </a:solidFill>
-                <a:effectLst/>
-                <a:latin typeface="+mn-lt"/>
-                <a:ea typeface="+mn-ea"/>
-                <a:cs typeface="+mn-cs"/>
-              </a:rPr>
-              <a:t>IRule</a:t>
-            </a:r>
-            <a:r>
-              <a:rPr lang="zh-CN" altLang="en-US" sz="1200" b="0" i="0" kern="1200" dirty="0" smtClean="0">
-                <a:solidFill>
-                  <a:schemeClr val="tx1"/>
-                </a:solidFill>
-                <a:effectLst/>
-                <a:latin typeface="+mn-lt"/>
-                <a:ea typeface="+mn-ea"/>
-                <a:cs typeface="+mn-cs"/>
-              </a:rPr>
-              <a:t>去路由，并且根据</a:t>
-            </a:r>
-            <a:r>
-              <a:rPr lang="en-US" altLang="zh-CN" sz="1200" b="0" i="0" kern="1200" dirty="0" err="1" smtClean="0">
-                <a:solidFill>
-                  <a:schemeClr val="tx1"/>
-                </a:solidFill>
-                <a:effectLst/>
-                <a:latin typeface="+mn-lt"/>
-                <a:ea typeface="+mn-ea"/>
-                <a:cs typeface="+mn-cs"/>
-              </a:rPr>
-              <a:t>IPing</a:t>
-            </a:r>
-            <a:r>
-              <a:rPr lang="zh-CN" altLang="en-US" sz="1200" b="0" i="0" kern="1200" dirty="0" smtClean="0">
-                <a:solidFill>
-                  <a:schemeClr val="tx1"/>
-                </a:solidFill>
-                <a:effectLst/>
-                <a:latin typeface="+mn-lt"/>
-                <a:ea typeface="+mn-ea"/>
-                <a:cs typeface="+mn-cs"/>
-              </a:rPr>
-              <a:t>去判断服务的可用性。</a:t>
-            </a:r>
-            <a:endParaRPr lang="en-US" altLang="zh-CN" sz="1200" b="0" i="0" kern="1200" dirty="0" smtClean="0">
-              <a:solidFill>
-                <a:schemeClr val="tx1"/>
-              </a:solidFill>
-              <a:effectLst/>
-              <a:latin typeface="+mn-lt"/>
-              <a:ea typeface="+mn-ea"/>
-              <a:cs typeface="+mn-cs"/>
-            </a:endParaRPr>
-          </a:p>
-          <a:p>
-            <a:endParaRPr lang="zh-CN" altLang="en-US" dirty="0" smtClean="0"/>
+            <a:endParaRPr lang="zh-CN" altLang="en-US" dirty="0"/>
           </a:p>
         </p:txBody>
       </p:sp>
@@ -1577,7 +1334,7 @@
           <a:p>
             <a:fld id="{51CD2DA3-C41E-4549-8AC5-B16F02EA38EC}" type="slidenum">
               <a:rPr lang="zh-CN" altLang="en-US" smtClean="0"/>
-              <a:t>14</a:t>
+              <a:t>12</a:t>
             </a:fld>
             <a:endParaRPr lang="zh-CN" altLang="en-US"/>
           </a:p>
@@ -1586,7 +1343,7 @@
     </p:spTree>
     <p:extLst>
       <p:ext uri="{BB962C8B-B14F-4D97-AF65-F5344CB8AC3E}">
-        <p14:creationId xmlns:p14="http://schemas.microsoft.com/office/powerpoint/2010/main" val="793413199"/>
+        <p14:creationId xmlns:p14="http://schemas.microsoft.com/office/powerpoint/2010/main" val="1332024784"/>
       </p:ext>
     </p:extLst>
   </p:cSld>
@@ -1641,68 +1398,10 @@
           <a:lstStyle/>
           <a:p>
             <a:r>
-              <a:rPr lang="en-US" altLang="zh-CN" dirty="0" err="1" smtClean="0"/>
-              <a:t>LoadBalancerClient</a:t>
-            </a:r>
-            <a:r>
-              <a:rPr lang="zh-CN" altLang="en-US" dirty="0" smtClean="0"/>
-              <a:t>是在初始化的时候，会向</a:t>
-            </a:r>
-            <a:r>
-              <a:rPr lang="en-US" altLang="zh-CN" dirty="0" smtClean="0"/>
-              <a:t>Eureka</a:t>
-            </a:r>
-            <a:r>
-              <a:rPr lang="zh-CN" altLang="en-US" dirty="0" smtClean="0"/>
-              <a:t>回去服务注册列表，并且向通过</a:t>
-            </a:r>
-            <a:r>
-              <a:rPr lang="en-US" altLang="zh-CN" dirty="0" smtClean="0"/>
-              <a:t>10s</a:t>
-            </a:r>
-            <a:r>
-              <a:rPr lang="zh-CN" altLang="en-US" dirty="0" smtClean="0"/>
-              <a:t>一次向</a:t>
-            </a:r>
-            <a:r>
-              <a:rPr lang="en-US" altLang="zh-CN" dirty="0" err="1" smtClean="0"/>
-              <a:t>EurekaClient</a:t>
-            </a:r>
-            <a:r>
-              <a:rPr lang="zh-CN" altLang="en-US" dirty="0" smtClean="0"/>
-              <a:t>发送“</a:t>
-            </a:r>
-            <a:r>
-              <a:rPr lang="en-US" altLang="zh-CN" dirty="0" smtClean="0"/>
-              <a:t>ping”</a:t>
-            </a:r>
-            <a:r>
-              <a:rPr lang="zh-CN" altLang="en-US" dirty="0" smtClean="0"/>
-              <a:t>，来判断服务的可用性，</a:t>
-            </a:r>
-            <a:endParaRPr lang="en-US" altLang="zh-CN" dirty="0" smtClean="0"/>
-          </a:p>
-          <a:p>
-            <a:r>
-              <a:rPr lang="zh-CN" altLang="en-US" dirty="0" smtClean="0"/>
-              <a:t>如果服务的可用性发生了改变或者服务数量和之前的不一致，则更新或者重新拉取。</a:t>
-            </a:r>
-            <a:r>
-              <a:rPr lang="en-US" altLang="zh-CN" dirty="0" err="1" smtClean="0"/>
-              <a:t>LoadBalancerClient</a:t>
-            </a:r>
-            <a:r>
-              <a:rPr lang="zh-CN" altLang="en-US" dirty="0" smtClean="0"/>
-              <a:t>有了这些服务注册列表，就可以根据具体的</a:t>
-            </a:r>
-            <a:r>
-              <a:rPr lang="en-US" altLang="zh-CN" dirty="0" err="1" smtClean="0"/>
-              <a:t>IRule</a:t>
-            </a:r>
-            <a:r>
-              <a:rPr lang="zh-CN" altLang="en-US" dirty="0" smtClean="0"/>
-              <a:t>来进行负载均衡。</a:t>
-            </a:r>
+              <a:rPr lang="en-US" altLang="zh-CN" sz="1200" dirty="0" err="1" smtClean="0"/>
+              <a:t>DynamicServerListLoadBalance</a:t>
+            </a:r>
+            <a:endParaRPr lang="zh-CN" altLang="en-US" dirty="0" smtClean="0"/>
           </a:p>
         </p:txBody>
       </p:sp>
@@ -1723,7 +1422,7 @@
           <a:p>
             <a:fld id="{51CD2DA3-C41E-4549-8AC5-B16F02EA38EC}" type="slidenum">
               <a:rPr lang="zh-CN" altLang="en-US" smtClean="0"/>
-              <a:t>15</a:t>
+              <a:t>14</a:t>
             </a:fld>
             <a:endParaRPr lang="zh-CN" altLang="en-US"/>
           </a:p>
@@ -1732,7 +1431,455 @@
     </p:spTree>
     <p:extLst>
       <p:ext uri="{BB962C8B-B14F-4D97-AF65-F5344CB8AC3E}">
-        <p14:creationId xmlns:p14="http://schemas.microsoft.com/office/powerpoint/2010/main" val="2544462772"/>
+        <p14:creationId xmlns:p14="http://schemas.microsoft.com/office/powerpoint/2010/main" val="1499370231"/>
+      </p:ext>
+    </p:extLst>
+  </p:cSld>
+  <p:clrMapOvr>
+    <a:masterClrMapping/>
+  </p:clrMapOvr>
+</p:notes>
+</file>
+
+<file path=ppt/notesSlides/notesSlide8.xml><?xml version="1.0" encoding="utf-8"?>
+<p:notes xmlns:a="http://schemas.openxmlformats.org/drawingml/2006/main" xmlns:r="http://schemas.openxmlformats.org/officeDocument/2006/relationships" xmlns:p="http://schemas.openxmlformats.org/presentationml/2006/main">
+  <p:cSld>
+    <p:spTree>
+      <p:nvGrpSpPr>
+        <p:cNvPr id="1" name=""/>
+        <p:cNvGrpSpPr/>
+        <p:nvPr/>
+      </p:nvGrpSpPr>
+      <p:grpSpPr>
+        <a:xfrm>
+          <a:off x="0" y="0"/>
+          <a:ext cx="0" cy="0"/>
+          <a:chOff x="0" y="0"/>
+          <a:chExt cx="0" cy="0"/>
+        </a:xfrm>
+      </p:grpSpPr>
+      <p:sp>
+        <p:nvSpPr>
+          <p:cNvPr id="2" name="幻灯片图像占位符 1"/>
+          <p:cNvSpPr>
+            <a:spLocks noGrp="1" noRot="1" noChangeAspect="1"/>
+          </p:cNvSpPr>
+          <p:nvPr>
+            <p:ph type="sldImg"/>
+          </p:nvPr>
+        </p:nvSpPr>
+        <p:spPr/>
+      </p:sp>
+      <p:sp>
+        <p:nvSpPr>
+          <p:cNvPr id="3" name="备注占位符 2"/>
+          <p:cNvSpPr>
+            <a:spLocks noGrp="1"/>
+          </p:cNvSpPr>
+          <p:nvPr>
+            <p:ph type="body" idx="1"/>
+          </p:nvPr>
+        </p:nvSpPr>
+        <p:spPr/>
+        <p:txBody>
+          <a:bodyPr/>
+          <a:lstStyle/>
+          <a:p>
+            <a:r>
+              <a:rPr lang="en-US" altLang="zh-CN" dirty="0" err="1" smtClean="0"/>
+              <a:t>PingUrl</a:t>
+            </a:r>
+            <a:r>
+              <a:rPr lang="en-US" altLang="zh-CN" dirty="0" smtClean="0"/>
+              <a:t> </a:t>
+            </a:r>
+            <a:r>
+              <a:rPr lang="zh-CN" altLang="en-US" dirty="0" smtClean="0"/>
+              <a:t>真实的去</a:t>
+            </a:r>
+            <a:r>
+              <a:rPr lang="en-US" altLang="zh-CN" dirty="0" smtClean="0"/>
+              <a:t>ping </a:t>
+            </a:r>
+            <a:r>
+              <a:rPr lang="zh-CN" altLang="en-US" dirty="0" smtClean="0"/>
+              <a:t>某个</a:t>
+            </a:r>
+            <a:r>
+              <a:rPr lang="en-US" altLang="zh-CN" dirty="0" err="1" smtClean="0"/>
+              <a:t>url</a:t>
+            </a:r>
+            <a:r>
+              <a:rPr lang="zh-CN" altLang="en-US" dirty="0" smtClean="0"/>
+              <a:t>，判断其是否</a:t>
+            </a:r>
+            <a:r>
+              <a:rPr lang="en-US" altLang="zh-CN" dirty="0" smtClean="0"/>
+              <a:t>alive</a:t>
+            </a:r>
+          </a:p>
+          <a:p>
+            <a:r>
+              <a:rPr lang="en-US" altLang="zh-CN" dirty="0" err="1" smtClean="0"/>
+              <a:t>PingConstant</a:t>
+            </a:r>
+            <a:r>
+              <a:rPr lang="en-US" altLang="zh-CN" dirty="0" smtClean="0"/>
+              <a:t> </a:t>
+            </a:r>
+            <a:r>
+              <a:rPr lang="zh-CN" altLang="en-US" dirty="0" smtClean="0"/>
+              <a:t>固定返回某服务是否可用，默认返回</a:t>
+            </a:r>
+            <a:r>
+              <a:rPr lang="en-US" altLang="zh-CN" dirty="0" smtClean="0"/>
+              <a:t>true</a:t>
+            </a:r>
+            <a:r>
+              <a:rPr lang="zh-CN" altLang="en-US" dirty="0" smtClean="0"/>
+              <a:t>，即可用</a:t>
+            </a:r>
+            <a:endParaRPr lang="en-US" altLang="zh-CN" dirty="0" smtClean="0"/>
+          </a:p>
+          <a:p>
+            <a:r>
+              <a:rPr lang="en-US" altLang="zh-CN" dirty="0" err="1" smtClean="0"/>
+              <a:t>NoOpPing</a:t>
+            </a:r>
+            <a:r>
+              <a:rPr lang="en-US" altLang="zh-CN" dirty="0" smtClean="0"/>
+              <a:t> </a:t>
+            </a:r>
+            <a:r>
+              <a:rPr lang="zh-CN" altLang="en-US" dirty="0" smtClean="0"/>
+              <a:t>不去</a:t>
+            </a:r>
+            <a:r>
+              <a:rPr lang="en-US" altLang="zh-CN" dirty="0" smtClean="0"/>
+              <a:t>ping,</a:t>
+            </a:r>
+            <a:r>
+              <a:rPr lang="zh-CN" altLang="en-US" dirty="0" smtClean="0"/>
+              <a:t>直接返回</a:t>
+            </a:r>
+            <a:r>
+              <a:rPr lang="en-US" altLang="zh-CN" dirty="0" smtClean="0"/>
+              <a:t>true,</a:t>
+            </a:r>
+            <a:r>
+              <a:rPr lang="zh-CN" altLang="en-US" dirty="0" smtClean="0"/>
+              <a:t>即可用。</a:t>
+            </a:r>
+            <a:endParaRPr lang="en-US" altLang="zh-CN" dirty="0" smtClean="0"/>
+          </a:p>
+          <a:p>
+            <a:r>
+              <a:rPr lang="en-US" altLang="zh-CN" dirty="0" err="1" smtClean="0"/>
+              <a:t>DummyPing</a:t>
+            </a:r>
+            <a:r>
+              <a:rPr lang="en-US" altLang="zh-CN" dirty="0" smtClean="0"/>
+              <a:t> </a:t>
+            </a:r>
+            <a:r>
+              <a:rPr lang="zh-CN" altLang="en-US" dirty="0" smtClean="0"/>
+              <a:t>直接返回</a:t>
+            </a:r>
+            <a:r>
+              <a:rPr lang="en-US" altLang="zh-CN" dirty="0" smtClean="0"/>
+              <a:t>true</a:t>
+            </a:r>
+            <a:r>
+              <a:rPr lang="zh-CN" altLang="en-US" dirty="0" smtClean="0"/>
+              <a:t>，并实现了</a:t>
+            </a:r>
+            <a:r>
+              <a:rPr lang="en-US" altLang="zh-CN" dirty="0" err="1" smtClean="0"/>
+              <a:t>initWithNiwsConfig</a:t>
+            </a:r>
+            <a:r>
+              <a:rPr lang="zh-CN" altLang="en-US" dirty="0" smtClean="0"/>
+              <a:t>方法。</a:t>
+            </a:r>
+            <a:endParaRPr lang="en-US" altLang="zh-CN" dirty="0" smtClean="0"/>
+          </a:p>
+          <a:p>
+            <a:r>
+              <a:rPr lang="en-US" altLang="zh-CN" dirty="0" err="1" smtClean="0"/>
+              <a:t>NIWSDiscoveryPing</a:t>
+            </a:r>
+            <a:r>
+              <a:rPr lang="zh-CN" altLang="en-US" dirty="0" smtClean="0"/>
+              <a:t>，根据</a:t>
+            </a:r>
+            <a:r>
+              <a:rPr lang="en-US" altLang="zh-CN" dirty="0" err="1" smtClean="0"/>
+              <a:t>DiscoveryEnabledServer</a:t>
+            </a:r>
+            <a:r>
+              <a:rPr lang="zh-CN" altLang="en-US" dirty="0" smtClean="0"/>
+              <a:t>的</a:t>
+            </a:r>
+            <a:r>
+              <a:rPr lang="en-US" altLang="zh-CN" dirty="0" err="1" smtClean="0"/>
+              <a:t>InstanceInfo</a:t>
+            </a:r>
+            <a:r>
+              <a:rPr lang="zh-CN" altLang="en-US" dirty="0" smtClean="0"/>
+              <a:t>的</a:t>
+            </a:r>
+            <a:r>
+              <a:rPr lang="en-US" altLang="zh-CN" dirty="0" err="1" smtClean="0"/>
+              <a:t>InstanceStatus</a:t>
+            </a:r>
+            <a:r>
+              <a:rPr lang="zh-CN" altLang="en-US" dirty="0" smtClean="0"/>
+              <a:t>去判断，如果为</a:t>
+            </a:r>
+            <a:r>
+              <a:rPr lang="en-US" altLang="zh-CN" dirty="0" err="1" smtClean="0"/>
+              <a:t>InstanceStatus.UP</a:t>
+            </a:r>
+            <a:r>
+              <a:rPr lang="zh-CN" altLang="en-US" dirty="0" smtClean="0"/>
+              <a:t>，则为可用，否则不可用。</a:t>
+            </a:r>
+            <a:endParaRPr lang="en-US" altLang="zh-CN" dirty="0" smtClean="0"/>
+          </a:p>
+          <a:p>
+            <a:endParaRPr lang="en-US" altLang="zh-CN" dirty="0" smtClean="0"/>
+          </a:p>
+          <a:p>
+            <a:endParaRPr lang="en-US" altLang="zh-CN" dirty="0" smtClean="0"/>
+          </a:p>
+          <a:p>
+            <a:pPr marL="0" marR="0" lvl="0" indent="0" algn="l" defTabSz="914400" rtl="0" eaLnBrk="1" fontAlgn="auto" latinLnBrk="0" hangingPunct="1">
+              <a:lnSpc>
+                <a:spcPct val="100000"/>
+              </a:lnSpc>
+              <a:spcBef>
+                <a:spcPts val="0"/>
+              </a:spcBef>
+              <a:spcAft>
+                <a:spcPts val="0"/>
+              </a:spcAft>
+              <a:buClrTx/>
+              <a:buSzTx/>
+              <a:buFontTx/>
+              <a:buNone/>
+              <a:tabLst/>
+              <a:defRPr/>
+            </a:pPr>
+            <a:r>
+              <a:rPr lang="zh-CN" altLang="en-US" sz="1200" b="0" i="0" kern="1200" dirty="0" smtClean="0">
+                <a:solidFill>
+                  <a:schemeClr val="tx1"/>
+                </a:solidFill>
+                <a:effectLst/>
+                <a:latin typeface="+mn-lt"/>
+                <a:ea typeface="+mn-ea"/>
+                <a:cs typeface="+mn-cs"/>
+              </a:rPr>
+              <a:t>负载均衡器是从</a:t>
+            </a:r>
+            <a:r>
+              <a:rPr lang="en-US" altLang="zh-CN" sz="1200" b="0" i="0" kern="1200" dirty="0" err="1" smtClean="0">
+                <a:solidFill>
+                  <a:schemeClr val="tx1"/>
+                </a:solidFill>
+                <a:effectLst/>
+                <a:latin typeface="+mn-lt"/>
+                <a:ea typeface="+mn-ea"/>
+                <a:cs typeface="+mn-cs"/>
+              </a:rPr>
+              <a:t>EurekaClient</a:t>
+            </a:r>
+            <a:r>
+              <a:rPr lang="zh-CN" altLang="en-US" sz="1200" b="0" i="0" kern="1200" dirty="0" smtClean="0">
+                <a:solidFill>
+                  <a:schemeClr val="tx1"/>
+                </a:solidFill>
+                <a:effectLst/>
+                <a:latin typeface="+mn-lt"/>
+                <a:ea typeface="+mn-ea"/>
+                <a:cs typeface="+mn-cs"/>
+              </a:rPr>
+              <a:t>获取服务信息，并根据</a:t>
+            </a:r>
+            <a:r>
+              <a:rPr lang="en-US" altLang="zh-CN" sz="1200" b="0" i="0" kern="1200" dirty="0" err="1" smtClean="0">
+                <a:solidFill>
+                  <a:schemeClr val="tx1"/>
+                </a:solidFill>
+                <a:effectLst/>
+                <a:latin typeface="+mn-lt"/>
+                <a:ea typeface="+mn-ea"/>
+                <a:cs typeface="+mn-cs"/>
+              </a:rPr>
+              <a:t>IRule</a:t>
+            </a:r>
+            <a:r>
+              <a:rPr lang="zh-CN" altLang="en-US" sz="1200" b="0" i="0" kern="1200" dirty="0" smtClean="0">
+                <a:solidFill>
+                  <a:schemeClr val="tx1"/>
+                </a:solidFill>
+                <a:effectLst/>
+                <a:latin typeface="+mn-lt"/>
+                <a:ea typeface="+mn-ea"/>
+                <a:cs typeface="+mn-cs"/>
+              </a:rPr>
+              <a:t>去路由，并且根据</a:t>
+            </a:r>
+            <a:r>
+              <a:rPr lang="en-US" altLang="zh-CN" sz="1200" b="0" i="0" kern="1200" dirty="0" err="1" smtClean="0">
+                <a:solidFill>
+                  <a:schemeClr val="tx1"/>
+                </a:solidFill>
+                <a:effectLst/>
+                <a:latin typeface="+mn-lt"/>
+                <a:ea typeface="+mn-ea"/>
+                <a:cs typeface="+mn-cs"/>
+              </a:rPr>
+              <a:t>IPing</a:t>
+            </a:r>
+            <a:r>
+              <a:rPr lang="zh-CN" altLang="en-US" sz="1200" b="0" i="0" kern="1200" dirty="0" smtClean="0">
+                <a:solidFill>
+                  <a:schemeClr val="tx1"/>
+                </a:solidFill>
+                <a:effectLst/>
+                <a:latin typeface="+mn-lt"/>
+                <a:ea typeface="+mn-ea"/>
+                <a:cs typeface="+mn-cs"/>
+              </a:rPr>
+              <a:t>去判断服务的可用性。</a:t>
+            </a:r>
+            <a:endParaRPr lang="en-US" altLang="zh-CN" sz="1200" b="0" i="0" kern="1200" dirty="0" smtClean="0">
+              <a:solidFill>
+                <a:schemeClr val="tx1"/>
+              </a:solidFill>
+              <a:effectLst/>
+              <a:latin typeface="+mn-lt"/>
+              <a:ea typeface="+mn-ea"/>
+              <a:cs typeface="+mn-cs"/>
+            </a:endParaRPr>
+          </a:p>
+          <a:p>
+            <a:endParaRPr lang="zh-CN" altLang="en-US" dirty="0" smtClean="0"/>
+          </a:p>
+        </p:txBody>
+      </p:sp>
+      <p:sp>
+        <p:nvSpPr>
+          <p:cNvPr id="4" name="灯片编号占位符 3"/>
+          <p:cNvSpPr>
+            <a:spLocks noGrp="1"/>
+          </p:cNvSpPr>
+          <p:nvPr>
+            <p:ph type="sldNum" sz="quarter" idx="10"/>
+          </p:nvPr>
+        </p:nvSpPr>
+        <p:spPr/>
+        <p:txBody>
+          <a:bodyPr/>
+          <a:lstStyle/>
+          <a:p>
+            <a:fld id="{51CD2DA3-C41E-4549-8AC5-B16F02EA38EC}" type="slidenum">
+              <a:rPr lang="zh-CN" altLang="en-US" smtClean="0"/>
+              <a:t>16</a:t>
+            </a:fld>
+            <a:endParaRPr lang="zh-CN" altLang="en-US"/>
+          </a:p>
+        </p:txBody>
+      </p:sp>
+    </p:spTree>
+    <p:extLst>
+      <p:ext uri="{BB962C8B-B14F-4D97-AF65-F5344CB8AC3E}">
+        <p14:creationId xmlns:p14="http://schemas.microsoft.com/office/powerpoint/2010/main" val="793413199"/>
+      </p:ext>
+    </p:extLst>
+  </p:cSld>
+  <p:clrMapOvr>
+    <a:masterClrMapping/>
+  </p:clrMapOvr>
+</p:notes>
+</file>
+
+<file path=ppt/notesSlides/notesSlide9.xml><?xml version="1.0" encoding="utf-8"?>
+<p:notes xmlns:a="http://schemas.openxmlformats.org/drawingml/2006/main" xmlns:r="http://schemas.openxmlformats.org/officeDocument/2006/relationships" xmlns:p="http://schemas.openxmlformats.org/presentationml/2006/main">
+  <p:cSld>
+    <p:spTree>
+      <p:nvGrpSpPr>
+        <p:cNvPr id="1" name=""/>
+        <p:cNvGrpSpPr/>
+        <p:nvPr/>
+      </p:nvGrpSpPr>
+      <p:grpSpPr>
+        <a:xfrm>
+          <a:off x="0" y="0"/>
+          <a:ext cx="0" cy="0"/>
+          <a:chOff x="0" y="0"/>
+          <a:chExt cx="0" cy="0"/>
+        </a:xfrm>
+      </p:grpSpPr>
+      <p:sp>
+        <p:nvSpPr>
+          <p:cNvPr id="2" name="幻灯片图像占位符 1"/>
+          <p:cNvSpPr>
+            <a:spLocks noGrp="1" noRot="1" noChangeAspect="1"/>
+          </p:cNvSpPr>
+          <p:nvPr>
+            <p:ph type="sldImg"/>
+          </p:nvPr>
+        </p:nvSpPr>
+        <p:spPr/>
+      </p:sp>
+      <p:sp>
+        <p:nvSpPr>
+          <p:cNvPr id="3" name="备注占位符 2"/>
+          <p:cNvSpPr>
+            <a:spLocks noGrp="1"/>
+          </p:cNvSpPr>
+          <p:nvPr>
+            <p:ph type="body" idx="1"/>
+          </p:nvPr>
+        </p:nvSpPr>
+        <p:spPr/>
+        <p:txBody>
+          <a:bodyPr/>
+          <a:lstStyle/>
+          <a:p>
+            <a:endParaRPr lang="zh-CN" altLang="en-US" dirty="0"/>
+          </a:p>
+        </p:txBody>
+      </p:sp>
+      <p:sp>
+        <p:nvSpPr>
+          <p:cNvPr id="4" name="灯片编号占位符 3"/>
+          <p:cNvSpPr>
+            <a:spLocks noGrp="1"/>
+          </p:cNvSpPr>
+          <p:nvPr>
+            <p:ph type="sldNum" sz="quarter" idx="10"/>
+          </p:nvPr>
+        </p:nvSpPr>
+        <p:spPr/>
+        <p:txBody>
+          <a:bodyPr/>
+          <a:lstStyle/>
+          <a:p>
+            <a:fld id="{51CD2DA3-C41E-4549-8AC5-B16F02EA38EC}" type="slidenum">
+              <a:rPr lang="zh-CN" altLang="en-US" smtClean="0"/>
+              <a:t>17</a:t>
+            </a:fld>
+            <a:endParaRPr lang="zh-CN" altLang="en-US"/>
+          </a:p>
+        </p:txBody>
+      </p:sp>
+    </p:spTree>
+    <p:extLst>
+      <p:ext uri="{BB962C8B-B14F-4D97-AF65-F5344CB8AC3E}">
+        <p14:creationId xmlns:p14="http://schemas.microsoft.com/office/powerpoint/2010/main" val="3191404674"/>
       </p:ext>
     </p:extLst>
   </p:cSld>
@@ -1967,7 +2114,7 @@
           <a:p>
             <a:fld id="{530820CF-B880-4189-942D-D702A7CBA730}" type="datetimeFigureOut">
               <a:rPr lang="zh-CN" altLang="en-US" smtClean="0"/>
-              <a:t>2020/7/13</a:t>
+              <a:t>2020/7/15</a:t>
             </a:fld>
             <a:endParaRPr lang="zh-CN" altLang="en-US" dirty="0"/>
           </a:p>
@@ -4429,38 +4576,7 @@
           <a:p>
             <a:r>
               <a:rPr lang="zh-CN" altLang="en-US" dirty="0" smtClean="0"/>
-              <a:t>获取清单</a:t>
-            </a:r>
-            <a:endParaRPr lang="zh-CN" altLang="en-US" dirty="0"/>
-          </a:p>
-        </p:txBody>
-      </p:sp>
-      <p:sp>
-        <p:nvSpPr>
-          <p:cNvPr id="3" name="副标题 2"/>
-          <p:cNvSpPr>
-            <a:spLocks noGrp="1"/>
-          </p:cNvSpPr>
-          <p:nvPr>
-            <p:ph type="subTitle" idx="1"/>
-          </p:nvPr>
-        </p:nvSpPr>
-        <p:spPr/>
-        <p:txBody>
-          <a:bodyPr/>
-          <a:lstStyle/>
-          <a:p>
-            <a:r>
-              <a:rPr lang="zh-CN" altLang="en-US" dirty="0" smtClean="0"/>
-              <a:t>核心：</a:t>
-            </a:r>
-            <a:r>
-              <a:rPr lang="en-US" altLang="zh-CN" dirty="0"/>
-              <a:t> </a:t>
-            </a:r>
-            <a:r>
-              <a:rPr lang="en-US" altLang="zh-CN" dirty="0" err="1"/>
-              <a:t>LoadBalancerClient</a:t>
+              <a:t>心跳检测</a:t>
             </a:r>
             <a:endParaRPr lang="zh-CN" altLang="en-US" dirty="0"/>
           </a:p>
@@ -4475,6 +4591,30 @@
           <p:nvPr/>
         </p:nvPicPr>
         <p:blipFill>
+          <a:blip r:embed="rId2"/>
+          <a:stretch>
+            <a:fillRect/>
+          </a:stretch>
+        </p:blipFill>
+        <p:spPr>
+          <a:xfrm>
+            <a:off x="383352" y="904771"/>
+            <a:ext cx="4557818" cy="1656184"/>
+          </a:xfrm>
+          <a:prstGeom prst="rect">
+            <a:avLst/>
+          </a:prstGeom>
+        </p:spPr>
+      </p:pic>
+      <p:pic>
+        <p:nvPicPr>
+          <p:cNvPr id="6" name="图片 5"/>
+          <p:cNvPicPr>
+            <a:picLocks noChangeAspect="1"/>
+          </p:cNvPicPr>
+          <p:nvPr/>
+        </p:nvPicPr>
+        <p:blipFill>
           <a:blip r:embed="rId3"/>
           <a:stretch>
             <a:fillRect/>
@@ -4482,134 +4622,51 @@
         </p:blipFill>
         <p:spPr>
           <a:xfrm>
-            <a:off x="395536" y="1491630"/>
-            <a:ext cx="3533775" cy="2562225"/>
+            <a:off x="383351" y="2643758"/>
+            <a:ext cx="8164307" cy="1993442"/>
           </a:xfrm>
           <a:prstGeom prst="rect">
             <a:avLst/>
           </a:prstGeom>
         </p:spPr>
       </p:pic>
-      <p:sp>
-        <p:nvSpPr>
-          <p:cNvPr id="5" name="矩形 4"/>
-          <p:cNvSpPr/>
+      <p:pic>
+        <p:nvPicPr>
+          <p:cNvPr id="7" name="图片 6"/>
+          <p:cNvPicPr>
+            <a:picLocks noChangeAspect="1"/>
+          </p:cNvPicPr>
           <p:nvPr/>
-        </p:nvSpPr>
+        </p:nvPicPr>
+        <p:blipFill>
+          <a:blip r:embed="rId4"/>
+          <a:stretch>
+            <a:fillRect/>
+          </a:stretch>
+        </p:blipFill>
         <p:spPr>
           <a:xfrm>
-            <a:off x="4139952" y="1923678"/>
-            <a:ext cx="4572000" cy="646331"/>
+            <a:off x="5004048" y="904771"/>
+            <a:ext cx="3543611" cy="1656184"/>
           </a:xfrm>
           <a:prstGeom prst="rect">
             <a:avLst/>
           </a:prstGeom>
         </p:spPr>
-        <p:txBody>
-          <a:bodyPr>
-            <a:spAutoFit/>
-          </a:bodyPr>
-          <a:lstStyle/>
-          <a:p>
-            <a:r>
-              <a:rPr lang="en-US" altLang="zh-CN" dirty="0">
-                <a:solidFill>
-                  <a:srgbClr val="4D4D4D"/>
-                </a:solidFill>
-                <a:latin typeface="Microsoft YaHei" panose="020B0503020204020204" pitchFamily="34" charset="-122"/>
-                <a:ea typeface="Microsoft YaHei" panose="020B0503020204020204" pitchFamily="34" charset="-122"/>
-              </a:rPr>
-              <a:t>choose()</a:t>
-            </a:r>
-            <a:r>
-              <a:rPr lang="zh-CN" altLang="en-US" dirty="0">
-                <a:solidFill>
-                  <a:srgbClr val="4D4D4D"/>
-                </a:solidFill>
-                <a:latin typeface="Microsoft YaHei" panose="020B0503020204020204" pitchFamily="34" charset="-122"/>
-                <a:ea typeface="Microsoft YaHei" panose="020B0503020204020204" pitchFamily="34" charset="-122"/>
-              </a:rPr>
-              <a:t>方法是选择具体服务实例的一个方法</a:t>
-            </a:r>
-            <a:endParaRPr lang="zh-CN" altLang="en-US" dirty="0"/>
-          </a:p>
-        </p:txBody>
-      </p:sp>
-      <p:sp>
-        <p:nvSpPr>
-          <p:cNvPr id="6" name="矩形 5"/>
-          <p:cNvSpPr/>
-          <p:nvPr/>
-        </p:nvSpPr>
-        <p:spPr>
-          <a:xfrm>
-            <a:off x="4211960" y="3003118"/>
-            <a:ext cx="4572000" cy="646331"/>
-          </a:xfrm>
-          <a:prstGeom prst="rect">
-            <a:avLst/>
-          </a:prstGeom>
-        </p:spPr>
-        <p:txBody>
-          <a:bodyPr>
-            <a:spAutoFit/>
-          </a:bodyPr>
-          <a:lstStyle/>
-          <a:p>
-            <a:r>
-              <a:rPr lang="zh-CN" altLang="en-US" dirty="0" smtClean="0">
-                <a:solidFill>
-                  <a:srgbClr val="4D4D4D"/>
-                </a:solidFill>
-                <a:latin typeface="Microsoft YaHei" panose="020B0503020204020204" pitchFamily="34" charset="-122"/>
-                <a:ea typeface="Microsoft YaHei" panose="020B0503020204020204" pitchFamily="34" charset="-122"/>
-              </a:rPr>
-              <a:t>最终</a:t>
-            </a:r>
-            <a:r>
-              <a:rPr lang="zh-CN" altLang="en-US" dirty="0">
-                <a:solidFill>
-                  <a:srgbClr val="4D4D4D"/>
-                </a:solidFill>
-                <a:latin typeface="Microsoft YaHei" panose="020B0503020204020204" pitchFamily="34" charset="-122"/>
-                <a:ea typeface="Microsoft YaHei" panose="020B0503020204020204" pitchFamily="34" charset="-122"/>
-              </a:rPr>
-              <a:t>交给了</a:t>
-            </a:r>
-            <a:r>
-              <a:rPr lang="en-US" altLang="zh-CN" dirty="0" err="1">
-                <a:solidFill>
-                  <a:srgbClr val="4D4D4D"/>
-                </a:solidFill>
-                <a:latin typeface="Microsoft YaHei" panose="020B0503020204020204" pitchFamily="34" charset="-122"/>
-                <a:ea typeface="Microsoft YaHei" panose="020B0503020204020204" pitchFamily="34" charset="-122"/>
-              </a:rPr>
-              <a:t>ILoadBalancer</a:t>
-            </a:r>
-            <a:r>
-              <a:rPr lang="zh-CN" altLang="en-US" dirty="0">
-                <a:solidFill>
-                  <a:srgbClr val="4D4D4D"/>
-                </a:solidFill>
-                <a:latin typeface="Microsoft YaHei" panose="020B0503020204020204" pitchFamily="34" charset="-122"/>
-                <a:ea typeface="Microsoft YaHei" panose="020B0503020204020204" pitchFamily="34" charset="-122"/>
-              </a:rPr>
-              <a:t>类去选择服务实例</a:t>
-            </a:r>
-            <a:endParaRPr lang="zh-CN" altLang="en-US" dirty="0"/>
-          </a:p>
-        </p:txBody>
-      </p:sp>
+      </p:pic>
     </p:spTree>
     <p:extLst>
       <p:ext uri="{BB962C8B-B14F-4D97-AF65-F5344CB8AC3E}">
-        <p14:creationId xmlns:p14="http://schemas.microsoft.com/office/powerpoint/2010/main" val="2911346938"/>
+        <p14:creationId xmlns:p14="http://schemas.microsoft.com/office/powerpoint/2010/main" val="2486125115"/>
       </p:ext>
     </p:extLst>
   </p:cSld>
   <p:clrMapOvr>
     <a:masterClrMapping/>
   </p:clrMapOvr>
+  <p:transition spd="slow">
+    <p:push dir="u"/>
+  </p:transition>
   <p:timing>
     <p:tnLst>
       <p:par>
@@ -4654,7 +4711,7 @@
           <a:p>
             <a:r>
               <a:rPr lang="zh-CN" altLang="en-US" dirty="0" smtClean="0"/>
-              <a:t>心跳检测</a:t>
+              <a:t>服务选取</a:t>
             </a:r>
             <a:endParaRPr lang="zh-CN" altLang="en-US" dirty="0"/>
           </a:p>
@@ -4662,22 +4719,22 @@
       </p:sp>
       <p:pic>
         <p:nvPicPr>
-          <p:cNvPr id="5" name="图片 4"/>
+          <p:cNvPr id="3" name="图片 2"/>
           <p:cNvPicPr>
             <a:picLocks noChangeAspect="1"/>
           </p:cNvPicPr>
           <p:nvPr/>
         </p:nvPicPr>
         <p:blipFill>
-          <a:blip r:embed="rId2"/>
+          <a:blip r:embed="rId3"/>
           <a:stretch>
             <a:fillRect/>
           </a:stretch>
         </p:blipFill>
         <p:spPr>
           <a:xfrm>
-            <a:off x="1403648" y="1275606"/>
-            <a:ext cx="5524500" cy="2943225"/>
+            <a:off x="1907704" y="915566"/>
+            <a:ext cx="4248472" cy="3691295"/>
           </a:xfrm>
           <a:prstGeom prst="rect">
             <a:avLst/>
@@ -4687,13 +4744,25 @@
     </p:spTree>
     <p:extLst>
       <p:ext uri="{BB962C8B-B14F-4D97-AF65-F5344CB8AC3E}">
-        <p14:creationId xmlns:p14="http://schemas.microsoft.com/office/powerpoint/2010/main" val="2486125115"/>
+        <p14:creationId xmlns:p14="http://schemas.microsoft.com/office/powerpoint/2010/main" val="3089079735"/>
       </p:ext>
     </p:extLst>
   </p:cSld>
   <p:clrMapOvr>
     <a:masterClrMapping/>
   </p:clrMapOvr>
+  <mc:AlternateContent xmlns:mc="http://schemas.openxmlformats.org/markup-compatibility/2006">
+    <mc:Choice xmlns:p14="http://schemas.microsoft.com/office/powerpoint/2010/main" Requires="p14">
+      <p:transition p14:dur="100">
+        <p:cut/>
+      </p:transition>
+    </mc:Choice>
+    <mc:Fallback>
+      <p:transition>
+        <p:cut/>
+      </p:transition>
+    </mc:Fallback>
+  </mc:AlternateContent>
   <p:timing>
     <p:tnLst>
       <p:par>
@@ -4738,130 +4807,49 @@
           <a:p>
             <a:r>
               <a:rPr lang="zh-CN" altLang="en-US" dirty="0" smtClean="0"/>
-              <a:t>服务选取</a:t>
+              <a:t>地址转换</a:t>
             </a:r>
             <a:endParaRPr lang="zh-CN" altLang="en-US" dirty="0"/>
           </a:p>
         </p:txBody>
       </p:sp>
-      <p:sp>
-        <p:nvSpPr>
-          <p:cNvPr id="4" name="矩形 3"/>
-          <p:cNvSpPr/>
+      <p:pic>
+        <p:nvPicPr>
+          <p:cNvPr id="5" name="图片 4"/>
+          <p:cNvPicPr>
+            <a:picLocks noChangeAspect="1"/>
+          </p:cNvPicPr>
           <p:nvPr/>
-        </p:nvSpPr>
+        </p:nvPicPr>
+        <p:blipFill>
+          <a:blip r:embed="rId3"/>
+          <a:stretch>
+            <a:fillRect/>
+          </a:stretch>
+        </p:blipFill>
         <p:spPr>
           <a:xfrm>
-            <a:off x="683568" y="1419622"/>
-            <a:ext cx="7056784" cy="1754326"/>
+            <a:off x="1259632" y="779294"/>
+            <a:ext cx="7416824" cy="4003981"/>
           </a:xfrm>
           <a:prstGeom prst="rect">
             <a:avLst/>
           </a:prstGeom>
         </p:spPr>
-        <p:txBody>
-          <a:bodyPr wrap="square">
-            <a:spAutoFit/>
-          </a:bodyPr>
-          <a:lstStyle/>
-          <a:p>
-            <a:r>
-              <a:rPr lang="zh-CN" altLang="en-US" dirty="0"/>
-              <a:t>IClientConfig ribbonClientConfig: DefaultClientConfigImpl</a:t>
-            </a:r>
-            <a:r>
-              <a:rPr lang="zh-CN" altLang="en-US" dirty="0" smtClean="0"/>
-              <a:t>配置</a:t>
-            </a:r>
-            <a:endParaRPr lang="en-US" altLang="zh-CN" dirty="0" smtClean="0"/>
-          </a:p>
-          <a:p>
-            <a:r>
-              <a:rPr lang="zh-CN" altLang="en-US" dirty="0" smtClean="0"/>
-              <a:t>IRule </a:t>
-            </a:r>
-            <a:r>
-              <a:rPr lang="zh-CN" altLang="en-US" dirty="0"/>
-              <a:t>ribbonRule: RoundRobinRule 路由</a:t>
-            </a:r>
-            <a:r>
-              <a:rPr lang="zh-CN" altLang="en-US" dirty="0" smtClean="0"/>
-              <a:t>策略</a:t>
-            </a:r>
-            <a:endParaRPr lang="en-US" altLang="zh-CN" dirty="0" smtClean="0"/>
-          </a:p>
-          <a:p>
-            <a:r>
-              <a:rPr lang="zh-CN" altLang="en-US" dirty="0" smtClean="0"/>
-              <a:t>IPing </a:t>
-            </a:r>
-            <a:r>
-              <a:rPr lang="zh-CN" altLang="en-US" dirty="0"/>
-              <a:t>ribbonPing: </a:t>
-            </a:r>
-            <a:r>
-              <a:rPr lang="zh-CN" altLang="en-US" dirty="0" smtClean="0"/>
-              <a:t>DummyPing</a:t>
-            </a:r>
-            <a:endParaRPr lang="en-US" altLang="zh-CN" dirty="0" smtClean="0"/>
-          </a:p>
-          <a:p>
-            <a:r>
-              <a:rPr lang="zh-CN" altLang="en-US" dirty="0" smtClean="0"/>
-              <a:t>ServerList ribbonServerList</a:t>
-            </a:r>
-            <a:r>
-              <a:rPr lang="zh-CN" altLang="en-US" dirty="0"/>
-              <a:t>: </a:t>
-            </a:r>
-            <a:r>
-              <a:rPr lang="zh-CN" altLang="en-US" dirty="0" smtClean="0"/>
-              <a:t>ConfigurationBasedServerList</a:t>
-            </a:r>
-            <a:endParaRPr lang="en-US" altLang="zh-CN" dirty="0" smtClean="0"/>
-          </a:p>
-          <a:p>
-            <a:r>
-              <a:rPr lang="zh-CN" altLang="en-US" dirty="0" smtClean="0"/>
-              <a:t>ServerListFilter </a:t>
-            </a:r>
-            <a:r>
-              <a:rPr lang="zh-CN" altLang="en-US" dirty="0"/>
-              <a:t>ribbonServerListFilter</a:t>
-            </a:r>
-            <a:r>
-              <a:rPr lang="zh-CN" altLang="en-US" dirty="0" smtClean="0"/>
-              <a:t>:ZonePreferenceServerListFilter</a:t>
-            </a:r>
-            <a:endParaRPr lang="en-US" altLang="zh-CN" dirty="0" smtClean="0"/>
-          </a:p>
-          <a:p>
-            <a:r>
-              <a:rPr lang="zh-CN" altLang="en-US" dirty="0" smtClean="0"/>
-              <a:t>ILoadBalancer </a:t>
-            </a:r>
-            <a:r>
-              <a:rPr lang="zh-CN" altLang="en-US" dirty="0"/>
-              <a:t>ribbonLoadBalancer: </a:t>
-            </a:r>
-            <a:r>
-              <a:rPr lang="zh-CN" altLang="en-US" dirty="0" smtClean="0"/>
-              <a:t>ZoneAwareLoadBalancer</a:t>
-            </a:r>
-            <a:endParaRPr lang="zh-CN" altLang="en-US" dirty="0"/>
-          </a:p>
-        </p:txBody>
-      </p:sp>
+      </p:pic>
     </p:spTree>
     <p:extLst>
       <p:ext uri="{BB962C8B-B14F-4D97-AF65-F5344CB8AC3E}">
-        <p14:creationId xmlns:p14="http://schemas.microsoft.com/office/powerpoint/2010/main" val="3089079735"/>
+        <p14:creationId xmlns:p14="http://schemas.microsoft.com/office/powerpoint/2010/main" val="169224252"/>
       </p:ext>
     </p:extLst>
   </p:cSld>
   <p:clrMapOvr>
     <a:masterClrMapping/>
   </p:clrMapOvr>
+  <p:transition spd="slow">
+    <p:wipe/>
+  </p:transition>
   <p:timing>
     <p:tnLst>
       <p:par>
@@ -4891,61 +4879,194 @@
       </p:grpSpPr>
       <p:sp>
         <p:nvSpPr>
-          <p:cNvPr id="2" name="标题 1"/>
-          <p:cNvSpPr>
-            <a:spLocks noGrp="1"/>
+          <p:cNvPr id="3" name="副标题 2"/>
+          <p:cNvSpPr txBox="1">
+            <a:spLocks/>
           </p:cNvSpPr>
-          <p:nvPr>
-            <p:ph type="ctrTitle"/>
-          </p:nvPr>
+          <p:nvPr/>
         </p:nvSpPr>
-        <p:spPr/>
-        <p:txBody>
-          <a:bodyPr/>
-          <a:lstStyle/>
-          <a:p>
-            <a:r>
-              <a:rPr lang="zh-CN" altLang="en-US" dirty="0" smtClean="0"/>
-              <a:t>路由策略</a:t>
-            </a:r>
-            <a:endParaRPr lang="zh-CN" altLang="en-US" dirty="0"/>
-          </a:p>
-        </p:txBody>
-      </p:sp>
-      <p:pic>
-        <p:nvPicPr>
-          <p:cNvPr id="4" name="图片 3"/>
-          <p:cNvPicPr>
-            <a:picLocks noChangeAspect="1"/>
-          </p:cNvPicPr>
-          <p:nvPr/>
-        </p:nvPicPr>
-        <p:blipFill>
-          <a:blip r:embed="rId2"/>
-          <a:stretch>
-            <a:fillRect/>
-          </a:stretch>
-        </p:blipFill>
         <p:spPr>
           <a:xfrm>
-            <a:off x="467544" y="1059582"/>
-            <a:ext cx="7962900" cy="3181350"/>
+            <a:off x="3563888" y="2247714"/>
+            <a:ext cx="2016225" cy="648072"/>
           </a:xfrm>
           <a:prstGeom prst="rect">
             <a:avLst/>
           </a:prstGeom>
         </p:spPr>
-      </p:pic>
+        <p:txBody>
+          <a:bodyPr anchor="ctr" anchorCtr="1"/>
+          <a:lstStyle>
+            <a:lvl1pPr marL="342900" indent="-342900" algn="l" defTabSz="914400" rtl="0" eaLnBrk="1" latinLnBrk="0" hangingPunct="1">
+              <a:spcBef>
+                <a:spcPct val="20000"/>
+              </a:spcBef>
+              <a:buFont typeface="Arial" panose="020B0604020202020204" pitchFamily="34" charset="0"/>
+              <a:buChar char="•"/>
+              <a:defRPr sz="3200" kern="1200">
+                <a:solidFill>
+                  <a:schemeClr val="tx1"/>
+                </a:solidFill>
+                <a:latin typeface="+mn-lt"/>
+                <a:ea typeface="+mn-ea"/>
+                <a:cs typeface="+mn-cs"/>
+              </a:defRPr>
+            </a:lvl1pPr>
+            <a:lvl2pPr marL="742950" indent="-285750" algn="l" defTabSz="914400" rtl="0" eaLnBrk="1" latinLnBrk="0" hangingPunct="1">
+              <a:spcBef>
+                <a:spcPct val="20000"/>
+              </a:spcBef>
+              <a:buFont typeface="Arial" panose="020B0604020202020204" pitchFamily="34" charset="0"/>
+              <a:buChar char="–"/>
+              <a:defRPr sz="2800" kern="1200">
+                <a:solidFill>
+                  <a:schemeClr val="tx1"/>
+                </a:solidFill>
+                <a:latin typeface="+mn-lt"/>
+                <a:ea typeface="+mn-ea"/>
+                <a:cs typeface="+mn-cs"/>
+              </a:defRPr>
+            </a:lvl2pPr>
+            <a:lvl3pPr marL="1143000" indent="-228600" algn="l" defTabSz="914400" rtl="0" eaLnBrk="1" latinLnBrk="0" hangingPunct="1">
+              <a:spcBef>
+                <a:spcPct val="20000"/>
+              </a:spcBef>
+              <a:buFont typeface="Arial" panose="020B0604020202020204" pitchFamily="34" charset="0"/>
+              <a:buChar char="•"/>
+              <a:defRPr sz="2400" kern="1200">
+                <a:solidFill>
+                  <a:schemeClr val="tx1"/>
+                </a:solidFill>
+                <a:latin typeface="+mn-lt"/>
+                <a:ea typeface="+mn-ea"/>
+                <a:cs typeface="+mn-cs"/>
+              </a:defRPr>
+            </a:lvl3pPr>
+            <a:lvl4pPr marL="1600200" indent="-228600" algn="l" defTabSz="914400" rtl="0" eaLnBrk="1" latinLnBrk="0" hangingPunct="1">
+              <a:spcBef>
+                <a:spcPct val="20000"/>
+              </a:spcBef>
+              <a:buFont typeface="Arial" panose="020B0604020202020204" pitchFamily="34" charset="0"/>
+              <a:buChar char="–"/>
+              <a:defRPr sz="2000" kern="1200">
+                <a:solidFill>
+                  <a:schemeClr val="tx1"/>
+                </a:solidFill>
+                <a:latin typeface="+mn-lt"/>
+                <a:ea typeface="+mn-ea"/>
+                <a:cs typeface="+mn-cs"/>
+              </a:defRPr>
+            </a:lvl4pPr>
+            <a:lvl5pPr marL="2057400" indent="-228600" algn="l" defTabSz="914400" rtl="0" eaLnBrk="1" latinLnBrk="0" hangingPunct="1">
+              <a:spcBef>
+                <a:spcPct val="20000"/>
+              </a:spcBef>
+              <a:buFont typeface="Arial" panose="020B0604020202020204" pitchFamily="34" charset="0"/>
+              <a:buChar char="»"/>
+              <a:defRPr sz="2000" kern="1200">
+                <a:solidFill>
+                  <a:schemeClr val="tx1"/>
+                </a:solidFill>
+                <a:latin typeface="+mn-lt"/>
+                <a:ea typeface="+mn-ea"/>
+                <a:cs typeface="+mn-cs"/>
+              </a:defRPr>
+            </a:lvl5pPr>
+            <a:lvl6pPr marL="2514600" indent="-228600" algn="l" defTabSz="914400" rtl="0" eaLnBrk="1" latinLnBrk="0" hangingPunct="1">
+              <a:spcBef>
+                <a:spcPct val="20000"/>
+              </a:spcBef>
+              <a:buFont typeface="Arial" panose="020B0604020202020204" pitchFamily="34" charset="0"/>
+              <a:buChar char="•"/>
+              <a:defRPr sz="2000" kern="1200">
+                <a:solidFill>
+                  <a:schemeClr val="tx1"/>
+                </a:solidFill>
+                <a:latin typeface="+mn-lt"/>
+                <a:ea typeface="+mn-ea"/>
+                <a:cs typeface="+mn-cs"/>
+              </a:defRPr>
+            </a:lvl6pPr>
+            <a:lvl7pPr marL="2971800" indent="-228600" algn="l" defTabSz="914400" rtl="0" eaLnBrk="1" latinLnBrk="0" hangingPunct="1">
+              <a:spcBef>
+                <a:spcPct val="20000"/>
+              </a:spcBef>
+              <a:buFont typeface="Arial" panose="020B0604020202020204" pitchFamily="34" charset="0"/>
+              <a:buChar char="•"/>
+              <a:defRPr sz="2000" kern="1200">
+                <a:solidFill>
+                  <a:schemeClr val="tx1"/>
+                </a:solidFill>
+                <a:latin typeface="+mn-lt"/>
+                <a:ea typeface="+mn-ea"/>
+                <a:cs typeface="+mn-cs"/>
+              </a:defRPr>
+            </a:lvl7pPr>
+            <a:lvl8pPr marL="3429000" indent="-228600" algn="l" defTabSz="914400" rtl="0" eaLnBrk="1" latinLnBrk="0" hangingPunct="1">
+              <a:spcBef>
+                <a:spcPct val="20000"/>
+              </a:spcBef>
+              <a:buFont typeface="Arial" panose="020B0604020202020204" pitchFamily="34" charset="0"/>
+              <a:buChar char="•"/>
+              <a:defRPr sz="2000" kern="1200">
+                <a:solidFill>
+                  <a:schemeClr val="tx1"/>
+                </a:solidFill>
+                <a:latin typeface="+mn-lt"/>
+                <a:ea typeface="+mn-ea"/>
+                <a:cs typeface="+mn-cs"/>
+              </a:defRPr>
+            </a:lvl8pPr>
+            <a:lvl9pPr marL="3886200" indent="-228600" algn="l" defTabSz="914400" rtl="0" eaLnBrk="1" latinLnBrk="0" hangingPunct="1">
+              <a:spcBef>
+                <a:spcPct val="20000"/>
+              </a:spcBef>
+              <a:buFont typeface="Arial" panose="020B0604020202020204" pitchFamily="34" charset="0"/>
+              <a:buChar char="•"/>
+              <a:defRPr sz="2000" kern="1200">
+                <a:solidFill>
+                  <a:schemeClr val="tx1"/>
+                </a:solidFill>
+                <a:latin typeface="+mn-lt"/>
+                <a:ea typeface="+mn-ea"/>
+                <a:cs typeface="+mn-cs"/>
+              </a:defRPr>
+            </a:lvl9pPr>
+          </a:lstStyle>
+          <a:p>
+            <a:pPr marL="0" indent="0">
+              <a:buNone/>
+            </a:pPr>
+            <a:r>
+              <a:rPr lang="zh-CN" altLang="en-US" sz="3600" dirty="0" smtClean="0"/>
+              <a:t>源码分析</a:t>
+            </a:r>
+            <a:endParaRPr lang="zh-CN" altLang="en-US" sz="3600" dirty="0"/>
+          </a:p>
+        </p:txBody>
+      </p:sp>
     </p:spTree>
     <p:extLst>
       <p:ext uri="{BB962C8B-B14F-4D97-AF65-F5344CB8AC3E}">
-        <p14:creationId xmlns:p14="http://schemas.microsoft.com/office/powerpoint/2010/main" val="3822772388"/>
+        <p14:creationId xmlns:p14="http://schemas.microsoft.com/office/powerpoint/2010/main" val="997665064"/>
       </p:ext>
     </p:extLst>
   </p:cSld>
   <p:clrMapOvr>
     <a:masterClrMapping/>
   </p:clrMapOvr>
+  <mc:AlternateContent xmlns:mc="http://schemas.openxmlformats.org/markup-compatibility/2006" xmlns:p14="http://schemas.microsoft.com/office/powerpoint/2010/main">
+    <mc:Choice Requires="p14">
+      <p:transition spd="slow" p14:dur="1300">
+        <p14:pan dir="u"/>
+      </p:transition>
+    </mc:Choice>
+    <mc:Fallback xmlns="">
+      <p:transition spd="slow">
+        <p:fade/>
+      </p:transition>
+    </mc:Fallback>
+  </mc:AlternateContent>
   <p:timing>
     <p:tnLst>
       <p:par>
@@ -4973,63 +5094,580 @@
           <a:chExt cx="0" cy="0"/>
         </a:xfrm>
       </p:grpSpPr>
+      <p:graphicFrame>
+        <p:nvGraphicFramePr>
+          <p:cNvPr id="4" name="表格 3"/>
+          <p:cNvGraphicFramePr>
+            <a:graphicFrameLocks noGrp="1"/>
+          </p:cNvGraphicFramePr>
+          <p:nvPr>
+            <p:extLst>
+              <p:ext uri="{D42A27DB-BD31-4B8C-83A1-F6EECF244321}">
+                <p14:modId xmlns:p14="http://schemas.microsoft.com/office/powerpoint/2010/main" val="2038814603"/>
+              </p:ext>
+            </p:extLst>
+          </p:nvPr>
+        </p:nvGraphicFramePr>
+        <p:xfrm>
+          <a:off x="1655676" y="934434"/>
+          <a:ext cx="6300700" cy="3005468"/>
+        </p:xfrm>
+        <a:graphic>
+          <a:graphicData uri="http://schemas.openxmlformats.org/drawingml/2006/table">
+            <a:tbl>
+              <a:tblPr>
+                <a:tableStyleId>{8799B23B-EC83-4686-B30A-512413B5E67A}</a:tableStyleId>
+              </a:tblPr>
+              <a:tblGrid>
+                <a:gridCol w="1800200"/>
+                <a:gridCol w="2412268"/>
+                <a:gridCol w="2088232"/>
+              </a:tblGrid>
+              <a:tr h="221174">
+                <a:tc>
+                  <a:txBody>
+                    <a:bodyPr/>
+                    <a:lstStyle/>
+                    <a:p>
+                      <a:r>
+                        <a:rPr lang="zh-CN" altLang="en-US" sz="1100" b="1" dirty="0">
+                          <a:solidFill>
+                            <a:schemeClr val="bg1"/>
+                          </a:solidFill>
+                        </a:rPr>
+                        <a:t>接口</a:t>
+                      </a:r>
+                    </a:p>
+                  </a:txBody>
+                  <a:tcPr marL="55293" marR="55293" marT="27647" marB="27647" anchor="ctr">
+                    <a:solidFill>
+                      <a:schemeClr val="tx2">
+                        <a:lumMod val="60000"/>
+                        <a:lumOff val="40000"/>
+                      </a:schemeClr>
+                    </a:solidFill>
+                  </a:tcPr>
+                </a:tc>
+                <a:tc>
+                  <a:txBody>
+                    <a:bodyPr/>
+                    <a:lstStyle/>
+                    <a:p>
+                      <a:r>
+                        <a:rPr lang="zh-CN" altLang="en-US" sz="1100" b="1" dirty="0">
+                          <a:solidFill>
+                            <a:schemeClr val="bg1"/>
+                          </a:solidFill>
+                        </a:rPr>
+                        <a:t>描述</a:t>
+                      </a:r>
+                    </a:p>
+                  </a:txBody>
+                  <a:tcPr marL="55293" marR="55293" marT="27647" marB="27647" anchor="ctr">
+                    <a:solidFill>
+                      <a:schemeClr val="tx2">
+                        <a:lumMod val="60000"/>
+                        <a:lumOff val="40000"/>
+                      </a:schemeClr>
+                    </a:solidFill>
+                  </a:tcPr>
+                </a:tc>
+                <a:tc>
+                  <a:txBody>
+                    <a:bodyPr/>
+                    <a:lstStyle/>
+                    <a:p>
+                      <a:r>
+                        <a:rPr lang="zh-CN" altLang="en-US" sz="1100" b="1" dirty="0">
+                          <a:solidFill>
+                            <a:schemeClr val="bg1"/>
+                          </a:solidFill>
+                        </a:rPr>
+                        <a:t>默认实现类</a:t>
+                      </a:r>
+                    </a:p>
+                  </a:txBody>
+                  <a:tcPr marL="55293" marR="55293" marT="27647" marB="27647" anchor="ctr">
+                    <a:solidFill>
+                      <a:schemeClr val="tx2">
+                        <a:lumMod val="60000"/>
+                        <a:lumOff val="40000"/>
+                      </a:schemeClr>
+                    </a:solidFill>
+                  </a:tcPr>
+                </a:tc>
+              </a:tr>
+              <a:tr h="387054">
+                <a:tc>
+                  <a:txBody>
+                    <a:bodyPr/>
+                    <a:lstStyle/>
+                    <a:p>
+                      <a:r>
+                        <a:rPr lang="en-US" sz="1100" dirty="0" err="1"/>
+                        <a:t>IClientConfig</a:t>
+                      </a:r>
+                      <a:endParaRPr lang="en-US" sz="1100" dirty="0"/>
+                    </a:p>
+                  </a:txBody>
+                  <a:tcPr marL="55293" marR="55293" marT="27647" marB="27647" anchor="ctr"/>
+                </a:tc>
+                <a:tc>
+                  <a:txBody>
+                    <a:bodyPr/>
+                    <a:lstStyle/>
+                    <a:p>
+                      <a:r>
+                        <a:rPr lang="zh-CN" altLang="en-US" sz="1100" dirty="0" smtClean="0"/>
+                        <a:t>客户端配置</a:t>
+                      </a:r>
+                      <a:endParaRPr lang="zh-CN" altLang="en-US" sz="1100" dirty="0"/>
+                    </a:p>
+                  </a:txBody>
+                  <a:tcPr marL="55293" marR="55293" marT="27647" marB="27647" anchor="ctr"/>
+                </a:tc>
+                <a:tc>
+                  <a:txBody>
+                    <a:bodyPr/>
+                    <a:lstStyle/>
+                    <a:p>
+                      <a:r>
+                        <a:rPr lang="en-US" sz="1100" dirty="0" err="1"/>
+                        <a:t>DefaultClientConfigImpl</a:t>
+                      </a:r>
+                      <a:endParaRPr lang="en-US" sz="1100" dirty="0"/>
+                    </a:p>
+                  </a:txBody>
+                  <a:tcPr marL="55293" marR="55293" marT="27647" marB="27647" anchor="ctr"/>
+                </a:tc>
+              </a:tr>
+              <a:tr h="387054">
+                <a:tc>
+                  <a:txBody>
+                    <a:bodyPr/>
+                    <a:lstStyle/>
+                    <a:p>
+                      <a:r>
+                        <a:rPr lang="en-US" sz="1100" dirty="0" err="1"/>
+                        <a:t>IRule</a:t>
+                      </a:r>
+                      <a:endParaRPr lang="en-US" sz="1100" dirty="0"/>
+                    </a:p>
+                  </a:txBody>
+                  <a:tcPr marL="55293" marR="55293" marT="27647" marB="27647" anchor="ctr"/>
+                </a:tc>
+                <a:tc>
+                  <a:txBody>
+                    <a:bodyPr/>
+                    <a:lstStyle/>
+                    <a:p>
+                      <a:r>
+                        <a:rPr lang="zh-CN" altLang="en-US" sz="1100" dirty="0" smtClean="0"/>
+                        <a:t>负载</a:t>
+                      </a:r>
+                      <a:r>
+                        <a:rPr lang="zh-CN" altLang="en-US" sz="1100" dirty="0"/>
+                        <a:t>均衡</a:t>
+                      </a:r>
+                      <a:r>
+                        <a:rPr lang="zh-CN" altLang="en-US" sz="1100" dirty="0" smtClean="0"/>
+                        <a:t>策略</a:t>
+                      </a:r>
+                      <a:endParaRPr lang="zh-CN" altLang="en-US" sz="1100" dirty="0"/>
+                    </a:p>
+                  </a:txBody>
+                  <a:tcPr marL="55293" marR="55293" marT="27647" marB="27647" anchor="ctr"/>
+                </a:tc>
+                <a:tc>
+                  <a:txBody>
+                    <a:bodyPr/>
+                    <a:lstStyle/>
+                    <a:p>
+                      <a:r>
+                        <a:rPr lang="en-US" sz="1100"/>
+                        <a:t>ZoneAvoidanceRule</a:t>
+                      </a:r>
+                    </a:p>
+                  </a:txBody>
+                  <a:tcPr marL="55293" marR="55293" marT="27647" marB="27647" anchor="ctr"/>
+                </a:tc>
+              </a:tr>
+              <a:tr h="387054">
+                <a:tc>
+                  <a:txBody>
+                    <a:bodyPr/>
+                    <a:lstStyle/>
+                    <a:p>
+                      <a:r>
+                        <a:rPr lang="en-US" sz="1100" dirty="0" err="1"/>
+                        <a:t>IPing</a:t>
+                      </a:r>
+                      <a:endParaRPr lang="en-US" sz="1100" dirty="0"/>
+                    </a:p>
+                  </a:txBody>
+                  <a:tcPr marL="55293" marR="55293" marT="27647" marB="27647" anchor="ctr"/>
+                </a:tc>
+                <a:tc>
+                  <a:txBody>
+                    <a:bodyPr/>
+                    <a:lstStyle/>
+                    <a:p>
+                      <a:r>
+                        <a:rPr lang="zh-CN" altLang="en-US" sz="1100" dirty="0" smtClean="0"/>
+                        <a:t>实例检查策略</a:t>
+                      </a:r>
+                      <a:endParaRPr lang="zh-CN" altLang="en-US" sz="1100" dirty="0"/>
+                    </a:p>
+                  </a:txBody>
+                  <a:tcPr marL="55293" marR="55293" marT="27647" marB="27647" anchor="ctr"/>
+                </a:tc>
+                <a:tc>
+                  <a:txBody>
+                    <a:bodyPr/>
+                    <a:lstStyle/>
+                    <a:p>
+                      <a:r>
+                        <a:rPr lang="en-US" sz="1100" dirty="0" err="1">
+                          <a:solidFill>
+                            <a:srgbClr val="FF0000"/>
+                          </a:solidFill>
+                        </a:rPr>
+                        <a:t>DummyPing</a:t>
+                      </a:r>
+                      <a:endParaRPr lang="en-US" sz="1100" dirty="0">
+                        <a:solidFill>
+                          <a:srgbClr val="FF0000"/>
+                        </a:solidFill>
+                      </a:endParaRPr>
+                    </a:p>
+                  </a:txBody>
+                  <a:tcPr marL="55293" marR="55293" marT="27647" marB="27647" anchor="ctr"/>
+                </a:tc>
+              </a:tr>
+              <a:tr h="387054">
+                <a:tc>
+                  <a:txBody>
+                    <a:bodyPr/>
+                    <a:lstStyle/>
+                    <a:p>
+                      <a:r>
+                        <a:rPr lang="en-US" sz="1100" dirty="0" err="1" smtClean="0"/>
+                        <a:t>ServerList</a:t>
+                      </a:r>
+                      <a:r>
+                        <a:rPr lang="en-US" sz="1100" dirty="0" smtClean="0"/>
+                        <a:t>&lt;Server&gt;</a:t>
+                      </a:r>
+                      <a:endParaRPr lang="en-US" sz="1100" dirty="0"/>
+                    </a:p>
+                  </a:txBody>
+                  <a:tcPr marL="55293" marR="55293" marT="27647" marB="27647" anchor="ctr"/>
+                </a:tc>
+                <a:tc>
+                  <a:txBody>
+                    <a:bodyPr/>
+                    <a:lstStyle/>
+                    <a:p>
+                      <a:r>
+                        <a:rPr lang="zh-CN" altLang="en-US" sz="1100" dirty="0" smtClean="0"/>
+                        <a:t>服务实例清单维护机制</a:t>
+                      </a:r>
+                      <a:endParaRPr lang="zh-CN" altLang="en-US" sz="1100" dirty="0"/>
+                    </a:p>
+                  </a:txBody>
+                  <a:tcPr marL="55293" marR="55293" marT="27647" marB="27647" anchor="ctr"/>
+                </a:tc>
+                <a:tc>
+                  <a:txBody>
+                    <a:bodyPr/>
+                    <a:lstStyle/>
+                    <a:p>
+                      <a:r>
+                        <a:rPr lang="en-US" sz="1100" dirty="0" err="1"/>
+                        <a:t>ConfigurationBasedServerList</a:t>
+                      </a:r>
+                      <a:endParaRPr lang="en-US" sz="1100" dirty="0"/>
+                    </a:p>
+                  </a:txBody>
+                  <a:tcPr marL="55293" marR="55293" marT="27647" marB="27647" anchor="ctr"/>
+                </a:tc>
+              </a:tr>
+              <a:tr h="387054">
+                <a:tc>
+                  <a:txBody>
+                    <a:bodyPr/>
+                    <a:lstStyle/>
+                    <a:p>
+                      <a:r>
+                        <a:rPr lang="en-US" sz="1100" dirty="0" err="1" smtClean="0"/>
+                        <a:t>ServerListFilter</a:t>
+                      </a:r>
+                      <a:r>
+                        <a:rPr lang="en-US" altLang="zh-CN" sz="1100" dirty="0" smtClean="0"/>
+                        <a:t>&lt;Server&gt;</a:t>
+                      </a:r>
+                      <a:endParaRPr lang="en-US" sz="1100" dirty="0"/>
+                    </a:p>
+                  </a:txBody>
+                  <a:tcPr marL="55293" marR="55293" marT="27647" marB="27647" anchor="ctr"/>
+                </a:tc>
+                <a:tc>
+                  <a:txBody>
+                    <a:bodyPr/>
+                    <a:lstStyle/>
+                    <a:p>
+                      <a:r>
+                        <a:rPr lang="zh-CN" altLang="en-US" sz="1100" dirty="0" smtClean="0"/>
+                        <a:t>服务实例清单过滤机制</a:t>
+                      </a:r>
+                      <a:endParaRPr lang="zh-CN" altLang="en-US" sz="1100" dirty="0"/>
+                    </a:p>
+                  </a:txBody>
+                  <a:tcPr marL="55293" marR="55293" marT="27647" marB="27647" anchor="ctr"/>
+                </a:tc>
+                <a:tc>
+                  <a:txBody>
+                    <a:bodyPr/>
+                    <a:lstStyle/>
+                    <a:p>
+                      <a:r>
+                        <a:rPr lang="en-US" sz="1100"/>
+                        <a:t>ZonePreferenceServerListFilter</a:t>
+                      </a:r>
+                    </a:p>
+                  </a:txBody>
+                  <a:tcPr marL="55293" marR="55293" marT="27647" marB="27647" anchor="ctr"/>
+                </a:tc>
+              </a:tr>
+              <a:tr h="387054">
+                <a:tc>
+                  <a:txBody>
+                    <a:bodyPr/>
+                    <a:lstStyle/>
+                    <a:p>
+                      <a:r>
+                        <a:rPr lang="en-US" sz="1100" dirty="0" err="1"/>
+                        <a:t>ILoadBalancer</a:t>
+                      </a:r>
+                      <a:endParaRPr lang="en-US" sz="1100" dirty="0"/>
+                    </a:p>
+                  </a:txBody>
+                  <a:tcPr marL="55293" marR="55293" marT="27647" marB="27647" anchor="ctr"/>
+                </a:tc>
+                <a:tc>
+                  <a:txBody>
+                    <a:bodyPr/>
+                    <a:lstStyle/>
+                    <a:p>
+                      <a:r>
+                        <a:rPr lang="zh-CN" altLang="en-US" sz="1100" dirty="0" smtClean="0"/>
+                        <a:t>负载</a:t>
+                      </a:r>
+                      <a:r>
+                        <a:rPr lang="zh-CN" altLang="en-US" sz="1100" dirty="0" smtClean="0"/>
+                        <a:t>均衡器</a:t>
+                      </a:r>
+                      <a:endParaRPr lang="zh-CN" altLang="en-US" sz="1100" dirty="0"/>
+                    </a:p>
+                  </a:txBody>
+                  <a:tcPr marL="55293" marR="55293" marT="27647" marB="27647" anchor="ctr"/>
+                </a:tc>
+                <a:tc>
+                  <a:txBody>
+                    <a:bodyPr/>
+                    <a:lstStyle/>
+                    <a:p>
+                      <a:r>
+                        <a:rPr lang="en-US" sz="1100"/>
+                        <a:t>ZoneAwareLoadBalancer</a:t>
+                      </a:r>
+                    </a:p>
+                  </a:txBody>
+                  <a:tcPr marL="55293" marR="55293" marT="27647" marB="27647" anchor="ctr"/>
+                </a:tc>
+              </a:tr>
+              <a:tr h="460210">
+                <a:tc>
+                  <a:txBody>
+                    <a:bodyPr/>
+                    <a:lstStyle/>
+                    <a:p>
+                      <a:r>
+                        <a:rPr lang="en-US" sz="1100" dirty="0" err="1"/>
+                        <a:t>ServerListUpdater</a:t>
+                      </a:r>
+                      <a:endParaRPr lang="en-US" sz="1100" dirty="0"/>
+                    </a:p>
+                  </a:txBody>
+                  <a:tcPr marL="55293" marR="55293" marT="27647" marB="27647" anchor="ctr"/>
+                </a:tc>
+                <a:tc>
+                  <a:txBody>
+                    <a:bodyPr/>
+                    <a:lstStyle/>
+                    <a:p>
+                      <a:r>
+                        <a:rPr lang="zh-CN" altLang="en-US" sz="1100" dirty="0" smtClean="0"/>
+                        <a:t>为定义</a:t>
+                      </a:r>
+                      <a:r>
+                        <a:rPr lang="zh-CN" altLang="en-US" sz="1100" dirty="0"/>
+                        <a:t>动态更新</a:t>
+                      </a:r>
+                      <a:r>
+                        <a:rPr lang="zh-CN" altLang="en-US" sz="1100" dirty="0" smtClean="0"/>
+                        <a:t>服务实例</a:t>
+                      </a:r>
+                      <a:endParaRPr lang="zh-CN" altLang="en-US" sz="1100" dirty="0"/>
+                    </a:p>
+                  </a:txBody>
+                  <a:tcPr marL="55293" marR="55293" marT="27647" marB="27647" anchor="ctr"/>
+                </a:tc>
+                <a:tc>
+                  <a:txBody>
+                    <a:bodyPr/>
+                    <a:lstStyle/>
+                    <a:p>
+                      <a:r>
+                        <a:rPr lang="en-US" sz="1100" dirty="0" err="1"/>
+                        <a:t>PollingServerListUpdater</a:t>
+                      </a:r>
+                      <a:endParaRPr lang="en-US" sz="1100" dirty="0"/>
+                    </a:p>
+                  </a:txBody>
+                  <a:tcPr marL="55293" marR="55293" marT="27647" marB="27647" anchor="ctr"/>
+                </a:tc>
+              </a:tr>
+            </a:tbl>
+          </a:graphicData>
+        </a:graphic>
+      </p:graphicFrame>
       <p:sp>
         <p:nvSpPr>
-          <p:cNvPr id="2" name="标题 1"/>
+          <p:cNvPr id="5" name="Rectangle 1"/>
           <p:cNvSpPr>
-            <a:spLocks noGrp="1"/>
+            <a:spLocks noChangeArrowheads="1"/>
           </p:cNvSpPr>
-          <p:nvPr>
-            <p:ph type="ctrTitle"/>
-          </p:nvPr>
+          <p:nvPr/>
         </p:nvSpPr>
-        <p:spPr/>
-        <p:txBody>
-          <a:bodyPr/>
-          <a:lstStyle/>
-          <a:p>
-            <a:r>
-              <a:rPr lang="zh-CN" altLang="en-US" dirty="0" smtClean="0"/>
-              <a:t>心跳检测</a:t>
-            </a:r>
-            <a:endParaRPr lang="zh-CN" altLang="en-US" dirty="0"/>
-          </a:p>
-        </p:txBody>
-      </p:sp>
-      <p:pic>
-        <p:nvPicPr>
-          <p:cNvPr id="4" name="图片 3"/>
-          <p:cNvPicPr>
-            <a:picLocks noChangeAspect="1"/>
-          </p:cNvPicPr>
-          <p:nvPr/>
-        </p:nvPicPr>
-        <p:blipFill>
-          <a:blip r:embed="rId3"/>
-          <a:stretch>
-            <a:fillRect/>
-          </a:stretch>
-        </p:blipFill>
-        <p:spPr>
+        <p:spPr bwMode="auto">
           <a:xfrm>
-            <a:off x="1115616" y="1707654"/>
-            <a:ext cx="6229350" cy="2133600"/>
+            <a:off x="2187575" y="1032560"/>
+            <a:ext cx="184731" cy="646331"/>
           </a:xfrm>
           <a:prstGeom prst="rect">
             <a:avLst/>
           </a:prstGeom>
+          <a:noFill/>
+          <a:ln>
+            <a:noFill/>
+          </a:ln>
+          <a:effectLst/>
+          <a:extLst>
+            <a:ext uri="{909E8E84-426E-40DD-AFC4-6F175D3DCCD1}">
+              <a14:hiddenFill xmlns:a14="http://schemas.microsoft.com/office/drawing/2010/main">
+                <a:solidFill>
+                  <a:schemeClr val="accent1"/>
+                </a:solidFill>
+              </a14:hiddenFill>
+            </a:ext>
+            <a:ext uri="{91240B29-F687-4F45-9708-019B960494DF}">
+              <a14:hiddenLine xmlns:a14="http://schemas.microsoft.com/office/drawing/2010/main" w="9525">
+                <a:solidFill>
+                  <a:schemeClr val="tx1"/>
+                </a:solidFill>
+                <a:miter lim="800000"/>
+                <a:headEnd/>
+                <a:tailEnd/>
+              </a14:hiddenLine>
+            </a:ext>
+            <a:ext uri="{AF507438-7753-43E0-B8FC-AC1667EBCBE1}">
+              <a14:hiddenEffects xmlns:a14="http://schemas.microsoft.com/office/drawing/2010/main">
+                <a:effectLst>
+                  <a:outerShdw dist="35921" dir="2700000" algn="ctr" rotWithShape="0">
+                    <a:schemeClr val="bg2"/>
+                  </a:outerShdw>
+                </a:effectLst>
+              </a14:hiddenEffects>
+            </a:ext>
+          </a:extLst>
         </p:spPr>
-      </p:pic>
+        <p:txBody>
+          <a:bodyPr vert="horz" wrap="none" lIns="91440" tIns="45720" rIns="91440" bIns="45720" numCol="1" anchor="ctr" anchorCtr="0" compatLnSpc="1">
+            <a:prstTxWarp prst="textNoShape">
+              <a:avLst/>
+            </a:prstTxWarp>
+            <a:spAutoFit/>
+          </a:bodyPr>
+          <a:lstStyle/>
+          <a:p>
+            <a:pPr marL="0" marR="0" lvl="0" indent="0" algn="l" defTabSz="914400" rtl="0" eaLnBrk="0" fontAlgn="base" latinLnBrk="0" hangingPunct="0">
+              <a:lnSpc>
+                <a:spcPct val="100000"/>
+              </a:lnSpc>
+              <a:spcBef>
+                <a:spcPct val="0"/>
+              </a:spcBef>
+              <a:spcAft>
+                <a:spcPct val="0"/>
+              </a:spcAft>
+              <a:buClrTx/>
+              <a:buSzTx/>
+              <a:buFontTx/>
+              <a:buNone/>
+              <a:tabLst/>
+            </a:pPr>
+            <a:r>
+              <a:rPr kumimoji="0" lang="zh-CN" altLang="zh-CN" sz="1800" b="0" i="0" u="none" strike="noStrike" cap="none" normalizeH="0" baseline="0" dirty="0" smtClean="0">
+                <a:ln>
+                  <a:noFill/>
+                </a:ln>
+                <a:solidFill>
+                  <a:schemeClr val="tx1"/>
+                </a:solidFill>
+                <a:effectLst/>
+                <a:latin typeface="Arial" panose="020B0604020202020204" pitchFamily="34" charset="0"/>
+              </a:rPr>
+              <a:t/>
+            </a:r>
+            <a:br>
+              <a:rPr kumimoji="0" lang="zh-CN" altLang="zh-CN" sz="1800" b="0" i="0" u="none" strike="noStrike" cap="none" normalizeH="0" baseline="0" dirty="0" smtClean="0">
+                <a:ln>
+                  <a:noFill/>
+                </a:ln>
+                <a:solidFill>
+                  <a:schemeClr val="tx1"/>
+                </a:solidFill>
+                <a:effectLst/>
+                <a:latin typeface="Arial" panose="020B0604020202020204" pitchFamily="34" charset="0"/>
+              </a:rPr>
+            </a:br>
+            <a:endParaRPr kumimoji="0" lang="zh-CN" altLang="zh-CN" sz="1800" b="0" i="0" u="none" strike="noStrike" cap="none" normalizeH="0" baseline="0" dirty="0" smtClean="0">
+              <a:ln>
+                <a:noFill/>
+              </a:ln>
+              <a:solidFill>
+                <a:schemeClr val="tx1"/>
+              </a:solidFill>
+              <a:effectLst/>
+              <a:latin typeface="Arial" panose="020B0604020202020204" pitchFamily="34" charset="0"/>
+            </a:endParaRPr>
+          </a:p>
+        </p:txBody>
+      </p:sp>
     </p:spTree>
     <p:extLst>
       <p:ext uri="{BB962C8B-B14F-4D97-AF65-F5344CB8AC3E}">
-        <p14:creationId xmlns:p14="http://schemas.microsoft.com/office/powerpoint/2010/main" val="1649710766"/>
+        <p14:creationId xmlns:p14="http://schemas.microsoft.com/office/powerpoint/2010/main" val="3327577561"/>
       </p:ext>
     </p:extLst>
   </p:cSld>
   <p:clrMapOvr>
     <a:masterClrMapping/>
   </p:clrMapOvr>
+  <p:transition spd="slow">
+    <p:randomBar dir="vert"/>
+  </p:transition>
   <p:timing>
     <p:tnLst>
       <p:par>
@@ -5074,84 +5712,49 @@
           <a:p>
             <a:r>
               <a:rPr lang="zh-CN" altLang="en-US" dirty="0" smtClean="0"/>
-              <a:t>定时更新</a:t>
+              <a:t>路由策略</a:t>
             </a:r>
             <a:endParaRPr lang="zh-CN" altLang="en-US" dirty="0"/>
           </a:p>
         </p:txBody>
       </p:sp>
-      <p:sp>
-        <p:nvSpPr>
-          <p:cNvPr id="5" name="矩形 4"/>
-          <p:cNvSpPr/>
+      <p:pic>
+        <p:nvPicPr>
+          <p:cNvPr id="4" name="图片 3"/>
+          <p:cNvPicPr>
+            <a:picLocks noChangeAspect="1"/>
+          </p:cNvPicPr>
           <p:nvPr/>
-        </p:nvSpPr>
+        </p:nvPicPr>
+        <p:blipFill>
+          <a:blip r:embed="rId2"/>
+          <a:stretch>
+            <a:fillRect/>
+          </a:stretch>
+        </p:blipFill>
         <p:spPr>
           <a:xfrm>
-            <a:off x="755576" y="1347614"/>
-            <a:ext cx="1891865" cy="369332"/>
+            <a:off x="467544" y="1059582"/>
+            <a:ext cx="7962900" cy="3181350"/>
           </a:xfrm>
           <a:prstGeom prst="rect">
             <a:avLst/>
           </a:prstGeom>
         </p:spPr>
-        <p:txBody>
-          <a:bodyPr wrap="none">
-            <a:spAutoFit/>
-          </a:bodyPr>
-          <a:lstStyle/>
-          <a:p>
-            <a:r>
-              <a:rPr lang="en-US" altLang="zh-CN" dirty="0" err="1"/>
-              <a:t>BaseLoadBalancer</a:t>
-            </a:r>
-            <a:endParaRPr lang="zh-CN" altLang="en-US" dirty="0"/>
-          </a:p>
-        </p:txBody>
-      </p:sp>
-      <p:sp>
-        <p:nvSpPr>
-          <p:cNvPr id="7" name="矩形 6"/>
-          <p:cNvSpPr/>
-          <p:nvPr/>
-        </p:nvSpPr>
-        <p:spPr>
-          <a:xfrm>
-            <a:off x="1790475" y="1912901"/>
-            <a:ext cx="1713931" cy="369332"/>
-          </a:xfrm>
-          <a:prstGeom prst="rect">
-            <a:avLst/>
-          </a:prstGeom>
-        </p:spPr>
-        <p:txBody>
-          <a:bodyPr wrap="none">
-            <a:spAutoFit/>
-          </a:bodyPr>
-          <a:lstStyle/>
-          <a:p>
-            <a:r>
-              <a:rPr lang="en-US" altLang="zh-CN" dirty="0" err="1"/>
-              <a:t>setupPingTask</a:t>
-            </a:r>
-            <a:r>
-              <a:rPr lang="en-US" altLang="zh-CN" dirty="0"/>
-              <a:t>();</a:t>
-            </a:r>
-            <a:endParaRPr lang="zh-CN" altLang="en-US" dirty="0"/>
-          </a:p>
-        </p:txBody>
-      </p:sp>
+      </p:pic>
     </p:spTree>
     <p:extLst>
       <p:ext uri="{BB962C8B-B14F-4D97-AF65-F5344CB8AC3E}">
-        <p14:creationId xmlns:p14="http://schemas.microsoft.com/office/powerpoint/2010/main" val="874543398"/>
+        <p14:creationId xmlns:p14="http://schemas.microsoft.com/office/powerpoint/2010/main" val="3822772388"/>
       </p:ext>
     </p:extLst>
   </p:cSld>
   <p:clrMapOvr>
     <a:masterClrMapping/>
   </p:clrMapOvr>
+  <p:transition spd="slow">
+    <p:push dir="u"/>
+  </p:transition>
   <p:timing>
     <p:tnLst>
       <p:par>
@@ -5179,11 +5782,385 @@
           <a:chExt cx="0" cy="0"/>
         </a:xfrm>
       </p:grpSpPr>
+      <p:sp>
+        <p:nvSpPr>
+          <p:cNvPr id="2" name="标题 1"/>
+          <p:cNvSpPr>
+            <a:spLocks noGrp="1"/>
+          </p:cNvSpPr>
+          <p:nvPr>
+            <p:ph type="ctrTitle"/>
+          </p:nvPr>
+        </p:nvSpPr>
+        <p:spPr/>
+        <p:txBody>
+          <a:bodyPr/>
+          <a:lstStyle/>
+          <a:p>
+            <a:r>
+              <a:rPr lang="zh-CN" altLang="en-US" dirty="0" smtClean="0"/>
+              <a:t>检测</a:t>
+            </a:r>
+            <a:r>
+              <a:rPr lang="zh-CN" altLang="en-US" dirty="0"/>
+              <a:t>策略</a:t>
+            </a:r>
+            <a:endParaRPr lang="zh-CN" altLang="en-US" dirty="0"/>
+          </a:p>
+        </p:txBody>
+      </p:sp>
+      <p:pic>
+        <p:nvPicPr>
+          <p:cNvPr id="4" name="图片 3"/>
+          <p:cNvPicPr>
+            <a:picLocks noChangeAspect="1"/>
+          </p:cNvPicPr>
+          <p:nvPr/>
+        </p:nvPicPr>
+        <p:blipFill>
+          <a:blip r:embed="rId3"/>
+          <a:stretch>
+            <a:fillRect/>
+          </a:stretch>
+        </p:blipFill>
+        <p:spPr>
+          <a:xfrm>
+            <a:off x="1115616" y="1707654"/>
+            <a:ext cx="6229350" cy="2133600"/>
+          </a:xfrm>
+          <a:prstGeom prst="rect">
+            <a:avLst/>
+          </a:prstGeom>
+        </p:spPr>
+      </p:pic>
+    </p:spTree>
+    <p:extLst>
+      <p:ext uri="{BB962C8B-B14F-4D97-AF65-F5344CB8AC3E}">
+        <p14:creationId xmlns:p14="http://schemas.microsoft.com/office/powerpoint/2010/main" val="1649710766"/>
+      </p:ext>
+    </p:extLst>
+  </p:cSld>
+  <p:clrMapOvr>
+    <a:masterClrMapping/>
+  </p:clrMapOvr>
+  <p:transition spd="med">
+    <p:pull/>
+  </p:transition>
+  <p:timing>
+    <p:tnLst>
+      <p:par>
+        <p:cTn id="1" dur="indefinite" restart="never" nodeType="tmRoot"/>
+      </p:par>
+    </p:tnLst>
+  </p:timing>
+</p:sld>
+</file>
+
+<file path=ppt/slides/slide17.xml><?xml version="1.0" encoding="utf-8"?>
+<p:sld xmlns:a="http://schemas.openxmlformats.org/drawingml/2006/main" xmlns:r="http://schemas.openxmlformats.org/officeDocument/2006/relationships" xmlns:p="http://schemas.openxmlformats.org/presentationml/2006/main">
+  <p:cSld>
+    <p:spTree>
+      <p:nvGrpSpPr>
+        <p:cNvPr id="1" name=""/>
+        <p:cNvGrpSpPr/>
+        <p:nvPr/>
+      </p:nvGrpSpPr>
+      <p:grpSpPr>
+        <a:xfrm>
+          <a:off x="0" y="0"/>
+          <a:ext cx="0" cy="0"/>
+          <a:chOff x="0" y="0"/>
+          <a:chExt cx="0" cy="0"/>
+        </a:xfrm>
+      </p:grpSpPr>
+      <p:sp>
+        <p:nvSpPr>
+          <p:cNvPr id="2" name="标题 1"/>
+          <p:cNvSpPr>
+            <a:spLocks noGrp="1"/>
+          </p:cNvSpPr>
+          <p:nvPr>
+            <p:ph type="ctrTitle"/>
+          </p:nvPr>
+        </p:nvSpPr>
+        <p:spPr/>
+        <p:txBody>
+          <a:bodyPr/>
+          <a:lstStyle/>
+          <a:p>
+            <a:r>
+              <a:rPr lang="zh-CN" altLang="en-US" dirty="0" smtClean="0"/>
+              <a:t>总结</a:t>
+            </a:r>
+            <a:endParaRPr lang="zh-CN" altLang="en-US" dirty="0"/>
+          </a:p>
+        </p:txBody>
+      </p:sp>
+      <p:sp>
+        <p:nvSpPr>
+          <p:cNvPr id="3" name="副标题 2"/>
+          <p:cNvSpPr>
+            <a:spLocks noGrp="1"/>
+          </p:cNvSpPr>
+          <p:nvPr>
+            <p:ph type="subTitle" idx="1"/>
+          </p:nvPr>
+        </p:nvSpPr>
+        <p:spPr>
+          <a:xfrm>
+            <a:off x="249288" y="1059582"/>
+            <a:ext cx="8499176" cy="3600399"/>
+          </a:xfrm>
+        </p:spPr>
+        <p:txBody>
+          <a:bodyPr/>
+          <a:lstStyle/>
+          <a:p>
+            <a:r>
+              <a:rPr lang="en-US" altLang="zh-CN" dirty="0"/>
+              <a:t>Ribbon</a:t>
+            </a:r>
+            <a:r>
+              <a:rPr lang="zh-CN" altLang="en-US" dirty="0"/>
+              <a:t>的负载均衡，主要通过</a:t>
+            </a:r>
+            <a:r>
+              <a:rPr lang="en-US" altLang="zh-CN" dirty="0" err="1"/>
+              <a:t>LoadBalancerClient</a:t>
+            </a:r>
+            <a:r>
+              <a:rPr lang="zh-CN" altLang="en-US" dirty="0"/>
+              <a:t>来实现的，而</a:t>
+            </a:r>
+            <a:r>
+              <a:rPr lang="en-US" altLang="zh-CN" dirty="0" err="1"/>
+              <a:t>LoadBalancerClient</a:t>
+            </a:r>
+            <a:r>
+              <a:rPr lang="zh-CN" altLang="en-US" dirty="0"/>
+              <a:t>具体交给了</a:t>
+            </a:r>
+            <a:r>
+              <a:rPr lang="en-US" altLang="zh-CN" dirty="0" err="1"/>
+              <a:t>ILoadBalancer</a:t>
+            </a:r>
+            <a:r>
+              <a:rPr lang="zh-CN" altLang="en-US" dirty="0"/>
+              <a:t>来处理，</a:t>
+            </a:r>
+            <a:r>
+              <a:rPr lang="en-US" altLang="zh-CN" dirty="0" err="1"/>
+              <a:t>ILoadBalancer</a:t>
+            </a:r>
+            <a:r>
+              <a:rPr lang="zh-CN" altLang="en-US" dirty="0"/>
+              <a:t>通过配置</a:t>
+            </a:r>
+            <a:r>
+              <a:rPr lang="en-US" altLang="zh-CN" dirty="0" err="1"/>
+              <a:t>IRule</a:t>
+            </a:r>
+            <a:r>
+              <a:rPr lang="zh-CN" altLang="en-US" dirty="0"/>
+              <a:t>、</a:t>
+            </a:r>
+            <a:r>
+              <a:rPr lang="en-US" altLang="zh-CN" dirty="0" err="1"/>
+              <a:t>IPing</a:t>
+            </a:r>
+            <a:r>
+              <a:rPr lang="zh-CN" altLang="en-US" dirty="0"/>
+              <a:t>等信息，并向</a:t>
+            </a:r>
+            <a:r>
+              <a:rPr lang="en-US" altLang="zh-CN" dirty="0" err="1"/>
+              <a:t>EurekaClient</a:t>
+            </a:r>
+            <a:r>
+              <a:rPr lang="zh-CN" altLang="en-US" dirty="0"/>
+              <a:t>获取注册列表的信息，并默认</a:t>
+            </a:r>
+            <a:r>
+              <a:rPr lang="en-US" altLang="zh-CN" dirty="0"/>
+              <a:t>10</a:t>
+            </a:r>
+            <a:r>
+              <a:rPr lang="zh-CN" altLang="en-US" dirty="0"/>
+              <a:t>秒一次向</a:t>
+            </a:r>
+            <a:r>
+              <a:rPr lang="en-US" altLang="zh-CN" dirty="0" err="1"/>
+              <a:t>EurekaClient</a:t>
+            </a:r>
+            <a:r>
+              <a:rPr lang="zh-CN" altLang="en-US" dirty="0"/>
+              <a:t>发送“</a:t>
+            </a:r>
+            <a:r>
+              <a:rPr lang="en-US" altLang="zh-CN" dirty="0"/>
+              <a:t>ping”,</a:t>
+            </a:r>
+            <a:r>
+              <a:rPr lang="zh-CN" altLang="en-US" dirty="0"/>
+              <a:t>进而检查是否更新服务列表，最后，得到注册列表后，</a:t>
+            </a:r>
+            <a:r>
+              <a:rPr lang="en-US" altLang="zh-CN" dirty="0" err="1"/>
+              <a:t>ILoadBalancer</a:t>
+            </a:r>
+            <a:r>
+              <a:rPr lang="zh-CN" altLang="en-US" dirty="0"/>
+              <a:t>根据</a:t>
+            </a:r>
+            <a:r>
+              <a:rPr lang="en-US" altLang="zh-CN" dirty="0" err="1"/>
+              <a:t>IRule</a:t>
+            </a:r>
+            <a:r>
+              <a:rPr lang="zh-CN" altLang="en-US" dirty="0"/>
+              <a:t>的策略进行负载均衡</a:t>
+            </a:r>
+            <a:r>
+              <a:rPr lang="zh-CN" altLang="en-US" dirty="0" smtClean="0"/>
+              <a:t>。</a:t>
+            </a:r>
+            <a:endParaRPr lang="en-US" altLang="zh-CN" dirty="0" smtClean="0"/>
+          </a:p>
+          <a:p>
+            <a:endParaRPr lang="en-US" altLang="zh-CN" dirty="0"/>
+          </a:p>
+          <a:p>
+            <a:endParaRPr lang="en-US" altLang="zh-CN" dirty="0" smtClean="0"/>
+          </a:p>
+          <a:p>
+            <a:r>
+              <a:rPr lang="zh-CN" altLang="en-US" dirty="0" smtClean="0"/>
+              <a:t>而</a:t>
+            </a:r>
+            <a:r>
+              <a:rPr lang="en-US" altLang="zh-CN" dirty="0" err="1"/>
+              <a:t>RestTemplate</a:t>
+            </a:r>
+            <a:r>
+              <a:rPr lang="en-US" altLang="zh-CN" dirty="0"/>
+              <a:t> </a:t>
+            </a:r>
+            <a:r>
+              <a:rPr lang="zh-CN" altLang="en-US" dirty="0"/>
+              <a:t>被</a:t>
+            </a:r>
+            <a:r>
+              <a:rPr lang="en-US" altLang="zh-CN" dirty="0"/>
+              <a:t>@</a:t>
+            </a:r>
+            <a:r>
+              <a:rPr lang="en-US" altLang="zh-CN" dirty="0" err="1"/>
+              <a:t>LoadBalance</a:t>
+            </a:r>
+            <a:r>
+              <a:rPr lang="zh-CN" altLang="en-US" dirty="0"/>
+              <a:t>注解后，能过用负载均衡，主要是维护了一个被</a:t>
+            </a:r>
+            <a:r>
+              <a:rPr lang="en-US" altLang="zh-CN" dirty="0"/>
+              <a:t>@</a:t>
+            </a:r>
+            <a:r>
+              <a:rPr lang="en-US" altLang="zh-CN" dirty="0" err="1"/>
+              <a:t>LoadBalance</a:t>
+            </a:r>
+            <a:r>
+              <a:rPr lang="zh-CN" altLang="en-US" dirty="0"/>
+              <a:t>注解的</a:t>
+            </a:r>
+            <a:r>
+              <a:rPr lang="en-US" altLang="zh-CN" dirty="0" err="1"/>
+              <a:t>RestTemplate</a:t>
+            </a:r>
+            <a:r>
+              <a:rPr lang="zh-CN" altLang="en-US" dirty="0"/>
+              <a:t>列表，并给列表中的</a:t>
+            </a:r>
+            <a:r>
+              <a:rPr lang="en-US" altLang="zh-CN" dirty="0" err="1"/>
+              <a:t>RestTemplate</a:t>
+            </a:r>
+            <a:r>
+              <a:rPr lang="zh-CN" altLang="en-US" dirty="0"/>
+              <a:t>添加拦截器，进而交给负载均衡器去处理。</a:t>
+            </a:r>
+          </a:p>
+          <a:p>
+            <a:endParaRPr lang="zh-CN" altLang="en-US" dirty="0"/>
+          </a:p>
+        </p:txBody>
+      </p:sp>
+    </p:spTree>
+    <p:extLst>
+      <p:ext uri="{BB962C8B-B14F-4D97-AF65-F5344CB8AC3E}">
+        <p14:creationId xmlns:p14="http://schemas.microsoft.com/office/powerpoint/2010/main" val="2675549731"/>
+      </p:ext>
+    </p:extLst>
+  </p:cSld>
+  <p:clrMapOvr>
+    <a:masterClrMapping/>
+  </p:clrMapOvr>
+  <mc:AlternateContent xmlns:mc="http://schemas.openxmlformats.org/markup-compatibility/2006">
+    <mc:Choice xmlns:p14="http://schemas.microsoft.com/office/powerpoint/2010/main" Requires="p14">
+      <p:transition spd="med" p14:dur="700">
+        <p:fade/>
+      </p:transition>
+    </mc:Choice>
+    <mc:Fallback>
+      <p:transition spd="med">
+        <p:fade/>
+      </p:transition>
+    </mc:Fallback>
+  </mc:AlternateContent>
+  <p:timing>
+    <p:tnLst>
+      <p:par>
+        <p:cTn id="1" dur="indefinite" restart="never" nodeType="tmRoot"/>
+      </p:par>
+    </p:tnLst>
+  </p:timing>
+</p:sld>
+</file>
+
+<file path=ppt/slides/slide18.xml><?xml version="1.0" encoding="utf-8"?>
+<p:sld xmlns:a="http://schemas.openxmlformats.org/drawingml/2006/main" xmlns:r="http://schemas.openxmlformats.org/officeDocument/2006/relationships" xmlns:p="http://schemas.openxmlformats.org/presentationml/2006/main">
+  <p:cSld>
+    <p:spTree>
+      <p:nvGrpSpPr>
+        <p:cNvPr id="1" name=""/>
+        <p:cNvGrpSpPr/>
+        <p:nvPr/>
+      </p:nvGrpSpPr>
+      <p:grpSpPr>
+        <a:xfrm>
+          <a:off x="0" y="0"/>
+          <a:ext cx="0" cy="0"/>
+          <a:chOff x="0" y="0"/>
+          <a:chExt cx="0" cy="0"/>
+        </a:xfrm>
+      </p:grpSpPr>
     </p:spTree>
   </p:cSld>
   <p:clrMapOvr>
     <a:masterClrMapping/>
   </p:clrMapOvr>
+  <mc:AlternateContent xmlns:mc="http://schemas.openxmlformats.org/markup-compatibility/2006">
+    <mc:Choice xmlns:p15="http://schemas.microsoft.com/office/powerpoint/2012/main" Requires="p15">
+      <p:transition xmlns:p14="http://schemas.microsoft.com/office/powerpoint/2010/main" spd="slow" p14:dur="1250">
+        <p15:prstTrans prst="airplane"/>
+      </p:transition>
+    </mc:Choice>
+    <mc:Fallback>
+      <p:transition spd="slow">
+        <p:fade/>
+      </p:transition>
+    </mc:Fallback>
+  </mc:AlternateContent>
   <p:timing>
     <p:tnLst>
       <p:par>
@@ -5220,7 +6197,7 @@
         <p:spPr>
           <a:xfrm>
             <a:off x="1043608" y="1662817"/>
-            <a:ext cx="1293944" cy="1569660"/>
+            <a:ext cx="1293944" cy="1938992"/>
           </a:xfrm>
           <a:prstGeom prst="rect">
             <a:avLst/>
@@ -5294,7 +6271,56 @@
                 </a:solidFill>
                 <a:cs typeface="Arial" panose="020B0604020202020204" pitchFamily="34" charset="0"/>
               </a:rPr>
-              <a:t>使用</a:t>
+              <a:t>概念</a:t>
+            </a:r>
+            <a:endParaRPr lang="en-US" altLang="zh-CN" sz="1600" dirty="0" smtClean="0">
+              <a:solidFill>
+                <a:schemeClr val="tx1">
+                  <a:lumMod val="75000"/>
+                  <a:lumOff val="25000"/>
+                </a:schemeClr>
+              </a:solidFill>
+              <a:cs typeface="Arial" panose="020B0604020202020204" pitchFamily="34" charset="0"/>
+            </a:endParaRPr>
+          </a:p>
+          <a:p>
+            <a:pPr marL="285750" indent="-285750">
+              <a:lnSpc>
+                <a:spcPct val="150000"/>
+              </a:lnSpc>
+              <a:buClr>
+                <a:schemeClr val="tx1">
+                  <a:lumMod val="75000"/>
+                  <a:lumOff val="25000"/>
+                </a:schemeClr>
+              </a:buClr>
+              <a:buSzPct val="130000"/>
+              <a:buFont typeface="Arial" panose="020B0604020202020204" pitchFamily="34" charset="0"/>
+              <a:buChar char="•"/>
+            </a:pPr>
+            <a:r>
+              <a:rPr lang="zh-CN" altLang="en-US" sz="1600" dirty="0">
+                <a:solidFill>
+                  <a:schemeClr val="tx1">
+                    <a:lumMod val="75000"/>
+                    <a:lumOff val="25000"/>
+                  </a:schemeClr>
+                </a:solidFill>
+                <a:cs typeface="Arial" panose="020B0604020202020204" pitchFamily="34" charset="0"/>
+              </a:rPr>
+              <a:t>項</a:t>
+            </a:r>
+            <a:r>
+              <a:rPr lang="zh-CN" altLang="en-US" sz="1600" dirty="0" smtClean="0">
+                <a:solidFill>
+                  <a:schemeClr val="tx1">
+                    <a:lumMod val="75000"/>
+                    <a:lumOff val="25000"/>
+                  </a:schemeClr>
+                </a:solidFill>
+                <a:cs typeface="Arial" panose="020B0604020202020204" pitchFamily="34" charset="0"/>
+              </a:rPr>
+              <a:t>目展示</a:t>
             </a:r>
             <a:endParaRPr lang="zh-CN" altLang="en-US" sz="1600" dirty="0">
               <a:solidFill>
@@ -5368,8 +6394,17 @@
                 </a:solidFill>
                 <a:cs typeface="Arial" panose="020B0604020202020204" pitchFamily="34" charset="0"/>
               </a:rPr>
-              <a:t>标题四</a:t>
-            </a:r>
+              <a:t>小结</a:t>
+            </a:r>
+            <a:endParaRPr lang="zh-CN" altLang="en-US" sz="1600" dirty="0">
+              <a:solidFill>
+                <a:schemeClr val="tx1">
+                  <a:lumMod val="75000"/>
+                  <a:lumOff val="25000"/>
+                </a:schemeClr>
+              </a:solidFill>
+              <a:cs typeface="Arial" panose="020B0604020202020204" pitchFamily="34" charset="0"/>
+            </a:endParaRPr>
           </a:p>
         </p:txBody>
       </p:sp>
@@ -5378,6 +6413,18 @@
   <p:clrMapOvr>
     <a:masterClrMapping/>
   </p:clrMapOvr>
+  <mc:AlternateContent xmlns:mc="http://schemas.openxmlformats.org/markup-compatibility/2006" xmlns:p14="http://schemas.microsoft.com/office/powerpoint/2010/main">
+    <mc:Choice Requires="p14">
+      <p:transition spd="med" p14:dur="700">
+        <p:fade/>
+      </p:transition>
+    </mc:Choice>
+    <mc:Fallback xmlns="">
+      <p:transition spd="med">
+        <p:fade/>
+      </p:transition>
+    </mc:Fallback>
+  </mc:AlternateContent>
   <p:timing>
     <p:tnLst>
       <p:par>
@@ -6084,6 +7131,9 @@
   <p:clrMapOvr>
     <a:masterClrMapping/>
   </p:clrMapOvr>
+  <p:transition spd="slow">
+    <p:wipe/>
+  </p:transition>
   <p:timing>
     <p:tnLst>
       <p:par>
@@ -6183,7 +7233,7 @@
                                     </p:set>
                                     <p:animEffect transition="in" filter="fade">
                                       <p:cBhvr>
-                                        <p:cTn id="12" dur="1000"/>
+                                        <p:cTn id="12" dur="500"/>
                                         <p:tgtEl>
                                           <p:spTgt spid="16"/>
                                         </p:tgtEl>
@@ -6191,7 +7241,7 @@
                                     </p:animEffect>
                                     <p:anim calcmode="lin" valueType="num">
                                       <p:cBhvr>
-                                        <p:cTn id="13" dur="1000" fill="hold"/>
+                                        <p:cTn id="13" dur="500" fill="hold"/>
                                         <p:tgtEl>
                                           <p:spTgt spid="16"/>
                                         </p:tgtEl>
@@ -6214,7 +7264,7 @@
                                     </p:anim>
                                     <p:anim calcmode="lin" valueType="num">
                                       <p:cBhvr>
-                                        <p:cTn id="14" dur="1000" fill="hold"/>
+                                        <p:cTn id="14" dur="500" fill="hold"/>
                                         <p:tgtEl>
                                           <p:spTgt spid="16"/>
                                         </p:tgtEl>
@@ -6244,7 +7294,7 @@
                         <p:par>
                           <p:cTn id="15" fill="hold">
                             <p:stCondLst>
-                              <p:cond delay="1000"/>
+                              <p:cond delay="500"/>
                             </p:stCondLst>
                             <p:childTnLst>
                               <p:par>
@@ -6273,7 +7323,7 @@
                                     </p:set>
                                     <p:animEffect transition="in" filter="fade">
                                       <p:cBhvr>
-                                        <p:cTn id="18" dur="1000"/>
+                                        <p:cTn id="18" dur="500"/>
                                         <p:tgtEl>
                                           <p:spTgt spid="20"/>
                                         </p:tgtEl>
@@ -6281,7 +7331,7 @@
                                     </p:animEffect>
                                     <p:anim calcmode="lin" valueType="num">
                                       <p:cBhvr>
-                                        <p:cTn id="19" dur="1000" fill="hold"/>
+                                        <p:cTn id="19" dur="500" fill="hold"/>
                                         <p:tgtEl>
                                           <p:spTgt spid="20"/>
                                         </p:tgtEl>
@@ -6304,7 +7354,7 @@
                                     </p:anim>
                                     <p:anim calcmode="lin" valueType="num">
                                       <p:cBhvr>
-                                        <p:cTn id="20" dur="1000" fill="hold"/>
+                                        <p:cTn id="20" dur="500" fill="hold"/>
                                         <p:tgtEl>
                                           <p:spTgt spid="20"/>
                                         </p:tgtEl>
@@ -6334,7 +7384,7 @@
                         <p:par>
                           <p:cTn id="21" fill="hold">
                             <p:stCondLst>
-                              <p:cond delay="2000"/>
+                              <p:cond delay="1000"/>
                             </p:stCondLst>
                             <p:childTnLst>
                               <p:par>
@@ -6416,7 +7466,7 @@
                                     </p:set>
                                     <p:animEffect transition="in" filter="fade">
                                       <p:cBhvr>
-                                        <p:cTn id="29" dur="1000"/>
+                                        <p:cTn id="29" dur="500"/>
                                         <p:tgtEl>
                                           <p:spTgt spid="15"/>
                                         </p:tgtEl>
@@ -6424,7 +7474,7 @@
                                     </p:animEffect>
                                     <p:anim calcmode="lin" valueType="num">
                                       <p:cBhvr>
-                                        <p:cTn id="30" dur="1000" fill="hold"/>
+                                        <p:cTn id="30" dur="500" fill="hold"/>
                                         <p:tgtEl>
                                           <p:spTgt spid="15"/>
                                         </p:tgtEl>
@@ -6447,7 +7497,7 @@
                                     </p:anim>
                                     <p:anim calcmode="lin" valueType="num">
                                       <p:cBhvr>
-                                        <p:cTn id="31" dur="1000" fill="hold"/>
+                                        <p:cTn id="31" dur="500" fill="hold"/>
                                         <p:tgtEl>
                                           <p:spTgt spid="15"/>
                                         </p:tgtEl>
@@ -6477,7 +7527,7 @@
                         <p:par>
                           <p:cTn id="32" fill="hold">
                             <p:stCondLst>
-                              <p:cond delay="1000"/>
+                              <p:cond delay="500"/>
                             </p:stCondLst>
                             <p:childTnLst>
                               <p:par>
@@ -6506,7 +7556,7 @@
                                     </p:set>
                                     <p:animEffect transition="in" filter="fade">
                                       <p:cBhvr>
-                                        <p:cTn id="35" dur="1000"/>
+                                        <p:cTn id="35" dur="500"/>
                                         <p:tgtEl>
                                           <p:spTgt spid="24"/>
                                         </p:tgtEl>
@@ -6514,7 +7564,7 @@
                                     </p:animEffect>
                                     <p:anim calcmode="lin" valueType="num">
                                       <p:cBhvr>
-                                        <p:cTn id="36" dur="1000" fill="hold"/>
+                                        <p:cTn id="36" dur="500" fill="hold"/>
                                         <p:tgtEl>
                                           <p:spTgt spid="24"/>
                                         </p:tgtEl>
@@ -6537,7 +7587,7 @@
                                     </p:anim>
                                     <p:anim calcmode="lin" valueType="num">
                                       <p:cBhvr>
-                                        <p:cTn id="37" dur="1000" fill="hold"/>
+                                        <p:cTn id="37" dur="500" fill="hold"/>
                                         <p:tgtEl>
                                           <p:spTgt spid="24"/>
                                         </p:tgtEl>
@@ -6567,7 +7617,7 @@
                         <p:par>
                           <p:cTn id="38" fill="hold">
                             <p:stCondLst>
-                              <p:cond delay="2000"/>
+                              <p:cond delay="1000"/>
                             </p:stCondLst>
                             <p:childTnLst>
                               <p:par>
@@ -6693,7 +7743,7 @@
                                     </p:set>
                                     <p:animEffect transition="in" filter="fade">
                                       <p:cBhvr>
-                                        <p:cTn id="50" dur="1000"/>
+                                        <p:cTn id="50" dur="500"/>
                                         <p:tgtEl>
                                           <p:spTgt spid="30"/>
                                         </p:tgtEl>
@@ -6701,7 +7751,7 @@
                                     </p:animEffect>
                                     <p:anim calcmode="lin" valueType="num">
                                       <p:cBhvr>
-                                        <p:cTn id="51" dur="1000" fill="hold"/>
+                                        <p:cTn id="51" dur="500" fill="hold"/>
                                         <p:tgtEl>
                                           <p:spTgt spid="30"/>
                                         </p:tgtEl>
@@ -6724,7 +7774,7 @@
                                     </p:anim>
                                     <p:anim calcmode="lin" valueType="num">
                                       <p:cBhvr>
-                                        <p:cTn id="52" dur="1000" fill="hold"/>
+                                        <p:cTn id="52" dur="500" fill="hold"/>
                                         <p:tgtEl>
                                           <p:spTgt spid="30"/>
                                         </p:tgtEl>
@@ -6792,7 +7842,7 @@
                                     </p:set>
                                     <p:animEffect transition="in" filter="fade">
                                       <p:cBhvr>
-                                        <p:cTn id="57" dur="1000"/>
+                                        <p:cTn id="57" dur="500"/>
                                         <p:tgtEl>
                                           <p:spTgt spid="41"/>
                                         </p:tgtEl>
@@ -6800,7 +7850,7 @@
                                     </p:animEffect>
                                     <p:anim calcmode="lin" valueType="num">
                                       <p:cBhvr>
-                                        <p:cTn id="58" dur="1000" fill="hold"/>
+                                        <p:cTn id="58" dur="500" fill="hold"/>
                                         <p:tgtEl>
                                           <p:spTgt spid="41"/>
                                         </p:tgtEl>
@@ -6823,7 +7873,7 @@
                                     </p:anim>
                                     <p:anim calcmode="lin" valueType="num">
                                       <p:cBhvr>
-                                        <p:cTn id="59" dur="1000" fill="hold"/>
+                                        <p:cTn id="59" dur="500" fill="hold"/>
                                         <p:tgtEl>
                                           <p:spTgt spid="41"/>
                                         </p:tgtEl>
@@ -6853,7 +7903,7 @@
                         <p:par>
                           <p:cTn id="60" fill="hold">
                             <p:stCondLst>
-                              <p:cond delay="1000"/>
+                              <p:cond delay="500"/>
                             </p:stCondLst>
                             <p:childTnLst>
                               <p:par>
@@ -6882,7 +7932,7 @@
                                     </p:set>
                                     <p:animEffect transition="in" filter="fade">
                                       <p:cBhvr>
-                                        <p:cTn id="63" dur="1000"/>
+                                        <p:cTn id="63" dur="750"/>
                                         <p:tgtEl>
                                           <p:spTgt spid="52"/>
                                         </p:tgtEl>
@@ -6890,7 +7940,7 @@
                                     </p:animEffect>
                                     <p:anim calcmode="lin" valueType="num">
                                       <p:cBhvr>
-                                        <p:cTn id="64" dur="1000" fill="hold"/>
+                                        <p:cTn id="64" dur="750" fill="hold"/>
                                         <p:tgtEl>
                                           <p:spTgt spid="52"/>
                                         </p:tgtEl>
@@ -6913,7 +7963,7 @@
                                     </p:anim>
                                     <p:anim calcmode="lin" valueType="num">
                                       <p:cBhvr>
-                                        <p:cTn id="65" dur="1000" fill="hold"/>
+                                        <p:cTn id="65" dur="750" fill="hold"/>
                                         <p:tgtEl>
                                           <p:spTgt spid="52"/>
                                         </p:tgtEl>
@@ -7270,9 +8320,7 @@
             <a:r>
               <a:rPr lang="zh-CN" altLang="en-US" dirty="0">
                 <a:solidFill>
-                  <a:schemeClr val="accent6">
-                    <a:lumMod val="75000"/>
-                  </a:schemeClr>
+                  <a:srgbClr val="FFFF00"/>
                 </a:solidFill>
               </a:rPr>
               <a:t>是对系统的高可用、</a:t>
@@ -7280,9 +8328,7 @@
             <a:r>
               <a:rPr lang="zh-CN" altLang="en-US" dirty="0" smtClean="0">
                 <a:solidFill>
-                  <a:schemeClr val="accent6">
-                    <a:lumMod val="75000"/>
-                  </a:schemeClr>
+                  <a:srgbClr val="FFFF00"/>
                 </a:solidFill>
               </a:rPr>
               <a:t>网络压力</a:t>
@@ -7290,9 +8336,7 @@
             <a:r>
               <a:rPr lang="zh-CN" altLang="en-US" dirty="0">
                 <a:solidFill>
-                  <a:schemeClr val="accent6">
-                    <a:lumMod val="75000"/>
-                  </a:schemeClr>
+                  <a:srgbClr val="FFFF00"/>
                 </a:solidFill>
               </a:rPr>
               <a:t>的缓解和处理能力扩容</a:t>
@@ -7300,9 +8344,7 @@
             <a:r>
               <a:rPr lang="zh-CN" altLang="en-US" dirty="0" smtClean="0">
                 <a:solidFill>
-                  <a:schemeClr val="accent6">
-                    <a:lumMod val="75000"/>
-                  </a:schemeClr>
+                  <a:srgbClr val="FFFF00"/>
                 </a:solidFill>
               </a:rPr>
               <a:t>的重要</a:t>
@@ -7310,9 +8352,7 @@
             <a:r>
               <a:rPr lang="zh-CN" altLang="en-US" dirty="0">
                 <a:solidFill>
-                  <a:schemeClr val="accent6">
-                    <a:lumMod val="75000"/>
-                  </a:schemeClr>
+                  <a:srgbClr val="FFFF00"/>
                 </a:solidFill>
               </a:rPr>
               <a:t>手段</a:t>
@@ -7320,18 +8360,14 @@
             <a:r>
               <a:rPr lang="zh-CN" altLang="en-US" dirty="0" smtClean="0">
                 <a:solidFill>
-                  <a:schemeClr val="accent6">
-                    <a:lumMod val="75000"/>
-                  </a:schemeClr>
+                  <a:srgbClr val="FFFF00"/>
                 </a:solidFill>
               </a:rPr>
               <a:t>之一</a:t>
             </a:r>
             <a:endParaRPr lang="zh-CN" altLang="en-US" dirty="0">
               <a:solidFill>
-                <a:schemeClr val="accent6">
-                  <a:lumMod val="75000"/>
-                </a:schemeClr>
+                <a:srgbClr val="FFFF00"/>
               </a:solidFill>
             </a:endParaRPr>
           </a:p>
@@ -7342,6 +8378,9 @@
   <p:clrMapOvr>
     <a:masterClrMapping/>
   </p:clrMapOvr>
+  <p:transition spd="slow">
+    <p:wipe/>
+  </p:transition>
   <p:timing>
     <p:tnLst>
       <p:par>
@@ -7854,12 +8893,6 @@
                 </a:rPr>
                 <a:t>来剔除故障的服务端节点</a:t>
               </a:r>
-              <a:endParaRPr lang="zh-CN" altLang="en-US" dirty="0">
-                <a:solidFill>
-                  <a:srgbClr val="333333"/>
-                </a:solidFill>
-                <a:latin typeface="-apple-system"/>
-              </a:endParaRPr>
             </a:p>
           </p:txBody>
         </p:sp>
@@ -8098,6 +9131,18 @@
   <p:clrMapOvr>
     <a:masterClrMapping/>
   </p:clrMapOvr>
+  <mc:AlternateContent xmlns:mc="http://schemas.openxmlformats.org/markup-compatibility/2006" xmlns:p14="http://schemas.microsoft.com/office/powerpoint/2010/main">
+    <mc:Choice Requires="p14">
+      <p:transition spd="slow" p14:dur="800">
+        <p:circle/>
+      </p:transition>
+    </mc:Choice>
+    <mc:Fallback xmlns="">
+      <p:transition spd="slow">
+        <p:circle/>
+      </p:transition>
+    </mc:Fallback>
+  </mc:AlternateContent>
   <p:timing>
     <p:tnLst>
       <p:par>
@@ -8514,7 +9559,7 @@
                                     </p:set>
                                     <p:animEffect transition="in" filter="circle(in)">
                                       <p:cBhvr>
-                                        <p:cTn id="32" dur="1500"/>
+                                        <p:cTn id="32" dur="1000"/>
                                         <p:tgtEl>
                                           <p:spTgt spid="25"/>
                                         </p:tgtEl>
@@ -8584,8 +9629,8 @@
         </p:nvSpPr>
         <p:spPr>
           <a:xfrm>
-            <a:off x="2381565" y="2283718"/>
-            <a:ext cx="6770984" cy="2196435"/>
+            <a:off x="2828711" y="2247714"/>
+            <a:ext cx="3486579" cy="648072"/>
           </a:xfrm>
           <a:prstGeom prst="rect">
             <a:avLst/>
@@ -8756,6 +9801,9 @@
   <p:clrMapOvr>
     <a:masterClrMapping/>
   </p:clrMapOvr>
+  <p:transition spd="med">
+    <p:pull/>
+  </p:transition>
   <p:timing>
     <p:tnLst>
       <p:par>
@@ -8767,6 +9815,3359 @@
 </file>
 
 <file path=ppt/slides/slide7.xml><?xml version="1.0" encoding="utf-8"?>
+<p:sld xmlns:a="http://schemas.openxmlformats.org/drawingml/2006/main" xmlns:r="http://schemas.openxmlformats.org/officeDocument/2006/relationships" xmlns:p="http://schemas.openxmlformats.org/presentationml/2006/main">
+  <p:cSld>
+    <p:spTree>
+      <p:nvGrpSpPr>
+        <p:cNvPr id="1" name=""/>
+        <p:cNvGrpSpPr/>
+        <p:nvPr/>
+      </p:nvGrpSpPr>
+      <p:grpSpPr>
+        <a:xfrm>
+          <a:off x="0" y="0"/>
+          <a:ext cx="0" cy="0"/>
+          <a:chOff x="0" y="0"/>
+          <a:chExt cx="0" cy="0"/>
+        </a:xfrm>
+      </p:grpSpPr>
+      <p:grpSp>
+        <p:nvGrpSpPr>
+          <p:cNvPr id="4" name="组合 3"/>
+          <p:cNvGrpSpPr/>
+          <p:nvPr/>
+        </p:nvGrpSpPr>
+        <p:grpSpPr>
+          <a:xfrm>
+            <a:off x="251520" y="411510"/>
+            <a:ext cx="8555536" cy="4310159"/>
+            <a:chOff x="395536" y="1135065"/>
+            <a:chExt cx="9434512" cy="4752975"/>
+          </a:xfrm>
+        </p:grpSpPr>
+        <p:pic>
+          <p:nvPicPr>
+            <p:cNvPr id="5" name="Picture 44" descr="问号22"/>
+            <p:cNvPicPr>
+              <a:picLocks noChangeAspect="1" noChangeArrowheads="1"/>
+            </p:cNvPicPr>
+            <p:nvPr/>
+          </p:nvPicPr>
+          <p:blipFill>
+            <a:blip r:embed="rId2">
+              <a:extLst>
+                <a:ext uri="{28A0092B-C50C-407E-A947-70E740481C1C}">
+                  <a14:useLocalDpi xmlns:a14="http://schemas.microsoft.com/office/drawing/2010/main" val="0"/>
+                </a:ext>
+              </a:extLst>
+            </a:blip>
+            <a:srcRect l="15674" t="11230" r="5713" b="15674"/>
+            <a:stretch>
+              <a:fillRect/>
+            </a:stretch>
+          </p:blipFill>
+          <p:spPr bwMode="auto">
+            <a:xfrm>
+              <a:off x="395536" y="1135065"/>
+              <a:ext cx="4392612" cy="4752975"/>
+            </a:xfrm>
+            <a:prstGeom prst="rect">
+              <a:avLst/>
+            </a:prstGeom>
+            <a:noFill/>
+            <a:ln>
+              <a:noFill/>
+            </a:ln>
+            <a:extLst>
+              <a:ext uri="{909E8E84-426E-40DD-AFC4-6F175D3DCCD1}">
+                <a14:hiddenFill xmlns:a14="http://schemas.microsoft.com/office/drawing/2010/main">
+                  <a:solidFill>
+                    <a:srgbClr val="FFFFFF"/>
+                  </a:solidFill>
+                </a14:hiddenFill>
+              </a:ext>
+              <a:ext uri="{91240B29-F687-4F45-9708-019B960494DF}">
+                <a14:hiddenLine xmlns:a14="http://schemas.microsoft.com/office/drawing/2010/main" w="9525">
+                  <a:solidFill>
+                    <a:srgbClr val="000000"/>
+                  </a:solidFill>
+                  <a:miter lim="800000"/>
+                  <a:headEnd/>
+                  <a:tailEnd/>
+                </a14:hiddenLine>
+              </a:ext>
+            </a:extLst>
+          </p:spPr>
+        </p:pic>
+        <p:grpSp>
+          <p:nvGrpSpPr>
+            <p:cNvPr id="6" name="组合 5"/>
+            <p:cNvGrpSpPr>
+              <a:grpSpLocks/>
+            </p:cNvGrpSpPr>
+            <p:nvPr/>
+          </p:nvGrpSpPr>
+          <p:grpSpPr bwMode="auto">
+            <a:xfrm>
+              <a:off x="4861173" y="1350965"/>
+              <a:ext cx="4968875" cy="1069975"/>
+              <a:chOff x="1849115" y="1724843"/>
+              <a:chExt cx="4968552" cy="1071006"/>
+            </a:xfrm>
+          </p:grpSpPr>
+          <p:grpSp>
+            <p:nvGrpSpPr>
+              <p:cNvPr id="35" name="组合 47"/>
+              <p:cNvGrpSpPr>
+                <a:grpSpLocks/>
+              </p:cNvGrpSpPr>
+              <p:nvPr/>
+            </p:nvGrpSpPr>
+            <p:grpSpPr bwMode="auto">
+              <a:xfrm>
+                <a:off x="2575442" y="1725054"/>
+                <a:ext cx="4242225" cy="700169"/>
+                <a:chOff x="2159496" y="1391204"/>
+                <a:chExt cx="5460503" cy="590105"/>
+              </a:xfrm>
+            </p:grpSpPr>
+            <p:sp>
+              <p:nvSpPr>
+                <p:cNvPr id="39" name="任意多边形 38"/>
+                <p:cNvSpPr/>
+                <p:nvPr/>
+              </p:nvSpPr>
+              <p:spPr>
+                <a:xfrm>
+                  <a:off x="2160398" y="1391026"/>
+                  <a:ext cx="5459601" cy="590604"/>
+                </a:xfrm>
+                <a:custGeom>
+                  <a:avLst/>
+                  <a:gdLst>
+                    <a:gd name="connsiteX0" fmla="*/ 98352 w 590103"/>
+                    <a:gd name="connsiteY0" fmla="*/ 0 h 5460503"/>
+                    <a:gd name="connsiteX1" fmla="*/ 491751 w 590103"/>
+                    <a:gd name="connsiteY1" fmla="*/ 0 h 5460503"/>
+                    <a:gd name="connsiteX2" fmla="*/ 590103 w 590103"/>
+                    <a:gd name="connsiteY2" fmla="*/ 98352 h 5460503"/>
+                    <a:gd name="connsiteX3" fmla="*/ 590103 w 590103"/>
+                    <a:gd name="connsiteY3" fmla="*/ 5460503 h 5460503"/>
+                    <a:gd name="connsiteX4" fmla="*/ 590103 w 590103"/>
+                    <a:gd name="connsiteY4" fmla="*/ 5460503 h 5460503"/>
+                    <a:gd name="connsiteX5" fmla="*/ 0 w 590103"/>
+                    <a:gd name="connsiteY5" fmla="*/ 5460503 h 5460503"/>
+                    <a:gd name="connsiteX6" fmla="*/ 0 w 590103"/>
+                    <a:gd name="connsiteY6" fmla="*/ 5460503 h 5460503"/>
+                    <a:gd name="connsiteX7" fmla="*/ 0 w 590103"/>
+                    <a:gd name="connsiteY7" fmla="*/ 98352 h 5460503"/>
+                    <a:gd name="connsiteX8" fmla="*/ 98352 w 590103"/>
+                    <a:gd name="connsiteY8" fmla="*/ 0 h 5460503"/>
+                  </a:gdLst>
+                  <a:ahLst/>
+                  <a:cxnLst>
+                    <a:cxn ang="0">
+                      <a:pos x="connsiteX0" y="connsiteY0"/>
+                    </a:cxn>
+                    <a:cxn ang="0">
+                      <a:pos x="connsiteX1" y="connsiteY1"/>
+                    </a:cxn>
+                    <a:cxn ang="0">
+                      <a:pos x="connsiteX2" y="connsiteY2"/>
+                    </a:cxn>
+                    <a:cxn ang="0">
+                      <a:pos x="connsiteX3" y="connsiteY3"/>
+                    </a:cxn>
+                    <a:cxn ang="0">
+                      <a:pos x="connsiteX4" y="connsiteY4"/>
+                    </a:cxn>
+                    <a:cxn ang="0">
+                      <a:pos x="connsiteX5" y="connsiteY5"/>
+                    </a:cxn>
+                    <a:cxn ang="0">
+                      <a:pos x="connsiteX6" y="connsiteY6"/>
+                    </a:cxn>
+                    <a:cxn ang="0">
+                      <a:pos x="connsiteX7" y="connsiteY7"/>
+                    </a:cxn>
+                    <a:cxn ang="0">
+                      <a:pos x="connsiteX8" y="connsiteY8"/>
+                    </a:cxn>
+                  </a:cxnLst>
+                  <a:rect l="l" t="t" r="r" b="b"/>
+                  <a:pathLst>
+                    <a:path w="590103" h="5460503">
+                      <a:moveTo>
+                        <a:pt x="590103" y="910101"/>
+                      </a:moveTo>
+                      <a:lnTo>
+                        <a:pt x="590103" y="4550402"/>
+                      </a:lnTo>
+                      <a:cubicBezTo>
+                        <a:pt x="590103" y="5053032"/>
+                        <a:pt x="585344" y="5460498"/>
+                        <a:pt x="579474" y="5460498"/>
+                      </a:cubicBezTo>
+                      <a:lnTo>
+                        <a:pt x="0" y="5460498"/>
+                      </a:lnTo>
+                      <a:lnTo>
+                        <a:pt x="0" y="5460498"/>
+                      </a:lnTo>
+                      <a:lnTo>
+                        <a:pt x="0" y="5"/>
+                      </a:lnTo>
+                      <a:lnTo>
+                        <a:pt x="0" y="5"/>
+                      </a:lnTo>
+                      <a:lnTo>
+                        <a:pt x="579474" y="5"/>
+                      </a:lnTo>
+                      <a:cubicBezTo>
+                        <a:pt x="585344" y="5"/>
+                        <a:pt x="590103" y="407471"/>
+                        <a:pt x="590103" y="910101"/>
+                      </a:cubicBezTo>
+                      <a:close/>
+                    </a:path>
+                  </a:pathLst>
+                </a:custGeom>
+                <a:gradFill>
+                  <a:gsLst>
+                    <a:gs pos="100000">
+                      <a:srgbClr val="FFFFFF"/>
+                    </a:gs>
+                    <a:gs pos="51657">
+                      <a:srgbClr val="F0F0F0"/>
+                    </a:gs>
+                    <a:gs pos="0">
+                      <a:srgbClr val="FFFFFF"/>
+                    </a:gs>
+                  </a:gsLst>
+                  <a:lin ang="5400000" scaled="1"/>
+                </a:gradFill>
+                <a:ln w="9525">
+                  <a:solidFill>
+                    <a:srgbClr val="DDDDDD"/>
+                  </a:solidFill>
+                  <a:round/>
+                  <a:headEnd/>
+                  <a:tailEnd/>
+                </a:ln>
+                <a:effectLst>
+                  <a:outerShdw blurRad="63500" sx="101000" sy="101000" algn="ctr" rotWithShape="0">
+                    <a:prstClr val="black">
+                      <a:alpha val="8000"/>
+                    </a:prstClr>
+                  </a:outerShdw>
+                </a:effectLst>
+              </p:spPr>
+              <p:txBody>
+                <a:bodyPr wrap="none" anchor="ctr"/>
+                <a:lstStyle/>
+                <a:p>
+                  <a:pPr lvl="1" fontAlgn="auto">
+                    <a:spcBef>
+                      <a:spcPts val="0"/>
+                    </a:spcBef>
+                    <a:spcAft>
+                      <a:spcPts val="0"/>
+                    </a:spcAft>
+                    <a:defRPr/>
+                  </a:pPr>
+                  <a:endParaRPr lang="zh-CN" altLang="en-US" sz="1600" b="0">
+                    <a:solidFill>
+                      <a:srgbClr val="888888"/>
+                    </a:solidFill>
+                    <a:latin typeface="微软雅黑" pitchFamily="34" charset="-122"/>
+                  </a:endParaRPr>
+                </a:p>
+                <a:p>
+                  <a:pPr lvl="1" fontAlgn="auto">
+                    <a:spcBef>
+                      <a:spcPts val="0"/>
+                    </a:spcBef>
+                    <a:spcAft>
+                      <a:spcPts val="0"/>
+                    </a:spcAft>
+                    <a:defRPr/>
+                  </a:pPr>
+                  <a:endParaRPr lang="zh-CN" altLang="en-US" sz="1600" b="0" dirty="0">
+                    <a:solidFill>
+                      <a:srgbClr val="888888"/>
+                    </a:solidFill>
+                    <a:latin typeface="微软雅黑" pitchFamily="34" charset="-122"/>
+                  </a:endParaRPr>
+                </a:p>
+              </p:txBody>
+            </p:sp>
+            <p:sp>
+              <p:nvSpPr>
+                <p:cNvPr id="40" name="任意多边形 39"/>
+                <p:cNvSpPr>
+                  <a:spLocks noChangeArrowheads="1"/>
+                </p:cNvSpPr>
+                <p:nvPr/>
+              </p:nvSpPr>
+              <p:spPr bwMode="auto">
+                <a:xfrm>
+                  <a:off x="2184917" y="1403079"/>
+                  <a:ext cx="5410562" cy="566499"/>
+                </a:xfrm>
+                <a:custGeom>
+                  <a:avLst/>
+                  <a:gdLst>
+                    <a:gd name="T0" fmla="*/ 695090569 w 590103"/>
+                    <a:gd name="T1" fmla="*/ 0 h 5460503"/>
+                    <a:gd name="T2" fmla="*/ 2147483647 w 590103"/>
+                    <a:gd name="T3" fmla="*/ 0 h 5460503"/>
+                    <a:gd name="T4" fmla="*/ 2147483647 w 590103"/>
+                    <a:gd name="T5" fmla="*/ 11 h 5460503"/>
+                    <a:gd name="T6" fmla="*/ 2147483647 w 590103"/>
+                    <a:gd name="T7" fmla="*/ 633 h 5460503"/>
+                    <a:gd name="T8" fmla="*/ 2147483647 w 590103"/>
+                    <a:gd name="T9" fmla="*/ 633 h 5460503"/>
+                    <a:gd name="T10" fmla="*/ 0 w 590103"/>
+                    <a:gd name="T11" fmla="*/ 633 h 5460503"/>
+                    <a:gd name="T12" fmla="*/ 0 w 590103"/>
+                    <a:gd name="T13" fmla="*/ 633 h 5460503"/>
+                    <a:gd name="T14" fmla="*/ 0 w 590103"/>
+                    <a:gd name="T15" fmla="*/ 11 h 5460503"/>
+                    <a:gd name="T16" fmla="*/ 695090569 w 590103"/>
+                    <a:gd name="T17" fmla="*/ 0 h 5460503"/>
+                    <a:gd name="T18" fmla="*/ 0 60000 65536"/>
+                    <a:gd name="T19" fmla="*/ 0 60000 65536"/>
+                    <a:gd name="T20" fmla="*/ 0 60000 65536"/>
+                    <a:gd name="T21" fmla="*/ 0 60000 65536"/>
+                    <a:gd name="T22" fmla="*/ 0 60000 65536"/>
+                    <a:gd name="T23" fmla="*/ 0 60000 65536"/>
+                    <a:gd name="T24" fmla="*/ 0 60000 65536"/>
+                    <a:gd name="T25" fmla="*/ 0 60000 65536"/>
+                    <a:gd name="T26" fmla="*/ 0 60000 65536"/>
+                    <a:gd name="T27" fmla="*/ 0 w 590103"/>
+                    <a:gd name="T28" fmla="*/ 0 h 5460503"/>
+                    <a:gd name="T29" fmla="*/ 590103 w 590103"/>
+                    <a:gd name="T30" fmla="*/ 5460503 h 5460503"/>
+                  </a:gdLst>
+                  <a:ahLst/>
+                  <a:cxnLst>
+                    <a:cxn ang="T18">
+                      <a:pos x="T0" y="T1"/>
+                    </a:cxn>
+                    <a:cxn ang="T19">
+                      <a:pos x="T2" y="T3"/>
+                    </a:cxn>
+                    <a:cxn ang="T20">
+                      <a:pos x="T4" y="T5"/>
+                    </a:cxn>
+                    <a:cxn ang="T21">
+                      <a:pos x="T6" y="T7"/>
+                    </a:cxn>
+                    <a:cxn ang="T22">
+                      <a:pos x="T8" y="T9"/>
+                    </a:cxn>
+                    <a:cxn ang="T23">
+                      <a:pos x="T10" y="T11"/>
+                    </a:cxn>
+                    <a:cxn ang="T24">
+                      <a:pos x="T12" y="T13"/>
+                    </a:cxn>
+                    <a:cxn ang="T25">
+                      <a:pos x="T14" y="T15"/>
+                    </a:cxn>
+                    <a:cxn ang="T26">
+                      <a:pos x="T16" y="T17"/>
+                    </a:cxn>
+                  </a:cxnLst>
+                  <a:rect l="T27" t="T28" r="T29" b="T30"/>
+                  <a:pathLst>
+                    <a:path w="590103" h="5460503">
+                      <a:moveTo>
+                        <a:pt x="590103" y="910101"/>
+                      </a:moveTo>
+                      <a:lnTo>
+                        <a:pt x="590103" y="4550402"/>
+                      </a:lnTo>
+                      <a:cubicBezTo>
+                        <a:pt x="590103" y="5053032"/>
+                        <a:pt x="585344" y="5460498"/>
+                        <a:pt x="579474" y="5460498"/>
+                      </a:cubicBezTo>
+                      <a:lnTo>
+                        <a:pt x="0" y="5460498"/>
+                      </a:lnTo>
+                      <a:lnTo>
+                        <a:pt x="0" y="5"/>
+                      </a:lnTo>
+                      <a:lnTo>
+                        <a:pt x="579474" y="5"/>
+                      </a:lnTo>
+                      <a:cubicBezTo>
+                        <a:pt x="585344" y="5"/>
+                        <a:pt x="590103" y="407471"/>
+                        <a:pt x="590103" y="910101"/>
+                      </a:cubicBezTo>
+                      <a:close/>
+                    </a:path>
+                  </a:pathLst>
+                </a:custGeom>
+                <a:gradFill rotWithShape="1">
+                  <a:gsLst>
+                    <a:gs pos="0">
+                      <a:srgbClr val="F8F8F8"/>
+                    </a:gs>
+                    <a:gs pos="8000">
+                      <a:srgbClr val="F8F8F8"/>
+                    </a:gs>
+                    <a:gs pos="50000">
+                      <a:srgbClr val="ECECEC"/>
+                    </a:gs>
+                    <a:gs pos="51657">
+                      <a:srgbClr val="E8E8E8"/>
+                    </a:gs>
+                    <a:gs pos="98000">
+                      <a:srgbClr val="F9F9F9"/>
+                    </a:gs>
+                    <a:gs pos="100000">
+                      <a:srgbClr val="FFFFFF"/>
+                    </a:gs>
+                  </a:gsLst>
+                  <a:lin ang="5400000" scaled="1"/>
+                </a:gradFill>
+                <a:ln>
+                  <a:noFill/>
+                </a:ln>
+                <a:extLst>
+                  <a:ext uri="{91240B29-F687-4F45-9708-019B960494DF}">
+                    <a14:hiddenLine xmlns:a14="http://schemas.microsoft.com/office/drawing/2010/main" w="9525">
+                      <a:solidFill>
+                        <a:srgbClr val="000000"/>
+                      </a:solidFill>
+                      <a:round/>
+                      <a:headEnd/>
+                      <a:tailEnd/>
+                    </a14:hiddenLine>
+                  </a:ext>
+                </a:extLst>
+              </p:spPr>
+              <p:txBody>
+                <a:bodyPr wrap="none" anchor="ctr"/>
+                <a:lstStyle/>
+                <a:p>
+                  <a:pPr>
+                    <a:lnSpc>
+                      <a:spcPct val="150000"/>
+                    </a:lnSpc>
+                  </a:pPr>
+                  <a:r>
+                    <a:rPr lang="zh-CN" altLang="en-US" dirty="0"/>
+                    <a:t>服务清单如何</a:t>
+                  </a:r>
+                  <a:r>
+                    <a:rPr lang="zh-CN" altLang="en-US" dirty="0" smtClean="0"/>
+                    <a:t>获取</a:t>
+                  </a:r>
+                  <a:endParaRPr lang="en-US" altLang="zh-CN" dirty="0"/>
+                </a:p>
+              </p:txBody>
+            </p:sp>
+          </p:grpSp>
+          <p:grpSp>
+            <p:nvGrpSpPr>
+              <p:cNvPr id="36" name="组合 39"/>
+              <p:cNvGrpSpPr>
+                <a:grpSpLocks/>
+              </p:cNvGrpSpPr>
+              <p:nvPr/>
+            </p:nvGrpSpPr>
+            <p:grpSpPr bwMode="auto">
+              <a:xfrm>
+                <a:off x="1849115" y="1724843"/>
+                <a:ext cx="719152" cy="1071006"/>
+                <a:chOff x="1523998" y="1398178"/>
+                <a:chExt cx="1039020" cy="1484313"/>
+              </a:xfrm>
+            </p:grpSpPr>
+            <p:sp>
+              <p:nvSpPr>
+                <p:cNvPr id="37" name="任意多边形 36"/>
+                <p:cNvSpPr/>
+                <p:nvPr/>
+              </p:nvSpPr>
+              <p:spPr>
+                <a:xfrm>
+                  <a:off x="1523998" y="1398178"/>
+                  <a:ext cx="1038932" cy="1484313"/>
+                </a:xfrm>
+                <a:custGeom>
+                  <a:avLst/>
+                  <a:gdLst>
+                    <a:gd name="connsiteX0" fmla="*/ 0 w 1484312"/>
+                    <a:gd name="connsiteY0" fmla="*/ 0 h 1039018"/>
+                    <a:gd name="connsiteX1" fmla="*/ 964803 w 1484312"/>
+                    <a:gd name="connsiteY1" fmla="*/ 0 h 1039018"/>
+                    <a:gd name="connsiteX2" fmla="*/ 1484312 w 1484312"/>
+                    <a:gd name="connsiteY2" fmla="*/ 519509 h 1039018"/>
+                    <a:gd name="connsiteX3" fmla="*/ 964803 w 1484312"/>
+                    <a:gd name="connsiteY3" fmla="*/ 1039018 h 1039018"/>
+                    <a:gd name="connsiteX4" fmla="*/ 0 w 1484312"/>
+                    <a:gd name="connsiteY4" fmla="*/ 1039018 h 1039018"/>
+                    <a:gd name="connsiteX5" fmla="*/ 519509 w 1484312"/>
+                    <a:gd name="connsiteY5" fmla="*/ 519509 h 1039018"/>
+                    <a:gd name="connsiteX6" fmla="*/ 0 w 1484312"/>
+                    <a:gd name="connsiteY6" fmla="*/ 0 h 1039018"/>
+                  </a:gdLst>
+                  <a:ahLst/>
+                  <a:cxnLst>
+                    <a:cxn ang="0">
+                      <a:pos x="connsiteX0" y="connsiteY0"/>
+                    </a:cxn>
+                    <a:cxn ang="0">
+                      <a:pos x="connsiteX1" y="connsiteY1"/>
+                    </a:cxn>
+                    <a:cxn ang="0">
+                      <a:pos x="connsiteX2" y="connsiteY2"/>
+                    </a:cxn>
+                    <a:cxn ang="0">
+                      <a:pos x="connsiteX3" y="connsiteY3"/>
+                    </a:cxn>
+                    <a:cxn ang="0">
+                      <a:pos x="connsiteX4" y="connsiteY4"/>
+                    </a:cxn>
+                    <a:cxn ang="0">
+                      <a:pos x="connsiteX5" y="connsiteY5"/>
+                    </a:cxn>
+                    <a:cxn ang="0">
+                      <a:pos x="connsiteX6" y="connsiteY6"/>
+                    </a:cxn>
+                  </a:cxnLst>
+                  <a:rect l="l" t="t" r="r" b="b"/>
+                  <a:pathLst>
+                    <a:path w="1484312" h="1039018">
+                      <a:moveTo>
+                        <a:pt x="1484312" y="0"/>
+                      </a:moveTo>
+                      <a:lnTo>
+                        <a:pt x="1484312" y="675362"/>
+                      </a:lnTo>
+                      <a:lnTo>
+                        <a:pt x="742156" y="1039018"/>
+                      </a:lnTo>
+                      <a:lnTo>
+                        <a:pt x="0" y="675362"/>
+                      </a:lnTo>
+                      <a:lnTo>
+                        <a:pt x="0" y="0"/>
+                      </a:lnTo>
+                      <a:lnTo>
+                        <a:pt x="742156" y="363656"/>
+                      </a:lnTo>
+                      <a:lnTo>
+                        <a:pt x="1484312" y="0"/>
+                      </a:lnTo>
+                      <a:close/>
+                    </a:path>
+                  </a:pathLst>
+                </a:custGeom>
+                <a:gradFill>
+                  <a:gsLst>
+                    <a:gs pos="100000">
+                      <a:srgbClr val="6DAA2D">
+                        <a:lumMod val="20000"/>
+                        <a:lumOff val="80000"/>
+                      </a:srgbClr>
+                    </a:gs>
+                    <a:gs pos="51657">
+                      <a:srgbClr val="6DAA2D">
+                        <a:lumMod val="60000"/>
+                        <a:lumOff val="40000"/>
+                      </a:srgbClr>
+                    </a:gs>
+                    <a:gs pos="0">
+                      <a:srgbClr val="6DAA2D">
+                        <a:lumMod val="20000"/>
+                        <a:lumOff val="80000"/>
+                      </a:srgbClr>
+                    </a:gs>
+                  </a:gsLst>
+                  <a:lin ang="5400000" scaled="1"/>
+                </a:gradFill>
+                <a:ln w="9525">
+                  <a:solidFill>
+                    <a:srgbClr val="6DAA2D">
+                      <a:lumMod val="60000"/>
+                      <a:lumOff val="40000"/>
+                    </a:srgbClr>
+                  </a:solidFill>
+                  <a:round/>
+                  <a:headEnd/>
+                  <a:tailEnd/>
+                </a:ln>
+                <a:effectLst>
+                  <a:outerShdw blurRad="63500" sx="101000" sy="101000" algn="ctr" rotWithShape="0">
+                    <a:prstClr val="black">
+                      <a:alpha val="18000"/>
+                    </a:prstClr>
+                  </a:outerShdw>
+                </a:effectLst>
+              </p:spPr>
+              <p:txBody>
+                <a:bodyPr lIns="17146" tIns="180000" rIns="17146" bIns="536654" spcCol="1270" anchor="ctr"/>
+                <a:lstStyle>
+                  <a:defPPr>
+                    <a:defRPr lang="zh-CN"/>
+                  </a:defPPr>
+                  <a:lvl1pPr marL="0" algn="l" defTabSz="914400" rtl="0" eaLnBrk="1" latinLnBrk="0" hangingPunct="1">
+                    <a:defRPr sz="1800" kern="1200">
+                      <a:solidFill>
+                        <a:schemeClr val="tx1"/>
+                      </a:solidFill>
+                      <a:latin typeface="+mn-lt"/>
+                      <a:ea typeface="+mn-ea"/>
+                      <a:cs typeface="+mn-cs"/>
+                    </a:defRPr>
+                  </a:lvl1pPr>
+                  <a:lvl2pPr marL="457200" algn="l" defTabSz="914400" rtl="0" eaLnBrk="1" latinLnBrk="0" hangingPunct="1">
+                    <a:defRPr sz="1800" kern="1200">
+                      <a:solidFill>
+                        <a:schemeClr val="tx1"/>
+                      </a:solidFill>
+                      <a:latin typeface="+mn-lt"/>
+                      <a:ea typeface="+mn-ea"/>
+                      <a:cs typeface="+mn-cs"/>
+                    </a:defRPr>
+                  </a:lvl2pPr>
+                  <a:lvl3pPr marL="914400" algn="l" defTabSz="914400" rtl="0" eaLnBrk="1" latinLnBrk="0" hangingPunct="1">
+                    <a:defRPr sz="1800" kern="1200">
+                      <a:solidFill>
+                        <a:schemeClr val="tx1"/>
+                      </a:solidFill>
+                      <a:latin typeface="+mn-lt"/>
+                      <a:ea typeface="+mn-ea"/>
+                      <a:cs typeface="+mn-cs"/>
+                    </a:defRPr>
+                  </a:lvl3pPr>
+                  <a:lvl4pPr marL="1371600" algn="l" defTabSz="914400" rtl="0" eaLnBrk="1" latinLnBrk="0" hangingPunct="1">
+                    <a:defRPr sz="1800" kern="1200">
+                      <a:solidFill>
+                        <a:schemeClr val="tx1"/>
+                      </a:solidFill>
+                      <a:latin typeface="+mn-lt"/>
+                      <a:ea typeface="+mn-ea"/>
+                      <a:cs typeface="+mn-cs"/>
+                    </a:defRPr>
+                  </a:lvl4pPr>
+                  <a:lvl5pPr marL="1828800" algn="l" defTabSz="914400" rtl="0" eaLnBrk="1" latinLnBrk="0" hangingPunct="1">
+                    <a:defRPr sz="1800" kern="1200">
+                      <a:solidFill>
+                        <a:schemeClr val="tx1"/>
+                      </a:solidFill>
+                      <a:latin typeface="+mn-lt"/>
+                      <a:ea typeface="+mn-ea"/>
+                      <a:cs typeface="+mn-cs"/>
+                    </a:defRPr>
+                  </a:lvl5pPr>
+                  <a:lvl6pPr marL="2286000" algn="l" defTabSz="914400" rtl="0" eaLnBrk="1" latinLnBrk="0" hangingPunct="1">
+                    <a:defRPr sz="1800" kern="1200">
+                      <a:solidFill>
+                        <a:schemeClr val="tx1"/>
+                      </a:solidFill>
+                      <a:latin typeface="+mn-lt"/>
+                      <a:ea typeface="+mn-ea"/>
+                      <a:cs typeface="+mn-cs"/>
+                    </a:defRPr>
+                  </a:lvl6pPr>
+                  <a:lvl7pPr marL="2743200" algn="l" defTabSz="914400" rtl="0" eaLnBrk="1" latinLnBrk="0" hangingPunct="1">
+                    <a:defRPr sz="1800" kern="1200">
+                      <a:solidFill>
+                        <a:schemeClr val="tx1"/>
+                      </a:solidFill>
+                      <a:latin typeface="+mn-lt"/>
+                      <a:ea typeface="+mn-ea"/>
+                      <a:cs typeface="+mn-cs"/>
+                    </a:defRPr>
+                  </a:lvl7pPr>
+                  <a:lvl8pPr marL="3200400" algn="l" defTabSz="914400" rtl="0" eaLnBrk="1" latinLnBrk="0" hangingPunct="1">
+                    <a:defRPr sz="1800" kern="1200">
+                      <a:solidFill>
+                        <a:schemeClr val="tx1"/>
+                      </a:solidFill>
+                      <a:latin typeface="+mn-lt"/>
+                      <a:ea typeface="+mn-ea"/>
+                      <a:cs typeface="+mn-cs"/>
+                    </a:defRPr>
+                  </a:lvl8pPr>
+                  <a:lvl9pPr marL="3657600" algn="l" defTabSz="914400" rtl="0" eaLnBrk="1" latinLnBrk="0" hangingPunct="1">
+                    <a:defRPr sz="1800" kern="1200">
+                      <a:solidFill>
+                        <a:schemeClr val="tx1"/>
+                      </a:solidFill>
+                      <a:latin typeface="+mn-lt"/>
+                      <a:ea typeface="+mn-ea"/>
+                      <a:cs typeface="+mn-cs"/>
+                    </a:defRPr>
+                  </a:lvl9pPr>
+                </a:lstStyle>
+                <a:p>
+                  <a:pPr algn="ctr" defTabSz="1200150" fontAlgn="auto">
+                    <a:lnSpc>
+                      <a:spcPct val="90000"/>
+                    </a:lnSpc>
+                    <a:spcAft>
+                      <a:spcPct val="35000"/>
+                    </a:spcAft>
+                    <a:defRPr/>
+                  </a:pPr>
+                  <a:endParaRPr lang="zh-CN" altLang="en-US" sz="2800" b="0" dirty="0">
+                    <a:solidFill>
+                      <a:sysClr val="windowText" lastClr="000000"/>
+                    </a:solidFill>
+                    <a:latin typeface="Impact" pitchFamily="34" charset="0"/>
+                    <a:ea typeface="微软雅黑" pitchFamily="34" charset="-122"/>
+                  </a:endParaRPr>
+                </a:p>
+              </p:txBody>
+            </p:sp>
+            <p:sp>
+              <p:nvSpPr>
+                <p:cNvPr id="38" name="任意多边形 37"/>
+                <p:cNvSpPr/>
+                <p:nvPr/>
+              </p:nvSpPr>
+              <p:spPr>
+                <a:xfrm>
+                  <a:off x="1549398" y="1466850"/>
+                  <a:ext cx="988220" cy="1374776"/>
+                </a:xfrm>
+                <a:custGeom>
+                  <a:avLst/>
+                  <a:gdLst>
+                    <a:gd name="connsiteX0" fmla="*/ 0 w 1484312"/>
+                    <a:gd name="connsiteY0" fmla="*/ 0 h 1039018"/>
+                    <a:gd name="connsiteX1" fmla="*/ 964803 w 1484312"/>
+                    <a:gd name="connsiteY1" fmla="*/ 0 h 1039018"/>
+                    <a:gd name="connsiteX2" fmla="*/ 1484312 w 1484312"/>
+                    <a:gd name="connsiteY2" fmla="*/ 519509 h 1039018"/>
+                    <a:gd name="connsiteX3" fmla="*/ 964803 w 1484312"/>
+                    <a:gd name="connsiteY3" fmla="*/ 1039018 h 1039018"/>
+                    <a:gd name="connsiteX4" fmla="*/ 0 w 1484312"/>
+                    <a:gd name="connsiteY4" fmla="*/ 1039018 h 1039018"/>
+                    <a:gd name="connsiteX5" fmla="*/ 519509 w 1484312"/>
+                    <a:gd name="connsiteY5" fmla="*/ 519509 h 1039018"/>
+                    <a:gd name="connsiteX6" fmla="*/ 0 w 1484312"/>
+                    <a:gd name="connsiteY6" fmla="*/ 0 h 1039018"/>
+                  </a:gdLst>
+                  <a:ahLst/>
+                  <a:cxnLst>
+                    <a:cxn ang="0">
+                      <a:pos x="connsiteX0" y="connsiteY0"/>
+                    </a:cxn>
+                    <a:cxn ang="0">
+                      <a:pos x="connsiteX1" y="connsiteY1"/>
+                    </a:cxn>
+                    <a:cxn ang="0">
+                      <a:pos x="connsiteX2" y="connsiteY2"/>
+                    </a:cxn>
+                    <a:cxn ang="0">
+                      <a:pos x="connsiteX3" y="connsiteY3"/>
+                    </a:cxn>
+                    <a:cxn ang="0">
+                      <a:pos x="connsiteX4" y="connsiteY4"/>
+                    </a:cxn>
+                    <a:cxn ang="0">
+                      <a:pos x="connsiteX5" y="connsiteY5"/>
+                    </a:cxn>
+                    <a:cxn ang="0">
+                      <a:pos x="connsiteX6" y="connsiteY6"/>
+                    </a:cxn>
+                  </a:cxnLst>
+                  <a:rect l="l" t="t" r="r" b="b"/>
+                  <a:pathLst>
+                    <a:path w="1484312" h="1039018">
+                      <a:moveTo>
+                        <a:pt x="1484312" y="0"/>
+                      </a:moveTo>
+                      <a:lnTo>
+                        <a:pt x="1484312" y="675362"/>
+                      </a:lnTo>
+                      <a:lnTo>
+                        <a:pt x="742156" y="1039018"/>
+                      </a:lnTo>
+                      <a:lnTo>
+                        <a:pt x="0" y="675362"/>
+                      </a:lnTo>
+                      <a:lnTo>
+                        <a:pt x="0" y="0"/>
+                      </a:lnTo>
+                      <a:lnTo>
+                        <a:pt x="742156" y="363656"/>
+                      </a:lnTo>
+                      <a:lnTo>
+                        <a:pt x="1484312" y="0"/>
+                      </a:lnTo>
+                      <a:close/>
+                    </a:path>
+                  </a:pathLst>
+                </a:custGeom>
+                <a:gradFill rotWithShape="1">
+                  <a:gsLst>
+                    <a:gs pos="98000">
+                      <a:srgbClr val="6DAA2D">
+                        <a:lumMod val="60000"/>
+                        <a:lumOff val="40000"/>
+                      </a:srgbClr>
+                    </a:gs>
+                    <a:gs pos="100000">
+                      <a:srgbClr val="6DAA2D">
+                        <a:lumMod val="40000"/>
+                        <a:lumOff val="60000"/>
+                      </a:srgbClr>
+                    </a:gs>
+                    <a:gs pos="51657">
+                      <a:srgbClr val="6DAA2D"/>
+                    </a:gs>
+                    <a:gs pos="50000">
+                      <a:srgbClr val="6DAA2D">
+                        <a:alpha val="70000"/>
+                      </a:srgbClr>
+                    </a:gs>
+                    <a:gs pos="8000">
+                      <a:srgbClr val="6DAA2D">
+                        <a:lumMod val="60000"/>
+                        <a:lumOff val="40000"/>
+                      </a:srgbClr>
+                    </a:gs>
+                  </a:gsLst>
+                  <a:lin ang="5400000" scaled="1"/>
+                </a:gradFill>
+                <a:ln w="9525">
+                  <a:noFill/>
+                  <a:round/>
+                  <a:headEnd/>
+                  <a:tailEnd/>
+                </a:ln>
+              </p:spPr>
+              <p:txBody>
+                <a:bodyPr tIns="180000" anchor="ctr"/>
+                <a:lstStyle/>
+                <a:p>
+                  <a:pPr algn="ctr" fontAlgn="auto">
+                    <a:spcBef>
+                      <a:spcPts val="0"/>
+                    </a:spcBef>
+                    <a:spcAft>
+                      <a:spcPts val="0"/>
+                    </a:spcAft>
+                    <a:defRPr/>
+                  </a:pPr>
+                  <a:r>
+                    <a:rPr lang="en-US" altLang="zh-CN" sz="2800" b="0" kern="0" dirty="0">
+                      <a:solidFill>
+                        <a:srgbClr val="FFFFFF"/>
+                      </a:solidFill>
+                      <a:latin typeface="Impact" pitchFamily="34" charset="0"/>
+                      <a:cs typeface="Arial" charset="0"/>
+                    </a:rPr>
+                    <a:t>1</a:t>
+                  </a:r>
+                  <a:endParaRPr lang="zh-CN" altLang="en-US" sz="2800" b="0" kern="0" dirty="0">
+                    <a:solidFill>
+                      <a:srgbClr val="FFFFFF"/>
+                    </a:solidFill>
+                    <a:latin typeface="Impact" pitchFamily="34" charset="0"/>
+                    <a:cs typeface="Arial" charset="0"/>
+                  </a:endParaRPr>
+                </a:p>
+              </p:txBody>
+            </p:sp>
+          </p:grpSp>
+        </p:grpSp>
+        <p:grpSp>
+          <p:nvGrpSpPr>
+            <p:cNvPr id="7" name="组合 2"/>
+            <p:cNvGrpSpPr>
+              <a:grpSpLocks/>
+            </p:cNvGrpSpPr>
+            <p:nvPr/>
+          </p:nvGrpSpPr>
+          <p:grpSpPr bwMode="auto">
+            <a:xfrm>
+              <a:off x="4861173" y="2484965"/>
+              <a:ext cx="4968875" cy="1071564"/>
+              <a:chOff x="1849115" y="2853883"/>
+              <a:chExt cx="4968552" cy="1071007"/>
+            </a:xfrm>
+          </p:grpSpPr>
+          <p:grpSp>
+            <p:nvGrpSpPr>
+              <p:cNvPr id="29" name="组合 48"/>
+              <p:cNvGrpSpPr>
+                <a:grpSpLocks/>
+              </p:cNvGrpSpPr>
+              <p:nvPr/>
+            </p:nvGrpSpPr>
+            <p:grpSpPr bwMode="auto">
+              <a:xfrm>
+                <a:off x="2576143" y="2853883"/>
+                <a:ext cx="4241524" cy="699723"/>
+                <a:chOff x="2160398" y="2405655"/>
+                <a:chExt cx="5459601" cy="589730"/>
+              </a:xfrm>
+            </p:grpSpPr>
+            <p:sp>
+              <p:nvSpPr>
+                <p:cNvPr id="33" name="任意多边形 32"/>
+                <p:cNvSpPr/>
+                <p:nvPr/>
+              </p:nvSpPr>
+              <p:spPr>
+                <a:xfrm>
+                  <a:off x="2160398" y="2405655"/>
+                  <a:ext cx="5459601" cy="589730"/>
+                </a:xfrm>
+                <a:custGeom>
+                  <a:avLst/>
+                  <a:gdLst>
+                    <a:gd name="connsiteX0" fmla="*/ 98352 w 590103"/>
+                    <a:gd name="connsiteY0" fmla="*/ 0 h 5460503"/>
+                    <a:gd name="connsiteX1" fmla="*/ 491751 w 590103"/>
+                    <a:gd name="connsiteY1" fmla="*/ 0 h 5460503"/>
+                    <a:gd name="connsiteX2" fmla="*/ 590103 w 590103"/>
+                    <a:gd name="connsiteY2" fmla="*/ 98352 h 5460503"/>
+                    <a:gd name="connsiteX3" fmla="*/ 590103 w 590103"/>
+                    <a:gd name="connsiteY3" fmla="*/ 5460503 h 5460503"/>
+                    <a:gd name="connsiteX4" fmla="*/ 590103 w 590103"/>
+                    <a:gd name="connsiteY4" fmla="*/ 5460503 h 5460503"/>
+                    <a:gd name="connsiteX5" fmla="*/ 0 w 590103"/>
+                    <a:gd name="connsiteY5" fmla="*/ 5460503 h 5460503"/>
+                    <a:gd name="connsiteX6" fmla="*/ 0 w 590103"/>
+                    <a:gd name="connsiteY6" fmla="*/ 5460503 h 5460503"/>
+                    <a:gd name="connsiteX7" fmla="*/ 0 w 590103"/>
+                    <a:gd name="connsiteY7" fmla="*/ 98352 h 5460503"/>
+                    <a:gd name="connsiteX8" fmla="*/ 98352 w 590103"/>
+                    <a:gd name="connsiteY8" fmla="*/ 0 h 5460503"/>
+                  </a:gdLst>
+                  <a:ahLst/>
+                  <a:cxnLst>
+                    <a:cxn ang="0">
+                      <a:pos x="connsiteX0" y="connsiteY0"/>
+                    </a:cxn>
+                    <a:cxn ang="0">
+                      <a:pos x="connsiteX1" y="connsiteY1"/>
+                    </a:cxn>
+                    <a:cxn ang="0">
+                      <a:pos x="connsiteX2" y="connsiteY2"/>
+                    </a:cxn>
+                    <a:cxn ang="0">
+                      <a:pos x="connsiteX3" y="connsiteY3"/>
+                    </a:cxn>
+                    <a:cxn ang="0">
+                      <a:pos x="connsiteX4" y="connsiteY4"/>
+                    </a:cxn>
+                    <a:cxn ang="0">
+                      <a:pos x="connsiteX5" y="connsiteY5"/>
+                    </a:cxn>
+                    <a:cxn ang="0">
+                      <a:pos x="connsiteX6" y="connsiteY6"/>
+                    </a:cxn>
+                    <a:cxn ang="0">
+                      <a:pos x="connsiteX7" y="connsiteY7"/>
+                    </a:cxn>
+                    <a:cxn ang="0">
+                      <a:pos x="connsiteX8" y="connsiteY8"/>
+                    </a:cxn>
+                  </a:cxnLst>
+                  <a:rect l="l" t="t" r="r" b="b"/>
+                  <a:pathLst>
+                    <a:path w="590103" h="5460503">
+                      <a:moveTo>
+                        <a:pt x="590103" y="910101"/>
+                      </a:moveTo>
+                      <a:lnTo>
+                        <a:pt x="590103" y="4550402"/>
+                      </a:lnTo>
+                      <a:cubicBezTo>
+                        <a:pt x="590103" y="5053032"/>
+                        <a:pt x="585344" y="5460498"/>
+                        <a:pt x="579474" y="5460498"/>
+                      </a:cubicBezTo>
+                      <a:lnTo>
+                        <a:pt x="0" y="5460498"/>
+                      </a:lnTo>
+                      <a:lnTo>
+                        <a:pt x="0" y="5460498"/>
+                      </a:lnTo>
+                      <a:lnTo>
+                        <a:pt x="0" y="5"/>
+                      </a:lnTo>
+                      <a:lnTo>
+                        <a:pt x="0" y="5"/>
+                      </a:lnTo>
+                      <a:lnTo>
+                        <a:pt x="579474" y="5"/>
+                      </a:lnTo>
+                      <a:cubicBezTo>
+                        <a:pt x="585344" y="5"/>
+                        <a:pt x="590103" y="407471"/>
+                        <a:pt x="590103" y="910101"/>
+                      </a:cubicBezTo>
+                      <a:close/>
+                    </a:path>
+                  </a:pathLst>
+                </a:custGeom>
+                <a:gradFill>
+                  <a:gsLst>
+                    <a:gs pos="100000">
+                      <a:srgbClr val="FFFFFF"/>
+                    </a:gs>
+                    <a:gs pos="51657">
+                      <a:srgbClr val="F0F0F0"/>
+                    </a:gs>
+                    <a:gs pos="0">
+                      <a:srgbClr val="FFFFFF"/>
+                    </a:gs>
+                  </a:gsLst>
+                  <a:lin ang="5400000" scaled="1"/>
+                </a:gradFill>
+                <a:ln w="9525">
+                  <a:solidFill>
+                    <a:srgbClr val="DDDDDD"/>
+                  </a:solidFill>
+                  <a:round/>
+                  <a:headEnd/>
+                  <a:tailEnd/>
+                </a:ln>
+                <a:effectLst>
+                  <a:outerShdw blurRad="63500" sx="101000" sy="101000" algn="ctr" rotWithShape="0">
+                    <a:prstClr val="black">
+                      <a:alpha val="8000"/>
+                    </a:prstClr>
+                  </a:outerShdw>
+                </a:effectLst>
+              </p:spPr>
+              <p:txBody>
+                <a:bodyPr wrap="none" anchor="ctr"/>
+                <a:lstStyle/>
+                <a:p>
+                  <a:pPr lvl="1" fontAlgn="auto">
+                    <a:spcBef>
+                      <a:spcPts val="0"/>
+                    </a:spcBef>
+                    <a:spcAft>
+                      <a:spcPts val="0"/>
+                    </a:spcAft>
+                    <a:defRPr/>
+                  </a:pPr>
+                  <a:endParaRPr lang="zh-CN" altLang="en-US" sz="1600" b="0">
+                    <a:solidFill>
+                      <a:srgbClr val="888888"/>
+                    </a:solidFill>
+                    <a:latin typeface="微软雅黑" pitchFamily="34" charset="-122"/>
+                  </a:endParaRPr>
+                </a:p>
+                <a:p>
+                  <a:pPr lvl="1" fontAlgn="auto">
+                    <a:spcBef>
+                      <a:spcPts val="0"/>
+                    </a:spcBef>
+                    <a:spcAft>
+                      <a:spcPts val="0"/>
+                    </a:spcAft>
+                    <a:defRPr/>
+                  </a:pPr>
+                  <a:endParaRPr lang="zh-CN" altLang="en-US" sz="1600" b="0">
+                    <a:solidFill>
+                      <a:srgbClr val="888888"/>
+                    </a:solidFill>
+                    <a:latin typeface="微软雅黑" pitchFamily="34" charset="-122"/>
+                  </a:endParaRPr>
+                </a:p>
+              </p:txBody>
+            </p:sp>
+            <p:sp>
+              <p:nvSpPr>
+                <p:cNvPr id="34" name="任意多边形 75"/>
+                <p:cNvSpPr>
+                  <a:spLocks noChangeArrowheads="1"/>
+                </p:cNvSpPr>
+                <p:nvPr/>
+              </p:nvSpPr>
+              <p:spPr bwMode="auto">
+                <a:xfrm>
+                  <a:off x="2184918" y="2409449"/>
+                  <a:ext cx="5410563" cy="565659"/>
+                </a:xfrm>
+                <a:custGeom>
+                  <a:avLst/>
+                  <a:gdLst>
+                    <a:gd name="T0" fmla="*/ 695090569 w 590103"/>
+                    <a:gd name="T1" fmla="*/ 0 h 5460503"/>
+                    <a:gd name="T2" fmla="*/ 2147483647 w 590103"/>
+                    <a:gd name="T3" fmla="*/ 0 h 5460503"/>
+                    <a:gd name="T4" fmla="*/ 2147483647 w 590103"/>
+                    <a:gd name="T5" fmla="*/ 11 h 5460503"/>
+                    <a:gd name="T6" fmla="*/ 2147483647 w 590103"/>
+                    <a:gd name="T7" fmla="*/ 629 h 5460503"/>
+                    <a:gd name="T8" fmla="*/ 2147483647 w 590103"/>
+                    <a:gd name="T9" fmla="*/ 629 h 5460503"/>
+                    <a:gd name="T10" fmla="*/ 0 w 590103"/>
+                    <a:gd name="T11" fmla="*/ 629 h 5460503"/>
+                    <a:gd name="T12" fmla="*/ 0 w 590103"/>
+                    <a:gd name="T13" fmla="*/ 629 h 5460503"/>
+                    <a:gd name="T14" fmla="*/ 0 w 590103"/>
+                    <a:gd name="T15" fmla="*/ 11 h 5460503"/>
+                    <a:gd name="T16" fmla="*/ 695090569 w 590103"/>
+                    <a:gd name="T17" fmla="*/ 0 h 5460503"/>
+                    <a:gd name="T18" fmla="*/ 0 60000 65536"/>
+                    <a:gd name="T19" fmla="*/ 0 60000 65536"/>
+                    <a:gd name="T20" fmla="*/ 0 60000 65536"/>
+                    <a:gd name="T21" fmla="*/ 0 60000 65536"/>
+                    <a:gd name="T22" fmla="*/ 0 60000 65536"/>
+                    <a:gd name="T23" fmla="*/ 0 60000 65536"/>
+                    <a:gd name="T24" fmla="*/ 0 60000 65536"/>
+                    <a:gd name="T25" fmla="*/ 0 60000 65536"/>
+                    <a:gd name="T26" fmla="*/ 0 60000 65536"/>
+                    <a:gd name="T27" fmla="*/ 0 w 590103"/>
+                    <a:gd name="T28" fmla="*/ 0 h 5460503"/>
+                    <a:gd name="T29" fmla="*/ 590103 w 590103"/>
+                    <a:gd name="T30" fmla="*/ 5460503 h 5460503"/>
+                  </a:gdLst>
+                  <a:ahLst/>
+                  <a:cxnLst>
+                    <a:cxn ang="T18">
+                      <a:pos x="T0" y="T1"/>
+                    </a:cxn>
+                    <a:cxn ang="T19">
+                      <a:pos x="T2" y="T3"/>
+                    </a:cxn>
+                    <a:cxn ang="T20">
+                      <a:pos x="T4" y="T5"/>
+                    </a:cxn>
+                    <a:cxn ang="T21">
+                      <a:pos x="T6" y="T7"/>
+                    </a:cxn>
+                    <a:cxn ang="T22">
+                      <a:pos x="T8" y="T9"/>
+                    </a:cxn>
+                    <a:cxn ang="T23">
+                      <a:pos x="T10" y="T11"/>
+                    </a:cxn>
+                    <a:cxn ang="T24">
+                      <a:pos x="T12" y="T13"/>
+                    </a:cxn>
+                    <a:cxn ang="T25">
+                      <a:pos x="T14" y="T15"/>
+                    </a:cxn>
+                    <a:cxn ang="T26">
+                      <a:pos x="T16" y="T17"/>
+                    </a:cxn>
+                  </a:cxnLst>
+                  <a:rect l="T27" t="T28" r="T29" b="T30"/>
+                  <a:pathLst>
+                    <a:path w="590103" h="5460503">
+                      <a:moveTo>
+                        <a:pt x="590103" y="910101"/>
+                      </a:moveTo>
+                      <a:lnTo>
+                        <a:pt x="590103" y="4550402"/>
+                      </a:lnTo>
+                      <a:cubicBezTo>
+                        <a:pt x="590103" y="5053032"/>
+                        <a:pt x="585344" y="5460498"/>
+                        <a:pt x="579474" y="5460498"/>
+                      </a:cubicBezTo>
+                      <a:lnTo>
+                        <a:pt x="0" y="5460498"/>
+                      </a:lnTo>
+                      <a:lnTo>
+                        <a:pt x="0" y="5"/>
+                      </a:lnTo>
+                      <a:lnTo>
+                        <a:pt x="579474" y="5"/>
+                      </a:lnTo>
+                      <a:cubicBezTo>
+                        <a:pt x="585344" y="5"/>
+                        <a:pt x="590103" y="407471"/>
+                        <a:pt x="590103" y="910101"/>
+                      </a:cubicBezTo>
+                      <a:close/>
+                    </a:path>
+                  </a:pathLst>
+                </a:custGeom>
+                <a:gradFill rotWithShape="1">
+                  <a:gsLst>
+                    <a:gs pos="0">
+                      <a:srgbClr val="F8F8F8"/>
+                    </a:gs>
+                    <a:gs pos="8000">
+                      <a:srgbClr val="F8F8F8"/>
+                    </a:gs>
+                    <a:gs pos="50000">
+                      <a:srgbClr val="ECECEC"/>
+                    </a:gs>
+                    <a:gs pos="51657">
+                      <a:srgbClr val="E8E8E8"/>
+                    </a:gs>
+                    <a:gs pos="98000">
+                      <a:srgbClr val="F9F9F9"/>
+                    </a:gs>
+                    <a:gs pos="100000">
+                      <a:srgbClr val="FFFFFF"/>
+                    </a:gs>
+                  </a:gsLst>
+                  <a:lin ang="5400000" scaled="1"/>
+                </a:gradFill>
+                <a:ln>
+                  <a:noFill/>
+                </a:ln>
+                <a:extLst>
+                  <a:ext uri="{91240B29-F687-4F45-9708-019B960494DF}">
+                    <a14:hiddenLine xmlns:a14="http://schemas.microsoft.com/office/drawing/2010/main" w="9525">
+                      <a:solidFill>
+                        <a:srgbClr val="000000"/>
+                      </a:solidFill>
+                      <a:round/>
+                      <a:headEnd/>
+                      <a:tailEnd/>
+                    </a14:hiddenLine>
+                  </a:ext>
+                </a:extLst>
+              </p:spPr>
+              <p:txBody>
+                <a:bodyPr wrap="none" anchor="ctr"/>
+                <a:lstStyle/>
+                <a:p>
+                  <a:r>
+                    <a:rPr lang="zh-CN" altLang="en-US" dirty="0"/>
+                    <a:t>心跳检测怎么做</a:t>
+                  </a:r>
+                  <a:endParaRPr lang="en-US" altLang="zh-CN" dirty="0"/>
+                </a:p>
+              </p:txBody>
+            </p:sp>
+          </p:grpSp>
+          <p:grpSp>
+            <p:nvGrpSpPr>
+              <p:cNvPr id="30" name="组合 46"/>
+              <p:cNvGrpSpPr>
+                <a:grpSpLocks/>
+              </p:cNvGrpSpPr>
+              <p:nvPr/>
+            </p:nvGrpSpPr>
+            <p:grpSpPr bwMode="auto">
+              <a:xfrm>
+                <a:off x="1849115" y="2853886"/>
+                <a:ext cx="719091" cy="1071004"/>
+                <a:chOff x="1523998" y="1770539"/>
+                <a:chExt cx="1038932" cy="1484312"/>
+              </a:xfrm>
+            </p:grpSpPr>
+            <p:sp>
+              <p:nvSpPr>
+                <p:cNvPr id="31" name="任意多边形 30"/>
+                <p:cNvSpPr/>
+                <p:nvPr/>
+              </p:nvSpPr>
+              <p:spPr>
+                <a:xfrm>
+                  <a:off x="1523998" y="1770539"/>
+                  <a:ext cx="1038932" cy="1484312"/>
+                </a:xfrm>
+                <a:custGeom>
+                  <a:avLst/>
+                  <a:gdLst>
+                    <a:gd name="connsiteX0" fmla="*/ 0 w 1484312"/>
+                    <a:gd name="connsiteY0" fmla="*/ 0 h 1039018"/>
+                    <a:gd name="connsiteX1" fmla="*/ 964803 w 1484312"/>
+                    <a:gd name="connsiteY1" fmla="*/ 0 h 1039018"/>
+                    <a:gd name="connsiteX2" fmla="*/ 1484312 w 1484312"/>
+                    <a:gd name="connsiteY2" fmla="*/ 519509 h 1039018"/>
+                    <a:gd name="connsiteX3" fmla="*/ 964803 w 1484312"/>
+                    <a:gd name="connsiteY3" fmla="*/ 1039018 h 1039018"/>
+                    <a:gd name="connsiteX4" fmla="*/ 0 w 1484312"/>
+                    <a:gd name="connsiteY4" fmla="*/ 1039018 h 1039018"/>
+                    <a:gd name="connsiteX5" fmla="*/ 519509 w 1484312"/>
+                    <a:gd name="connsiteY5" fmla="*/ 519509 h 1039018"/>
+                    <a:gd name="connsiteX6" fmla="*/ 0 w 1484312"/>
+                    <a:gd name="connsiteY6" fmla="*/ 0 h 1039018"/>
+                  </a:gdLst>
+                  <a:ahLst/>
+                  <a:cxnLst>
+                    <a:cxn ang="0">
+                      <a:pos x="connsiteX0" y="connsiteY0"/>
+                    </a:cxn>
+                    <a:cxn ang="0">
+                      <a:pos x="connsiteX1" y="connsiteY1"/>
+                    </a:cxn>
+                    <a:cxn ang="0">
+                      <a:pos x="connsiteX2" y="connsiteY2"/>
+                    </a:cxn>
+                    <a:cxn ang="0">
+                      <a:pos x="connsiteX3" y="connsiteY3"/>
+                    </a:cxn>
+                    <a:cxn ang="0">
+                      <a:pos x="connsiteX4" y="connsiteY4"/>
+                    </a:cxn>
+                    <a:cxn ang="0">
+                      <a:pos x="connsiteX5" y="connsiteY5"/>
+                    </a:cxn>
+                    <a:cxn ang="0">
+                      <a:pos x="connsiteX6" y="connsiteY6"/>
+                    </a:cxn>
+                  </a:cxnLst>
+                  <a:rect l="l" t="t" r="r" b="b"/>
+                  <a:pathLst>
+                    <a:path w="1484312" h="1039018">
+                      <a:moveTo>
+                        <a:pt x="1484312" y="0"/>
+                      </a:moveTo>
+                      <a:lnTo>
+                        <a:pt x="1484312" y="675362"/>
+                      </a:lnTo>
+                      <a:lnTo>
+                        <a:pt x="742156" y="1039018"/>
+                      </a:lnTo>
+                      <a:lnTo>
+                        <a:pt x="0" y="675362"/>
+                      </a:lnTo>
+                      <a:lnTo>
+                        <a:pt x="0" y="0"/>
+                      </a:lnTo>
+                      <a:lnTo>
+                        <a:pt x="742156" y="363656"/>
+                      </a:lnTo>
+                      <a:lnTo>
+                        <a:pt x="1484312" y="0"/>
+                      </a:lnTo>
+                      <a:close/>
+                    </a:path>
+                  </a:pathLst>
+                </a:custGeom>
+                <a:gradFill>
+                  <a:gsLst>
+                    <a:gs pos="100000">
+                      <a:srgbClr val="6DAA2D">
+                        <a:lumMod val="20000"/>
+                        <a:lumOff val="80000"/>
+                      </a:srgbClr>
+                    </a:gs>
+                    <a:gs pos="51657">
+                      <a:srgbClr val="6DAA2D">
+                        <a:lumMod val="60000"/>
+                        <a:lumOff val="40000"/>
+                      </a:srgbClr>
+                    </a:gs>
+                    <a:gs pos="0">
+                      <a:srgbClr val="6DAA2D">
+                        <a:lumMod val="20000"/>
+                        <a:lumOff val="80000"/>
+                      </a:srgbClr>
+                    </a:gs>
+                  </a:gsLst>
+                  <a:lin ang="5400000" scaled="1"/>
+                </a:gradFill>
+                <a:ln w="9525">
+                  <a:solidFill>
+                    <a:srgbClr val="6DAA2D">
+                      <a:lumMod val="60000"/>
+                      <a:lumOff val="40000"/>
+                    </a:srgbClr>
+                  </a:solidFill>
+                  <a:round/>
+                  <a:headEnd/>
+                  <a:tailEnd/>
+                </a:ln>
+                <a:effectLst>
+                  <a:outerShdw blurRad="63500" sx="101000" sy="101000" algn="ctr" rotWithShape="0">
+                    <a:prstClr val="black">
+                      <a:alpha val="18000"/>
+                    </a:prstClr>
+                  </a:outerShdw>
+                </a:effectLst>
+              </p:spPr>
+              <p:txBody>
+                <a:bodyPr lIns="17146" tIns="180000" rIns="17146" bIns="536654" spcCol="1270" anchor="ctr"/>
+                <a:lstStyle>
+                  <a:defPPr>
+                    <a:defRPr lang="zh-CN"/>
+                  </a:defPPr>
+                  <a:lvl1pPr marL="0" algn="l" defTabSz="914400" rtl="0" eaLnBrk="1" latinLnBrk="0" hangingPunct="1">
+                    <a:defRPr sz="1800" kern="1200">
+                      <a:solidFill>
+                        <a:schemeClr val="tx1"/>
+                      </a:solidFill>
+                      <a:latin typeface="+mn-lt"/>
+                      <a:ea typeface="+mn-ea"/>
+                      <a:cs typeface="+mn-cs"/>
+                    </a:defRPr>
+                  </a:lvl1pPr>
+                  <a:lvl2pPr marL="457200" algn="l" defTabSz="914400" rtl="0" eaLnBrk="1" latinLnBrk="0" hangingPunct="1">
+                    <a:defRPr sz="1800" kern="1200">
+                      <a:solidFill>
+                        <a:schemeClr val="tx1"/>
+                      </a:solidFill>
+                      <a:latin typeface="+mn-lt"/>
+                      <a:ea typeface="+mn-ea"/>
+                      <a:cs typeface="+mn-cs"/>
+                    </a:defRPr>
+                  </a:lvl2pPr>
+                  <a:lvl3pPr marL="914400" algn="l" defTabSz="914400" rtl="0" eaLnBrk="1" latinLnBrk="0" hangingPunct="1">
+                    <a:defRPr sz="1800" kern="1200">
+                      <a:solidFill>
+                        <a:schemeClr val="tx1"/>
+                      </a:solidFill>
+                      <a:latin typeface="+mn-lt"/>
+                      <a:ea typeface="+mn-ea"/>
+                      <a:cs typeface="+mn-cs"/>
+                    </a:defRPr>
+                  </a:lvl3pPr>
+                  <a:lvl4pPr marL="1371600" algn="l" defTabSz="914400" rtl="0" eaLnBrk="1" latinLnBrk="0" hangingPunct="1">
+                    <a:defRPr sz="1800" kern="1200">
+                      <a:solidFill>
+                        <a:schemeClr val="tx1"/>
+                      </a:solidFill>
+                      <a:latin typeface="+mn-lt"/>
+                      <a:ea typeface="+mn-ea"/>
+                      <a:cs typeface="+mn-cs"/>
+                    </a:defRPr>
+                  </a:lvl4pPr>
+                  <a:lvl5pPr marL="1828800" algn="l" defTabSz="914400" rtl="0" eaLnBrk="1" latinLnBrk="0" hangingPunct="1">
+                    <a:defRPr sz="1800" kern="1200">
+                      <a:solidFill>
+                        <a:schemeClr val="tx1"/>
+                      </a:solidFill>
+                      <a:latin typeface="+mn-lt"/>
+                      <a:ea typeface="+mn-ea"/>
+                      <a:cs typeface="+mn-cs"/>
+                    </a:defRPr>
+                  </a:lvl5pPr>
+                  <a:lvl6pPr marL="2286000" algn="l" defTabSz="914400" rtl="0" eaLnBrk="1" latinLnBrk="0" hangingPunct="1">
+                    <a:defRPr sz="1800" kern="1200">
+                      <a:solidFill>
+                        <a:schemeClr val="tx1"/>
+                      </a:solidFill>
+                      <a:latin typeface="+mn-lt"/>
+                      <a:ea typeface="+mn-ea"/>
+                      <a:cs typeface="+mn-cs"/>
+                    </a:defRPr>
+                  </a:lvl6pPr>
+                  <a:lvl7pPr marL="2743200" algn="l" defTabSz="914400" rtl="0" eaLnBrk="1" latinLnBrk="0" hangingPunct="1">
+                    <a:defRPr sz="1800" kern="1200">
+                      <a:solidFill>
+                        <a:schemeClr val="tx1"/>
+                      </a:solidFill>
+                      <a:latin typeface="+mn-lt"/>
+                      <a:ea typeface="+mn-ea"/>
+                      <a:cs typeface="+mn-cs"/>
+                    </a:defRPr>
+                  </a:lvl7pPr>
+                  <a:lvl8pPr marL="3200400" algn="l" defTabSz="914400" rtl="0" eaLnBrk="1" latinLnBrk="0" hangingPunct="1">
+                    <a:defRPr sz="1800" kern="1200">
+                      <a:solidFill>
+                        <a:schemeClr val="tx1"/>
+                      </a:solidFill>
+                      <a:latin typeface="+mn-lt"/>
+                      <a:ea typeface="+mn-ea"/>
+                      <a:cs typeface="+mn-cs"/>
+                    </a:defRPr>
+                  </a:lvl8pPr>
+                  <a:lvl9pPr marL="3657600" algn="l" defTabSz="914400" rtl="0" eaLnBrk="1" latinLnBrk="0" hangingPunct="1">
+                    <a:defRPr sz="1800" kern="1200">
+                      <a:solidFill>
+                        <a:schemeClr val="tx1"/>
+                      </a:solidFill>
+                      <a:latin typeface="+mn-lt"/>
+                      <a:ea typeface="+mn-ea"/>
+                      <a:cs typeface="+mn-cs"/>
+                    </a:defRPr>
+                  </a:lvl9pPr>
+                </a:lstStyle>
+                <a:p>
+                  <a:pPr algn="ctr" defTabSz="1200150" fontAlgn="auto">
+                    <a:lnSpc>
+                      <a:spcPct val="90000"/>
+                    </a:lnSpc>
+                    <a:spcAft>
+                      <a:spcPct val="35000"/>
+                    </a:spcAft>
+                    <a:defRPr/>
+                  </a:pPr>
+                  <a:endParaRPr lang="zh-CN" altLang="en-US" sz="2800" b="0" dirty="0">
+                    <a:solidFill>
+                      <a:sysClr val="windowText" lastClr="000000"/>
+                    </a:solidFill>
+                    <a:latin typeface="Impact" pitchFamily="34" charset="0"/>
+                    <a:ea typeface="微软雅黑" pitchFamily="34" charset="-122"/>
+                  </a:endParaRPr>
+                </a:p>
+              </p:txBody>
+            </p:sp>
+            <p:sp>
+              <p:nvSpPr>
+                <p:cNvPr id="32" name="任意多边形 31"/>
+                <p:cNvSpPr/>
+                <p:nvPr/>
+              </p:nvSpPr>
+              <p:spPr>
+                <a:xfrm>
+                  <a:off x="1549399" y="1825656"/>
+                  <a:ext cx="988220" cy="1374776"/>
+                </a:xfrm>
+                <a:custGeom>
+                  <a:avLst/>
+                  <a:gdLst>
+                    <a:gd name="connsiteX0" fmla="*/ 0 w 1484312"/>
+                    <a:gd name="connsiteY0" fmla="*/ 0 h 1039018"/>
+                    <a:gd name="connsiteX1" fmla="*/ 964803 w 1484312"/>
+                    <a:gd name="connsiteY1" fmla="*/ 0 h 1039018"/>
+                    <a:gd name="connsiteX2" fmla="*/ 1484312 w 1484312"/>
+                    <a:gd name="connsiteY2" fmla="*/ 519509 h 1039018"/>
+                    <a:gd name="connsiteX3" fmla="*/ 964803 w 1484312"/>
+                    <a:gd name="connsiteY3" fmla="*/ 1039018 h 1039018"/>
+                    <a:gd name="connsiteX4" fmla="*/ 0 w 1484312"/>
+                    <a:gd name="connsiteY4" fmla="*/ 1039018 h 1039018"/>
+                    <a:gd name="connsiteX5" fmla="*/ 519509 w 1484312"/>
+                    <a:gd name="connsiteY5" fmla="*/ 519509 h 1039018"/>
+                    <a:gd name="connsiteX6" fmla="*/ 0 w 1484312"/>
+                    <a:gd name="connsiteY6" fmla="*/ 0 h 1039018"/>
+                  </a:gdLst>
+                  <a:ahLst/>
+                  <a:cxnLst>
+                    <a:cxn ang="0">
+                      <a:pos x="connsiteX0" y="connsiteY0"/>
+                    </a:cxn>
+                    <a:cxn ang="0">
+                      <a:pos x="connsiteX1" y="connsiteY1"/>
+                    </a:cxn>
+                    <a:cxn ang="0">
+                      <a:pos x="connsiteX2" y="connsiteY2"/>
+                    </a:cxn>
+                    <a:cxn ang="0">
+                      <a:pos x="connsiteX3" y="connsiteY3"/>
+                    </a:cxn>
+                    <a:cxn ang="0">
+                      <a:pos x="connsiteX4" y="connsiteY4"/>
+                    </a:cxn>
+                    <a:cxn ang="0">
+                      <a:pos x="connsiteX5" y="connsiteY5"/>
+                    </a:cxn>
+                    <a:cxn ang="0">
+                      <a:pos x="connsiteX6" y="connsiteY6"/>
+                    </a:cxn>
+                  </a:cxnLst>
+                  <a:rect l="l" t="t" r="r" b="b"/>
+                  <a:pathLst>
+                    <a:path w="1484312" h="1039018">
+                      <a:moveTo>
+                        <a:pt x="1484312" y="0"/>
+                      </a:moveTo>
+                      <a:lnTo>
+                        <a:pt x="1484312" y="675362"/>
+                      </a:lnTo>
+                      <a:lnTo>
+                        <a:pt x="742156" y="1039018"/>
+                      </a:lnTo>
+                      <a:lnTo>
+                        <a:pt x="0" y="675362"/>
+                      </a:lnTo>
+                      <a:lnTo>
+                        <a:pt x="0" y="0"/>
+                      </a:lnTo>
+                      <a:lnTo>
+                        <a:pt x="742156" y="363656"/>
+                      </a:lnTo>
+                      <a:lnTo>
+                        <a:pt x="1484312" y="0"/>
+                      </a:lnTo>
+                      <a:close/>
+                    </a:path>
+                  </a:pathLst>
+                </a:custGeom>
+                <a:gradFill rotWithShape="1">
+                  <a:gsLst>
+                    <a:gs pos="98000">
+                      <a:srgbClr val="6DAA2D">
+                        <a:lumMod val="60000"/>
+                        <a:lumOff val="40000"/>
+                      </a:srgbClr>
+                    </a:gs>
+                    <a:gs pos="100000">
+                      <a:srgbClr val="6DAA2D">
+                        <a:lumMod val="40000"/>
+                        <a:lumOff val="60000"/>
+                      </a:srgbClr>
+                    </a:gs>
+                    <a:gs pos="51657">
+                      <a:srgbClr val="6DAA2D"/>
+                    </a:gs>
+                    <a:gs pos="50000">
+                      <a:srgbClr val="6DAA2D">
+                        <a:alpha val="70000"/>
+                      </a:srgbClr>
+                    </a:gs>
+                    <a:gs pos="8000">
+                      <a:srgbClr val="6DAA2D">
+                        <a:lumMod val="60000"/>
+                        <a:lumOff val="40000"/>
+                      </a:srgbClr>
+                    </a:gs>
+                  </a:gsLst>
+                  <a:lin ang="5400000" scaled="1"/>
+                </a:gradFill>
+                <a:ln w="9525">
+                  <a:noFill/>
+                  <a:round/>
+                  <a:headEnd/>
+                  <a:tailEnd/>
+                </a:ln>
+              </p:spPr>
+              <p:txBody>
+                <a:bodyPr tIns="180000" anchor="ctr"/>
+                <a:lstStyle/>
+                <a:p>
+                  <a:pPr algn="ctr" fontAlgn="auto">
+                    <a:spcBef>
+                      <a:spcPts val="0"/>
+                    </a:spcBef>
+                    <a:spcAft>
+                      <a:spcPts val="0"/>
+                    </a:spcAft>
+                    <a:defRPr/>
+                  </a:pPr>
+                  <a:r>
+                    <a:rPr lang="en-US" altLang="zh-CN" sz="2800" b="0" kern="0" dirty="0">
+                      <a:solidFill>
+                        <a:srgbClr val="FFFFFF"/>
+                      </a:solidFill>
+                      <a:latin typeface="Impact" pitchFamily="34" charset="0"/>
+                      <a:cs typeface="Arial" charset="0"/>
+                    </a:rPr>
+                    <a:t>2</a:t>
+                  </a:r>
+                  <a:endParaRPr lang="zh-CN" altLang="en-US" sz="2800" b="0" kern="0" dirty="0">
+                    <a:solidFill>
+                      <a:srgbClr val="FFFFFF"/>
+                    </a:solidFill>
+                    <a:latin typeface="Impact" pitchFamily="34" charset="0"/>
+                    <a:cs typeface="Arial" charset="0"/>
+                  </a:endParaRPr>
+                </a:p>
+              </p:txBody>
+            </p:sp>
+          </p:grpSp>
+        </p:grpSp>
+        <p:grpSp>
+          <p:nvGrpSpPr>
+            <p:cNvPr id="8" name="组合 3"/>
+            <p:cNvGrpSpPr>
+              <a:grpSpLocks/>
+            </p:cNvGrpSpPr>
+            <p:nvPr/>
+          </p:nvGrpSpPr>
+          <p:grpSpPr bwMode="auto">
+            <a:xfrm>
+              <a:off x="4861173" y="3517240"/>
+              <a:ext cx="4968875" cy="1071562"/>
+              <a:chOff x="1849115" y="3866972"/>
+              <a:chExt cx="4968552" cy="1071005"/>
+            </a:xfrm>
+          </p:grpSpPr>
+          <p:grpSp>
+            <p:nvGrpSpPr>
+              <p:cNvPr id="23" name="组合 49"/>
+              <p:cNvGrpSpPr>
+                <a:grpSpLocks/>
+              </p:cNvGrpSpPr>
+              <p:nvPr/>
+            </p:nvGrpSpPr>
+            <p:grpSpPr bwMode="auto">
+              <a:xfrm>
+                <a:off x="2576143" y="3866972"/>
+                <a:ext cx="4241524" cy="699724"/>
+                <a:chOff x="2160398" y="3322554"/>
+                <a:chExt cx="5459601" cy="589730"/>
+              </a:xfrm>
+            </p:grpSpPr>
+            <p:sp>
+              <p:nvSpPr>
+                <p:cNvPr id="27" name="任意多边形 26"/>
+                <p:cNvSpPr/>
+                <p:nvPr/>
+              </p:nvSpPr>
+              <p:spPr>
+                <a:xfrm>
+                  <a:off x="2160398" y="3322554"/>
+                  <a:ext cx="5459601" cy="589730"/>
+                </a:xfrm>
+                <a:custGeom>
+                  <a:avLst/>
+                  <a:gdLst>
+                    <a:gd name="connsiteX0" fmla="*/ 98352 w 590103"/>
+                    <a:gd name="connsiteY0" fmla="*/ 0 h 5460503"/>
+                    <a:gd name="connsiteX1" fmla="*/ 491751 w 590103"/>
+                    <a:gd name="connsiteY1" fmla="*/ 0 h 5460503"/>
+                    <a:gd name="connsiteX2" fmla="*/ 590103 w 590103"/>
+                    <a:gd name="connsiteY2" fmla="*/ 98352 h 5460503"/>
+                    <a:gd name="connsiteX3" fmla="*/ 590103 w 590103"/>
+                    <a:gd name="connsiteY3" fmla="*/ 5460503 h 5460503"/>
+                    <a:gd name="connsiteX4" fmla="*/ 590103 w 590103"/>
+                    <a:gd name="connsiteY4" fmla="*/ 5460503 h 5460503"/>
+                    <a:gd name="connsiteX5" fmla="*/ 0 w 590103"/>
+                    <a:gd name="connsiteY5" fmla="*/ 5460503 h 5460503"/>
+                    <a:gd name="connsiteX6" fmla="*/ 0 w 590103"/>
+                    <a:gd name="connsiteY6" fmla="*/ 5460503 h 5460503"/>
+                    <a:gd name="connsiteX7" fmla="*/ 0 w 590103"/>
+                    <a:gd name="connsiteY7" fmla="*/ 98352 h 5460503"/>
+                    <a:gd name="connsiteX8" fmla="*/ 98352 w 590103"/>
+                    <a:gd name="connsiteY8" fmla="*/ 0 h 5460503"/>
+                  </a:gdLst>
+                  <a:ahLst/>
+                  <a:cxnLst>
+                    <a:cxn ang="0">
+                      <a:pos x="connsiteX0" y="connsiteY0"/>
+                    </a:cxn>
+                    <a:cxn ang="0">
+                      <a:pos x="connsiteX1" y="connsiteY1"/>
+                    </a:cxn>
+                    <a:cxn ang="0">
+                      <a:pos x="connsiteX2" y="connsiteY2"/>
+                    </a:cxn>
+                    <a:cxn ang="0">
+                      <a:pos x="connsiteX3" y="connsiteY3"/>
+                    </a:cxn>
+                    <a:cxn ang="0">
+                      <a:pos x="connsiteX4" y="connsiteY4"/>
+                    </a:cxn>
+                    <a:cxn ang="0">
+                      <a:pos x="connsiteX5" y="connsiteY5"/>
+                    </a:cxn>
+                    <a:cxn ang="0">
+                      <a:pos x="connsiteX6" y="connsiteY6"/>
+                    </a:cxn>
+                    <a:cxn ang="0">
+                      <a:pos x="connsiteX7" y="connsiteY7"/>
+                    </a:cxn>
+                    <a:cxn ang="0">
+                      <a:pos x="connsiteX8" y="connsiteY8"/>
+                    </a:cxn>
+                  </a:cxnLst>
+                  <a:rect l="l" t="t" r="r" b="b"/>
+                  <a:pathLst>
+                    <a:path w="590103" h="5460503">
+                      <a:moveTo>
+                        <a:pt x="590103" y="910101"/>
+                      </a:moveTo>
+                      <a:lnTo>
+                        <a:pt x="590103" y="4550402"/>
+                      </a:lnTo>
+                      <a:cubicBezTo>
+                        <a:pt x="590103" y="5053032"/>
+                        <a:pt x="585344" y="5460498"/>
+                        <a:pt x="579474" y="5460498"/>
+                      </a:cubicBezTo>
+                      <a:lnTo>
+                        <a:pt x="0" y="5460498"/>
+                      </a:lnTo>
+                      <a:lnTo>
+                        <a:pt x="0" y="5460498"/>
+                      </a:lnTo>
+                      <a:lnTo>
+                        <a:pt x="0" y="5"/>
+                      </a:lnTo>
+                      <a:lnTo>
+                        <a:pt x="0" y="5"/>
+                      </a:lnTo>
+                      <a:lnTo>
+                        <a:pt x="579474" y="5"/>
+                      </a:lnTo>
+                      <a:cubicBezTo>
+                        <a:pt x="585344" y="5"/>
+                        <a:pt x="590103" y="407471"/>
+                        <a:pt x="590103" y="910101"/>
+                      </a:cubicBezTo>
+                      <a:close/>
+                    </a:path>
+                  </a:pathLst>
+                </a:custGeom>
+                <a:gradFill>
+                  <a:gsLst>
+                    <a:gs pos="100000">
+                      <a:srgbClr val="FFFFFF"/>
+                    </a:gs>
+                    <a:gs pos="51657">
+                      <a:srgbClr val="F0F0F0"/>
+                    </a:gs>
+                    <a:gs pos="0">
+                      <a:srgbClr val="FFFFFF"/>
+                    </a:gs>
+                  </a:gsLst>
+                  <a:lin ang="5400000" scaled="1"/>
+                </a:gradFill>
+                <a:ln w="9525">
+                  <a:solidFill>
+                    <a:srgbClr val="DDDDDD"/>
+                  </a:solidFill>
+                  <a:round/>
+                  <a:headEnd/>
+                  <a:tailEnd/>
+                </a:ln>
+                <a:effectLst>
+                  <a:outerShdw blurRad="63500" sx="101000" sy="101000" algn="ctr" rotWithShape="0">
+                    <a:prstClr val="black">
+                      <a:alpha val="8000"/>
+                    </a:prstClr>
+                  </a:outerShdw>
+                </a:effectLst>
+              </p:spPr>
+              <p:txBody>
+                <a:bodyPr wrap="none" anchor="ctr"/>
+                <a:lstStyle/>
+                <a:p>
+                  <a:pPr lvl="1" fontAlgn="auto">
+                    <a:spcBef>
+                      <a:spcPts val="0"/>
+                    </a:spcBef>
+                    <a:spcAft>
+                      <a:spcPts val="0"/>
+                    </a:spcAft>
+                    <a:defRPr/>
+                  </a:pPr>
+                  <a:endParaRPr lang="zh-CN" altLang="en-US" sz="1600" b="0" dirty="0">
+                    <a:solidFill>
+                      <a:srgbClr val="888888"/>
+                    </a:solidFill>
+                    <a:latin typeface="微软雅黑" pitchFamily="34" charset="-122"/>
+                  </a:endParaRPr>
+                </a:p>
+                <a:p>
+                  <a:pPr lvl="1" fontAlgn="auto">
+                    <a:spcBef>
+                      <a:spcPts val="0"/>
+                    </a:spcBef>
+                    <a:spcAft>
+                      <a:spcPts val="0"/>
+                    </a:spcAft>
+                    <a:defRPr/>
+                  </a:pPr>
+                  <a:endParaRPr lang="zh-CN" altLang="en-US" sz="1600" b="0" dirty="0">
+                    <a:solidFill>
+                      <a:srgbClr val="888888"/>
+                    </a:solidFill>
+                    <a:latin typeface="微软雅黑" pitchFamily="34" charset="-122"/>
+                  </a:endParaRPr>
+                </a:p>
+              </p:txBody>
+            </p:sp>
+            <p:sp>
+              <p:nvSpPr>
+                <p:cNvPr id="28" name="任意多边形 78"/>
+                <p:cNvSpPr>
+                  <a:spLocks noChangeArrowheads="1"/>
+                </p:cNvSpPr>
+                <p:nvPr/>
+              </p:nvSpPr>
+              <p:spPr bwMode="auto">
+                <a:xfrm>
+                  <a:off x="2184918" y="3326351"/>
+                  <a:ext cx="5410563" cy="565659"/>
+                </a:xfrm>
+                <a:custGeom>
+                  <a:avLst/>
+                  <a:gdLst>
+                    <a:gd name="T0" fmla="*/ 695090569 w 590103"/>
+                    <a:gd name="T1" fmla="*/ 0 h 5460503"/>
+                    <a:gd name="T2" fmla="*/ 2147483647 w 590103"/>
+                    <a:gd name="T3" fmla="*/ 0 h 5460503"/>
+                    <a:gd name="T4" fmla="*/ 2147483647 w 590103"/>
+                    <a:gd name="T5" fmla="*/ 11 h 5460503"/>
+                    <a:gd name="T6" fmla="*/ 2147483647 w 590103"/>
+                    <a:gd name="T7" fmla="*/ 629 h 5460503"/>
+                    <a:gd name="T8" fmla="*/ 2147483647 w 590103"/>
+                    <a:gd name="T9" fmla="*/ 629 h 5460503"/>
+                    <a:gd name="T10" fmla="*/ 0 w 590103"/>
+                    <a:gd name="T11" fmla="*/ 629 h 5460503"/>
+                    <a:gd name="T12" fmla="*/ 0 w 590103"/>
+                    <a:gd name="T13" fmla="*/ 629 h 5460503"/>
+                    <a:gd name="T14" fmla="*/ 0 w 590103"/>
+                    <a:gd name="T15" fmla="*/ 11 h 5460503"/>
+                    <a:gd name="T16" fmla="*/ 695090569 w 590103"/>
+                    <a:gd name="T17" fmla="*/ 0 h 5460503"/>
+                    <a:gd name="T18" fmla="*/ 0 60000 65536"/>
+                    <a:gd name="T19" fmla="*/ 0 60000 65536"/>
+                    <a:gd name="T20" fmla="*/ 0 60000 65536"/>
+                    <a:gd name="T21" fmla="*/ 0 60000 65536"/>
+                    <a:gd name="T22" fmla="*/ 0 60000 65536"/>
+                    <a:gd name="T23" fmla="*/ 0 60000 65536"/>
+                    <a:gd name="T24" fmla="*/ 0 60000 65536"/>
+                    <a:gd name="T25" fmla="*/ 0 60000 65536"/>
+                    <a:gd name="T26" fmla="*/ 0 60000 65536"/>
+                    <a:gd name="T27" fmla="*/ 0 w 590103"/>
+                    <a:gd name="T28" fmla="*/ 0 h 5460503"/>
+                    <a:gd name="T29" fmla="*/ 590103 w 590103"/>
+                    <a:gd name="T30" fmla="*/ 5460503 h 5460503"/>
+                  </a:gdLst>
+                  <a:ahLst/>
+                  <a:cxnLst>
+                    <a:cxn ang="T18">
+                      <a:pos x="T0" y="T1"/>
+                    </a:cxn>
+                    <a:cxn ang="T19">
+                      <a:pos x="T2" y="T3"/>
+                    </a:cxn>
+                    <a:cxn ang="T20">
+                      <a:pos x="T4" y="T5"/>
+                    </a:cxn>
+                    <a:cxn ang="T21">
+                      <a:pos x="T6" y="T7"/>
+                    </a:cxn>
+                    <a:cxn ang="T22">
+                      <a:pos x="T8" y="T9"/>
+                    </a:cxn>
+                    <a:cxn ang="T23">
+                      <a:pos x="T10" y="T11"/>
+                    </a:cxn>
+                    <a:cxn ang="T24">
+                      <a:pos x="T12" y="T13"/>
+                    </a:cxn>
+                    <a:cxn ang="T25">
+                      <a:pos x="T14" y="T15"/>
+                    </a:cxn>
+                    <a:cxn ang="T26">
+                      <a:pos x="T16" y="T17"/>
+                    </a:cxn>
+                  </a:cxnLst>
+                  <a:rect l="T27" t="T28" r="T29" b="T30"/>
+                  <a:pathLst>
+                    <a:path w="590103" h="5460503">
+                      <a:moveTo>
+                        <a:pt x="590103" y="910101"/>
+                      </a:moveTo>
+                      <a:lnTo>
+                        <a:pt x="590103" y="4550402"/>
+                      </a:lnTo>
+                      <a:cubicBezTo>
+                        <a:pt x="590103" y="5053032"/>
+                        <a:pt x="585344" y="5460498"/>
+                        <a:pt x="579474" y="5460498"/>
+                      </a:cubicBezTo>
+                      <a:lnTo>
+                        <a:pt x="0" y="5460498"/>
+                      </a:lnTo>
+                      <a:lnTo>
+                        <a:pt x="0" y="5"/>
+                      </a:lnTo>
+                      <a:lnTo>
+                        <a:pt x="579474" y="5"/>
+                      </a:lnTo>
+                      <a:cubicBezTo>
+                        <a:pt x="585344" y="5"/>
+                        <a:pt x="590103" y="407471"/>
+                        <a:pt x="590103" y="910101"/>
+                      </a:cubicBezTo>
+                      <a:close/>
+                    </a:path>
+                  </a:pathLst>
+                </a:custGeom>
+                <a:gradFill rotWithShape="1">
+                  <a:gsLst>
+                    <a:gs pos="0">
+                      <a:srgbClr val="F8F8F8"/>
+                    </a:gs>
+                    <a:gs pos="8000">
+                      <a:srgbClr val="F8F8F8"/>
+                    </a:gs>
+                    <a:gs pos="50000">
+                      <a:srgbClr val="ECECEC"/>
+                    </a:gs>
+                    <a:gs pos="51657">
+                      <a:srgbClr val="E8E8E8"/>
+                    </a:gs>
+                    <a:gs pos="98000">
+                      <a:srgbClr val="F9F9F9"/>
+                    </a:gs>
+                    <a:gs pos="100000">
+                      <a:srgbClr val="FFFFFF"/>
+                    </a:gs>
+                  </a:gsLst>
+                  <a:lin ang="5400000" scaled="1"/>
+                </a:gradFill>
+                <a:ln>
+                  <a:noFill/>
+                </a:ln>
+                <a:extLst>
+                  <a:ext uri="{91240B29-F687-4F45-9708-019B960494DF}">
+                    <a14:hiddenLine xmlns:a14="http://schemas.microsoft.com/office/drawing/2010/main" w="9525">
+                      <a:solidFill>
+                        <a:srgbClr val="000000"/>
+                      </a:solidFill>
+                      <a:round/>
+                      <a:headEnd/>
+                      <a:tailEnd/>
+                    </a14:hiddenLine>
+                  </a:ext>
+                </a:extLst>
+              </p:spPr>
+              <p:txBody>
+                <a:bodyPr wrap="none" anchor="ctr"/>
+                <a:lstStyle/>
+                <a:p>
+                  <a:r>
+                    <a:rPr lang="zh-CN" altLang="en-US" dirty="0" smtClean="0"/>
+                    <a:t>服务如何选取</a:t>
+                  </a:r>
+                  <a:endParaRPr lang="en-US" altLang="zh-CN" dirty="0"/>
+                </a:p>
+              </p:txBody>
+            </p:sp>
+          </p:grpSp>
+          <p:grpSp>
+            <p:nvGrpSpPr>
+              <p:cNvPr id="24" name="组合 54"/>
+              <p:cNvGrpSpPr>
+                <a:grpSpLocks/>
+              </p:cNvGrpSpPr>
+              <p:nvPr/>
+            </p:nvGrpSpPr>
+            <p:grpSpPr bwMode="auto">
+              <a:xfrm>
+                <a:off x="1849115" y="3866972"/>
+                <a:ext cx="719091" cy="1071005"/>
+                <a:chOff x="1523998" y="1982193"/>
+                <a:chExt cx="1038932" cy="1484312"/>
+              </a:xfrm>
+            </p:grpSpPr>
+            <p:sp>
+              <p:nvSpPr>
+                <p:cNvPr id="25" name="任意多边形 24"/>
+                <p:cNvSpPr/>
+                <p:nvPr/>
+              </p:nvSpPr>
+              <p:spPr>
+                <a:xfrm>
+                  <a:off x="1523998" y="1982193"/>
+                  <a:ext cx="1038932" cy="1484312"/>
+                </a:xfrm>
+                <a:custGeom>
+                  <a:avLst/>
+                  <a:gdLst>
+                    <a:gd name="connsiteX0" fmla="*/ 0 w 1484312"/>
+                    <a:gd name="connsiteY0" fmla="*/ 0 h 1039018"/>
+                    <a:gd name="connsiteX1" fmla="*/ 964803 w 1484312"/>
+                    <a:gd name="connsiteY1" fmla="*/ 0 h 1039018"/>
+                    <a:gd name="connsiteX2" fmla="*/ 1484312 w 1484312"/>
+                    <a:gd name="connsiteY2" fmla="*/ 519509 h 1039018"/>
+                    <a:gd name="connsiteX3" fmla="*/ 964803 w 1484312"/>
+                    <a:gd name="connsiteY3" fmla="*/ 1039018 h 1039018"/>
+                    <a:gd name="connsiteX4" fmla="*/ 0 w 1484312"/>
+                    <a:gd name="connsiteY4" fmla="*/ 1039018 h 1039018"/>
+                    <a:gd name="connsiteX5" fmla="*/ 519509 w 1484312"/>
+                    <a:gd name="connsiteY5" fmla="*/ 519509 h 1039018"/>
+                    <a:gd name="connsiteX6" fmla="*/ 0 w 1484312"/>
+                    <a:gd name="connsiteY6" fmla="*/ 0 h 1039018"/>
+                  </a:gdLst>
+                  <a:ahLst/>
+                  <a:cxnLst>
+                    <a:cxn ang="0">
+                      <a:pos x="connsiteX0" y="connsiteY0"/>
+                    </a:cxn>
+                    <a:cxn ang="0">
+                      <a:pos x="connsiteX1" y="connsiteY1"/>
+                    </a:cxn>
+                    <a:cxn ang="0">
+                      <a:pos x="connsiteX2" y="connsiteY2"/>
+                    </a:cxn>
+                    <a:cxn ang="0">
+                      <a:pos x="connsiteX3" y="connsiteY3"/>
+                    </a:cxn>
+                    <a:cxn ang="0">
+                      <a:pos x="connsiteX4" y="connsiteY4"/>
+                    </a:cxn>
+                    <a:cxn ang="0">
+                      <a:pos x="connsiteX5" y="connsiteY5"/>
+                    </a:cxn>
+                    <a:cxn ang="0">
+                      <a:pos x="connsiteX6" y="connsiteY6"/>
+                    </a:cxn>
+                  </a:cxnLst>
+                  <a:rect l="l" t="t" r="r" b="b"/>
+                  <a:pathLst>
+                    <a:path w="1484312" h="1039018">
+                      <a:moveTo>
+                        <a:pt x="1484312" y="0"/>
+                      </a:moveTo>
+                      <a:lnTo>
+                        <a:pt x="1484312" y="675362"/>
+                      </a:lnTo>
+                      <a:lnTo>
+                        <a:pt x="742156" y="1039018"/>
+                      </a:lnTo>
+                      <a:lnTo>
+                        <a:pt x="0" y="675362"/>
+                      </a:lnTo>
+                      <a:lnTo>
+                        <a:pt x="0" y="0"/>
+                      </a:lnTo>
+                      <a:lnTo>
+                        <a:pt x="742156" y="363656"/>
+                      </a:lnTo>
+                      <a:lnTo>
+                        <a:pt x="1484312" y="0"/>
+                      </a:lnTo>
+                      <a:close/>
+                    </a:path>
+                  </a:pathLst>
+                </a:custGeom>
+                <a:gradFill>
+                  <a:gsLst>
+                    <a:gs pos="100000">
+                      <a:srgbClr val="6DAA2D">
+                        <a:lumMod val="20000"/>
+                        <a:lumOff val="80000"/>
+                      </a:srgbClr>
+                    </a:gs>
+                    <a:gs pos="51657">
+                      <a:srgbClr val="6DAA2D">
+                        <a:lumMod val="60000"/>
+                        <a:lumOff val="40000"/>
+                      </a:srgbClr>
+                    </a:gs>
+                    <a:gs pos="0">
+                      <a:srgbClr val="6DAA2D">
+                        <a:lumMod val="20000"/>
+                        <a:lumOff val="80000"/>
+                      </a:srgbClr>
+                    </a:gs>
+                  </a:gsLst>
+                  <a:lin ang="5400000" scaled="1"/>
+                </a:gradFill>
+                <a:ln w="9525">
+                  <a:solidFill>
+                    <a:srgbClr val="6DAA2D">
+                      <a:lumMod val="60000"/>
+                      <a:lumOff val="40000"/>
+                    </a:srgbClr>
+                  </a:solidFill>
+                  <a:round/>
+                  <a:headEnd/>
+                  <a:tailEnd/>
+                </a:ln>
+                <a:effectLst>
+                  <a:outerShdw blurRad="63500" sx="101000" sy="101000" algn="ctr" rotWithShape="0">
+                    <a:prstClr val="black">
+                      <a:alpha val="18000"/>
+                    </a:prstClr>
+                  </a:outerShdw>
+                </a:effectLst>
+              </p:spPr>
+              <p:txBody>
+                <a:bodyPr lIns="17146" tIns="180000" rIns="17146" bIns="536654" spcCol="1270" anchor="ctr"/>
+                <a:lstStyle>
+                  <a:defPPr>
+                    <a:defRPr lang="zh-CN"/>
+                  </a:defPPr>
+                  <a:lvl1pPr marL="0" algn="l" defTabSz="914400" rtl="0" eaLnBrk="1" latinLnBrk="0" hangingPunct="1">
+                    <a:defRPr sz="1800" kern="1200">
+                      <a:solidFill>
+                        <a:schemeClr val="tx1"/>
+                      </a:solidFill>
+                      <a:latin typeface="+mn-lt"/>
+                      <a:ea typeface="+mn-ea"/>
+                      <a:cs typeface="+mn-cs"/>
+                    </a:defRPr>
+                  </a:lvl1pPr>
+                  <a:lvl2pPr marL="457200" algn="l" defTabSz="914400" rtl="0" eaLnBrk="1" latinLnBrk="0" hangingPunct="1">
+                    <a:defRPr sz="1800" kern="1200">
+                      <a:solidFill>
+                        <a:schemeClr val="tx1"/>
+                      </a:solidFill>
+                      <a:latin typeface="+mn-lt"/>
+                      <a:ea typeface="+mn-ea"/>
+                      <a:cs typeface="+mn-cs"/>
+                    </a:defRPr>
+                  </a:lvl2pPr>
+                  <a:lvl3pPr marL="914400" algn="l" defTabSz="914400" rtl="0" eaLnBrk="1" latinLnBrk="0" hangingPunct="1">
+                    <a:defRPr sz="1800" kern="1200">
+                      <a:solidFill>
+                        <a:schemeClr val="tx1"/>
+                      </a:solidFill>
+                      <a:latin typeface="+mn-lt"/>
+                      <a:ea typeface="+mn-ea"/>
+                      <a:cs typeface="+mn-cs"/>
+                    </a:defRPr>
+                  </a:lvl3pPr>
+                  <a:lvl4pPr marL="1371600" algn="l" defTabSz="914400" rtl="0" eaLnBrk="1" latinLnBrk="0" hangingPunct="1">
+                    <a:defRPr sz="1800" kern="1200">
+                      <a:solidFill>
+                        <a:schemeClr val="tx1"/>
+                      </a:solidFill>
+                      <a:latin typeface="+mn-lt"/>
+                      <a:ea typeface="+mn-ea"/>
+                      <a:cs typeface="+mn-cs"/>
+                    </a:defRPr>
+                  </a:lvl4pPr>
+                  <a:lvl5pPr marL="1828800" algn="l" defTabSz="914400" rtl="0" eaLnBrk="1" latinLnBrk="0" hangingPunct="1">
+                    <a:defRPr sz="1800" kern="1200">
+                      <a:solidFill>
+                        <a:schemeClr val="tx1"/>
+                      </a:solidFill>
+                      <a:latin typeface="+mn-lt"/>
+                      <a:ea typeface="+mn-ea"/>
+                      <a:cs typeface="+mn-cs"/>
+                    </a:defRPr>
+                  </a:lvl5pPr>
+                  <a:lvl6pPr marL="2286000" algn="l" defTabSz="914400" rtl="0" eaLnBrk="1" latinLnBrk="0" hangingPunct="1">
+                    <a:defRPr sz="1800" kern="1200">
+                      <a:solidFill>
+                        <a:schemeClr val="tx1"/>
+                      </a:solidFill>
+                      <a:latin typeface="+mn-lt"/>
+                      <a:ea typeface="+mn-ea"/>
+                      <a:cs typeface="+mn-cs"/>
+                    </a:defRPr>
+                  </a:lvl6pPr>
+                  <a:lvl7pPr marL="2743200" algn="l" defTabSz="914400" rtl="0" eaLnBrk="1" latinLnBrk="0" hangingPunct="1">
+                    <a:defRPr sz="1800" kern="1200">
+                      <a:solidFill>
+                        <a:schemeClr val="tx1"/>
+                      </a:solidFill>
+                      <a:latin typeface="+mn-lt"/>
+                      <a:ea typeface="+mn-ea"/>
+                      <a:cs typeface="+mn-cs"/>
+                    </a:defRPr>
+                  </a:lvl7pPr>
+                  <a:lvl8pPr marL="3200400" algn="l" defTabSz="914400" rtl="0" eaLnBrk="1" latinLnBrk="0" hangingPunct="1">
+                    <a:defRPr sz="1800" kern="1200">
+                      <a:solidFill>
+                        <a:schemeClr val="tx1"/>
+                      </a:solidFill>
+                      <a:latin typeface="+mn-lt"/>
+                      <a:ea typeface="+mn-ea"/>
+                      <a:cs typeface="+mn-cs"/>
+                    </a:defRPr>
+                  </a:lvl8pPr>
+                  <a:lvl9pPr marL="3657600" algn="l" defTabSz="914400" rtl="0" eaLnBrk="1" latinLnBrk="0" hangingPunct="1">
+                    <a:defRPr sz="1800" kern="1200">
+                      <a:solidFill>
+                        <a:schemeClr val="tx1"/>
+                      </a:solidFill>
+                      <a:latin typeface="+mn-lt"/>
+                      <a:ea typeface="+mn-ea"/>
+                      <a:cs typeface="+mn-cs"/>
+                    </a:defRPr>
+                  </a:lvl9pPr>
+                </a:lstStyle>
+                <a:p>
+                  <a:pPr algn="ctr" defTabSz="1200150" fontAlgn="auto">
+                    <a:lnSpc>
+                      <a:spcPct val="90000"/>
+                    </a:lnSpc>
+                    <a:spcAft>
+                      <a:spcPct val="35000"/>
+                    </a:spcAft>
+                    <a:defRPr/>
+                  </a:pPr>
+                  <a:endParaRPr lang="zh-CN" altLang="en-US" sz="2800" b="0" dirty="0">
+                    <a:solidFill>
+                      <a:sysClr val="windowText" lastClr="000000"/>
+                    </a:solidFill>
+                    <a:latin typeface="Impact" pitchFamily="34" charset="0"/>
+                    <a:ea typeface="微软雅黑" pitchFamily="34" charset="-122"/>
+                  </a:endParaRPr>
+                </a:p>
+              </p:txBody>
+            </p:sp>
+            <p:sp>
+              <p:nvSpPr>
+                <p:cNvPr id="26" name="任意多边形 25"/>
+                <p:cNvSpPr/>
+                <p:nvPr/>
+              </p:nvSpPr>
+              <p:spPr>
+                <a:xfrm>
+                  <a:off x="1549399" y="2037319"/>
+                  <a:ext cx="988220" cy="1374775"/>
+                </a:xfrm>
+                <a:custGeom>
+                  <a:avLst/>
+                  <a:gdLst>
+                    <a:gd name="connsiteX0" fmla="*/ 0 w 1484312"/>
+                    <a:gd name="connsiteY0" fmla="*/ 0 h 1039018"/>
+                    <a:gd name="connsiteX1" fmla="*/ 964803 w 1484312"/>
+                    <a:gd name="connsiteY1" fmla="*/ 0 h 1039018"/>
+                    <a:gd name="connsiteX2" fmla="*/ 1484312 w 1484312"/>
+                    <a:gd name="connsiteY2" fmla="*/ 519509 h 1039018"/>
+                    <a:gd name="connsiteX3" fmla="*/ 964803 w 1484312"/>
+                    <a:gd name="connsiteY3" fmla="*/ 1039018 h 1039018"/>
+                    <a:gd name="connsiteX4" fmla="*/ 0 w 1484312"/>
+                    <a:gd name="connsiteY4" fmla="*/ 1039018 h 1039018"/>
+                    <a:gd name="connsiteX5" fmla="*/ 519509 w 1484312"/>
+                    <a:gd name="connsiteY5" fmla="*/ 519509 h 1039018"/>
+                    <a:gd name="connsiteX6" fmla="*/ 0 w 1484312"/>
+                    <a:gd name="connsiteY6" fmla="*/ 0 h 1039018"/>
+                  </a:gdLst>
+                  <a:ahLst/>
+                  <a:cxnLst>
+                    <a:cxn ang="0">
+                      <a:pos x="connsiteX0" y="connsiteY0"/>
+                    </a:cxn>
+                    <a:cxn ang="0">
+                      <a:pos x="connsiteX1" y="connsiteY1"/>
+                    </a:cxn>
+                    <a:cxn ang="0">
+                      <a:pos x="connsiteX2" y="connsiteY2"/>
+                    </a:cxn>
+                    <a:cxn ang="0">
+                      <a:pos x="connsiteX3" y="connsiteY3"/>
+                    </a:cxn>
+                    <a:cxn ang="0">
+                      <a:pos x="connsiteX4" y="connsiteY4"/>
+                    </a:cxn>
+                    <a:cxn ang="0">
+                      <a:pos x="connsiteX5" y="connsiteY5"/>
+                    </a:cxn>
+                    <a:cxn ang="0">
+                      <a:pos x="connsiteX6" y="connsiteY6"/>
+                    </a:cxn>
+                  </a:cxnLst>
+                  <a:rect l="l" t="t" r="r" b="b"/>
+                  <a:pathLst>
+                    <a:path w="1484312" h="1039018">
+                      <a:moveTo>
+                        <a:pt x="1484312" y="0"/>
+                      </a:moveTo>
+                      <a:lnTo>
+                        <a:pt x="1484312" y="675362"/>
+                      </a:lnTo>
+                      <a:lnTo>
+                        <a:pt x="742156" y="1039018"/>
+                      </a:lnTo>
+                      <a:lnTo>
+                        <a:pt x="0" y="675362"/>
+                      </a:lnTo>
+                      <a:lnTo>
+                        <a:pt x="0" y="0"/>
+                      </a:lnTo>
+                      <a:lnTo>
+                        <a:pt x="742156" y="363656"/>
+                      </a:lnTo>
+                      <a:lnTo>
+                        <a:pt x="1484312" y="0"/>
+                      </a:lnTo>
+                      <a:close/>
+                    </a:path>
+                  </a:pathLst>
+                </a:custGeom>
+                <a:gradFill rotWithShape="1">
+                  <a:gsLst>
+                    <a:gs pos="98000">
+                      <a:srgbClr val="6DAA2D">
+                        <a:lumMod val="60000"/>
+                        <a:lumOff val="40000"/>
+                      </a:srgbClr>
+                    </a:gs>
+                    <a:gs pos="100000">
+                      <a:srgbClr val="6DAA2D">
+                        <a:lumMod val="40000"/>
+                        <a:lumOff val="60000"/>
+                      </a:srgbClr>
+                    </a:gs>
+                    <a:gs pos="51657">
+                      <a:srgbClr val="6DAA2D"/>
+                    </a:gs>
+                    <a:gs pos="50000">
+                      <a:srgbClr val="6DAA2D">
+                        <a:alpha val="70000"/>
+                      </a:srgbClr>
+                    </a:gs>
+                    <a:gs pos="8000">
+                      <a:srgbClr val="6DAA2D">
+                        <a:lumMod val="60000"/>
+                        <a:lumOff val="40000"/>
+                      </a:srgbClr>
+                    </a:gs>
+                  </a:gsLst>
+                  <a:lin ang="5400000" scaled="1"/>
+                </a:gradFill>
+                <a:ln w="9525">
+                  <a:noFill/>
+                  <a:round/>
+                  <a:headEnd/>
+                  <a:tailEnd/>
+                </a:ln>
+              </p:spPr>
+              <p:txBody>
+                <a:bodyPr tIns="180000" anchor="ctr"/>
+                <a:lstStyle/>
+                <a:p>
+                  <a:pPr algn="ctr" fontAlgn="auto">
+                    <a:spcBef>
+                      <a:spcPts val="0"/>
+                    </a:spcBef>
+                    <a:spcAft>
+                      <a:spcPts val="0"/>
+                    </a:spcAft>
+                    <a:defRPr/>
+                  </a:pPr>
+                  <a:r>
+                    <a:rPr lang="en-US" altLang="zh-CN" sz="2800" b="0" kern="0" dirty="0">
+                      <a:solidFill>
+                        <a:srgbClr val="FFFFFF"/>
+                      </a:solidFill>
+                      <a:latin typeface="Impact" pitchFamily="34" charset="0"/>
+                      <a:cs typeface="Arial" charset="0"/>
+                    </a:rPr>
+                    <a:t>3</a:t>
+                  </a:r>
+                  <a:endParaRPr lang="zh-CN" altLang="en-US" sz="2800" b="0" kern="0" dirty="0">
+                    <a:solidFill>
+                      <a:srgbClr val="FFFFFF"/>
+                    </a:solidFill>
+                    <a:latin typeface="Impact" pitchFamily="34" charset="0"/>
+                    <a:cs typeface="Arial" charset="0"/>
+                  </a:endParaRPr>
+                </a:p>
+              </p:txBody>
+            </p:sp>
+          </p:grpSp>
+        </p:grpSp>
+        <p:grpSp>
+          <p:nvGrpSpPr>
+            <p:cNvPr id="9" name="组合 4"/>
+            <p:cNvGrpSpPr>
+              <a:grpSpLocks/>
+            </p:cNvGrpSpPr>
+            <p:nvPr/>
+          </p:nvGrpSpPr>
+          <p:grpSpPr bwMode="auto">
+            <a:xfrm>
+              <a:off x="4861173" y="4549518"/>
+              <a:ext cx="4968875" cy="1071565"/>
+              <a:chOff x="1849115" y="4911795"/>
+              <a:chExt cx="4968552" cy="1071008"/>
+            </a:xfrm>
+          </p:grpSpPr>
+          <p:grpSp>
+            <p:nvGrpSpPr>
+              <p:cNvPr id="17" name="组合 50"/>
+              <p:cNvGrpSpPr>
+                <a:grpSpLocks/>
+              </p:cNvGrpSpPr>
+              <p:nvPr/>
+            </p:nvGrpSpPr>
+            <p:grpSpPr bwMode="auto">
+              <a:xfrm>
+                <a:off x="2576143" y="4911797"/>
+                <a:ext cx="4241524" cy="699724"/>
+                <a:chOff x="2160398" y="4266202"/>
+                <a:chExt cx="5459601" cy="589730"/>
+              </a:xfrm>
+            </p:grpSpPr>
+            <p:sp>
+              <p:nvSpPr>
+                <p:cNvPr id="21" name="任意多边形 20"/>
+                <p:cNvSpPr/>
+                <p:nvPr/>
+              </p:nvSpPr>
+              <p:spPr>
+                <a:xfrm>
+                  <a:off x="2160398" y="4266202"/>
+                  <a:ext cx="5459601" cy="589730"/>
+                </a:xfrm>
+                <a:custGeom>
+                  <a:avLst/>
+                  <a:gdLst>
+                    <a:gd name="connsiteX0" fmla="*/ 98352 w 590103"/>
+                    <a:gd name="connsiteY0" fmla="*/ 0 h 5460503"/>
+                    <a:gd name="connsiteX1" fmla="*/ 491751 w 590103"/>
+                    <a:gd name="connsiteY1" fmla="*/ 0 h 5460503"/>
+                    <a:gd name="connsiteX2" fmla="*/ 590103 w 590103"/>
+                    <a:gd name="connsiteY2" fmla="*/ 98352 h 5460503"/>
+                    <a:gd name="connsiteX3" fmla="*/ 590103 w 590103"/>
+                    <a:gd name="connsiteY3" fmla="*/ 5460503 h 5460503"/>
+                    <a:gd name="connsiteX4" fmla="*/ 590103 w 590103"/>
+                    <a:gd name="connsiteY4" fmla="*/ 5460503 h 5460503"/>
+                    <a:gd name="connsiteX5" fmla="*/ 0 w 590103"/>
+                    <a:gd name="connsiteY5" fmla="*/ 5460503 h 5460503"/>
+                    <a:gd name="connsiteX6" fmla="*/ 0 w 590103"/>
+                    <a:gd name="connsiteY6" fmla="*/ 5460503 h 5460503"/>
+                    <a:gd name="connsiteX7" fmla="*/ 0 w 590103"/>
+                    <a:gd name="connsiteY7" fmla="*/ 98352 h 5460503"/>
+                    <a:gd name="connsiteX8" fmla="*/ 98352 w 590103"/>
+                    <a:gd name="connsiteY8" fmla="*/ 0 h 5460503"/>
+                  </a:gdLst>
+                  <a:ahLst/>
+                  <a:cxnLst>
+                    <a:cxn ang="0">
+                      <a:pos x="connsiteX0" y="connsiteY0"/>
+                    </a:cxn>
+                    <a:cxn ang="0">
+                      <a:pos x="connsiteX1" y="connsiteY1"/>
+                    </a:cxn>
+                    <a:cxn ang="0">
+                      <a:pos x="connsiteX2" y="connsiteY2"/>
+                    </a:cxn>
+                    <a:cxn ang="0">
+                      <a:pos x="connsiteX3" y="connsiteY3"/>
+                    </a:cxn>
+                    <a:cxn ang="0">
+                      <a:pos x="connsiteX4" y="connsiteY4"/>
+                    </a:cxn>
+                    <a:cxn ang="0">
+                      <a:pos x="connsiteX5" y="connsiteY5"/>
+                    </a:cxn>
+                    <a:cxn ang="0">
+                      <a:pos x="connsiteX6" y="connsiteY6"/>
+                    </a:cxn>
+                    <a:cxn ang="0">
+                      <a:pos x="connsiteX7" y="connsiteY7"/>
+                    </a:cxn>
+                    <a:cxn ang="0">
+                      <a:pos x="connsiteX8" y="connsiteY8"/>
+                    </a:cxn>
+                  </a:cxnLst>
+                  <a:rect l="l" t="t" r="r" b="b"/>
+                  <a:pathLst>
+                    <a:path w="590103" h="5460503">
+                      <a:moveTo>
+                        <a:pt x="590103" y="910101"/>
+                      </a:moveTo>
+                      <a:lnTo>
+                        <a:pt x="590103" y="4550402"/>
+                      </a:lnTo>
+                      <a:cubicBezTo>
+                        <a:pt x="590103" y="5053032"/>
+                        <a:pt x="585344" y="5460498"/>
+                        <a:pt x="579474" y="5460498"/>
+                      </a:cubicBezTo>
+                      <a:lnTo>
+                        <a:pt x="0" y="5460498"/>
+                      </a:lnTo>
+                      <a:lnTo>
+                        <a:pt x="0" y="5460498"/>
+                      </a:lnTo>
+                      <a:lnTo>
+                        <a:pt x="0" y="5"/>
+                      </a:lnTo>
+                      <a:lnTo>
+                        <a:pt x="0" y="5"/>
+                      </a:lnTo>
+                      <a:lnTo>
+                        <a:pt x="579474" y="5"/>
+                      </a:lnTo>
+                      <a:cubicBezTo>
+                        <a:pt x="585344" y="5"/>
+                        <a:pt x="590103" y="407471"/>
+                        <a:pt x="590103" y="910101"/>
+                      </a:cubicBezTo>
+                      <a:close/>
+                    </a:path>
+                  </a:pathLst>
+                </a:custGeom>
+                <a:gradFill>
+                  <a:gsLst>
+                    <a:gs pos="100000">
+                      <a:srgbClr val="FFFFFF"/>
+                    </a:gs>
+                    <a:gs pos="51657">
+                      <a:srgbClr val="F0F0F0"/>
+                    </a:gs>
+                    <a:gs pos="0">
+                      <a:srgbClr val="FFFFFF"/>
+                    </a:gs>
+                  </a:gsLst>
+                  <a:lin ang="5400000" scaled="1"/>
+                </a:gradFill>
+                <a:ln w="9525">
+                  <a:solidFill>
+                    <a:srgbClr val="DDDDDD"/>
+                  </a:solidFill>
+                  <a:round/>
+                  <a:headEnd/>
+                  <a:tailEnd/>
+                </a:ln>
+                <a:effectLst>
+                  <a:outerShdw blurRad="63500" sx="101000" sy="101000" algn="ctr" rotWithShape="0">
+                    <a:prstClr val="black">
+                      <a:alpha val="8000"/>
+                    </a:prstClr>
+                  </a:outerShdw>
+                </a:effectLst>
+              </p:spPr>
+              <p:txBody>
+                <a:bodyPr wrap="none" anchor="ctr"/>
+                <a:lstStyle/>
+                <a:p>
+                  <a:pPr marL="0" marR="0" lvl="1" indent="0" defTabSz="914400" eaLnBrk="1" fontAlgn="auto" latinLnBrk="0" hangingPunct="1">
+                    <a:lnSpc>
+                      <a:spcPct val="100000"/>
+                    </a:lnSpc>
+                    <a:spcBef>
+                      <a:spcPts val="0"/>
+                    </a:spcBef>
+                    <a:spcAft>
+                      <a:spcPts val="0"/>
+                    </a:spcAft>
+                    <a:buClrTx/>
+                    <a:buSzTx/>
+                    <a:buFontTx/>
+                    <a:buNone/>
+                    <a:tabLst/>
+                    <a:defRPr/>
+                  </a:pPr>
+                  <a:endParaRPr kumimoji="0" lang="zh-CN" altLang="en-US" sz="1600" b="0" i="0" u="none" strike="noStrike" kern="0" cap="none" spc="0" normalizeH="0" baseline="0" noProof="0" dirty="0">
+                    <a:ln>
+                      <a:noFill/>
+                    </a:ln>
+                    <a:solidFill>
+                      <a:srgbClr val="888888"/>
+                    </a:solidFill>
+                    <a:effectLst/>
+                    <a:uLnTx/>
+                    <a:uFillTx/>
+                    <a:latin typeface="微软雅黑" pitchFamily="34" charset="-122"/>
+                  </a:endParaRPr>
+                </a:p>
+              </p:txBody>
+            </p:sp>
+            <p:sp>
+              <p:nvSpPr>
+                <p:cNvPr id="22" name="任意多边形 81"/>
+                <p:cNvSpPr>
+                  <a:spLocks noChangeArrowheads="1"/>
+                </p:cNvSpPr>
+                <p:nvPr/>
+              </p:nvSpPr>
+              <p:spPr bwMode="auto">
+                <a:xfrm>
+                  <a:off x="2184917" y="4269999"/>
+                  <a:ext cx="5410563" cy="565659"/>
+                </a:xfrm>
+                <a:custGeom>
+                  <a:avLst/>
+                  <a:gdLst>
+                    <a:gd name="T0" fmla="*/ 695090569 w 590103"/>
+                    <a:gd name="T1" fmla="*/ 0 h 5460503"/>
+                    <a:gd name="T2" fmla="*/ 2147483647 w 590103"/>
+                    <a:gd name="T3" fmla="*/ 0 h 5460503"/>
+                    <a:gd name="T4" fmla="*/ 2147483647 w 590103"/>
+                    <a:gd name="T5" fmla="*/ 11 h 5460503"/>
+                    <a:gd name="T6" fmla="*/ 2147483647 w 590103"/>
+                    <a:gd name="T7" fmla="*/ 629 h 5460503"/>
+                    <a:gd name="T8" fmla="*/ 2147483647 w 590103"/>
+                    <a:gd name="T9" fmla="*/ 629 h 5460503"/>
+                    <a:gd name="T10" fmla="*/ 0 w 590103"/>
+                    <a:gd name="T11" fmla="*/ 629 h 5460503"/>
+                    <a:gd name="T12" fmla="*/ 0 w 590103"/>
+                    <a:gd name="T13" fmla="*/ 629 h 5460503"/>
+                    <a:gd name="T14" fmla="*/ 0 w 590103"/>
+                    <a:gd name="T15" fmla="*/ 11 h 5460503"/>
+                    <a:gd name="T16" fmla="*/ 695090569 w 590103"/>
+                    <a:gd name="T17" fmla="*/ 0 h 5460503"/>
+                    <a:gd name="T18" fmla="*/ 0 60000 65536"/>
+                    <a:gd name="T19" fmla="*/ 0 60000 65536"/>
+                    <a:gd name="T20" fmla="*/ 0 60000 65536"/>
+                    <a:gd name="T21" fmla="*/ 0 60000 65536"/>
+                    <a:gd name="T22" fmla="*/ 0 60000 65536"/>
+                    <a:gd name="T23" fmla="*/ 0 60000 65536"/>
+                    <a:gd name="T24" fmla="*/ 0 60000 65536"/>
+                    <a:gd name="T25" fmla="*/ 0 60000 65536"/>
+                    <a:gd name="T26" fmla="*/ 0 60000 65536"/>
+                    <a:gd name="T27" fmla="*/ 0 w 590103"/>
+                    <a:gd name="T28" fmla="*/ 0 h 5460503"/>
+                    <a:gd name="T29" fmla="*/ 590103 w 590103"/>
+                    <a:gd name="T30" fmla="*/ 5460503 h 5460503"/>
+                  </a:gdLst>
+                  <a:ahLst/>
+                  <a:cxnLst>
+                    <a:cxn ang="T18">
+                      <a:pos x="T0" y="T1"/>
+                    </a:cxn>
+                    <a:cxn ang="T19">
+                      <a:pos x="T2" y="T3"/>
+                    </a:cxn>
+                    <a:cxn ang="T20">
+                      <a:pos x="T4" y="T5"/>
+                    </a:cxn>
+                    <a:cxn ang="T21">
+                      <a:pos x="T6" y="T7"/>
+                    </a:cxn>
+                    <a:cxn ang="T22">
+                      <a:pos x="T8" y="T9"/>
+                    </a:cxn>
+                    <a:cxn ang="T23">
+                      <a:pos x="T10" y="T11"/>
+                    </a:cxn>
+                    <a:cxn ang="T24">
+                      <a:pos x="T12" y="T13"/>
+                    </a:cxn>
+                    <a:cxn ang="T25">
+                      <a:pos x="T14" y="T15"/>
+                    </a:cxn>
+                    <a:cxn ang="T26">
+                      <a:pos x="T16" y="T17"/>
+                    </a:cxn>
+                  </a:cxnLst>
+                  <a:rect l="T27" t="T28" r="T29" b="T30"/>
+                  <a:pathLst>
+                    <a:path w="590103" h="5460503">
+                      <a:moveTo>
+                        <a:pt x="590103" y="910101"/>
+                      </a:moveTo>
+                      <a:lnTo>
+                        <a:pt x="590103" y="4550402"/>
+                      </a:lnTo>
+                      <a:cubicBezTo>
+                        <a:pt x="590103" y="5053032"/>
+                        <a:pt x="585344" y="5460498"/>
+                        <a:pt x="579474" y="5460498"/>
+                      </a:cubicBezTo>
+                      <a:lnTo>
+                        <a:pt x="0" y="5460498"/>
+                      </a:lnTo>
+                      <a:lnTo>
+                        <a:pt x="0" y="5"/>
+                      </a:lnTo>
+                      <a:lnTo>
+                        <a:pt x="579474" y="5"/>
+                      </a:lnTo>
+                      <a:cubicBezTo>
+                        <a:pt x="585344" y="5"/>
+                        <a:pt x="590103" y="407471"/>
+                        <a:pt x="590103" y="910101"/>
+                      </a:cubicBezTo>
+                      <a:close/>
+                    </a:path>
+                  </a:pathLst>
+                </a:custGeom>
+                <a:gradFill rotWithShape="1">
+                  <a:gsLst>
+                    <a:gs pos="0">
+                      <a:srgbClr val="F8F8F8"/>
+                    </a:gs>
+                    <a:gs pos="8000">
+                      <a:srgbClr val="F8F8F8"/>
+                    </a:gs>
+                    <a:gs pos="50000">
+                      <a:srgbClr val="ECECEC"/>
+                    </a:gs>
+                    <a:gs pos="51657">
+                      <a:srgbClr val="E8E8E8"/>
+                    </a:gs>
+                    <a:gs pos="98000">
+                      <a:srgbClr val="F9F9F9"/>
+                    </a:gs>
+                    <a:gs pos="100000">
+                      <a:srgbClr val="FFFFFF"/>
+                    </a:gs>
+                  </a:gsLst>
+                  <a:lin ang="5400000" scaled="1"/>
+                </a:gradFill>
+                <a:ln>
+                  <a:noFill/>
+                </a:ln>
+                <a:extLst>
+                  <a:ext uri="{91240B29-F687-4F45-9708-019B960494DF}">
+                    <a14:hiddenLine xmlns:a14="http://schemas.microsoft.com/office/drawing/2010/main" w="9525">
+                      <a:solidFill>
+                        <a:srgbClr val="000000"/>
+                      </a:solidFill>
+                      <a:round/>
+                      <a:headEnd/>
+                      <a:tailEnd/>
+                    </a14:hiddenLine>
+                  </a:ext>
+                </a:extLst>
+              </p:spPr>
+              <p:txBody>
+                <a:bodyPr wrap="none" anchor="ctr"/>
+                <a:lstStyle/>
+                <a:p>
+                  <a:pPr>
+                    <a:lnSpc>
+                      <a:spcPct val="150000"/>
+                    </a:lnSpc>
+                  </a:pPr>
+                  <a:r>
+                    <a:rPr lang="zh-CN" altLang="en-US" dirty="0"/>
+                    <a:t>地址</a:t>
+                  </a:r>
+                  <a:r>
+                    <a:rPr lang="zh-CN" altLang="en-US" dirty="0" smtClean="0"/>
+                    <a:t>如何转换</a:t>
+                  </a:r>
+                  <a:endParaRPr lang="zh-CN" altLang="en-US" dirty="0">
+                    <a:solidFill>
+                      <a:srgbClr val="5F5F5F"/>
+                    </a:solidFill>
+                    <a:latin typeface="黑体" pitchFamily="49" charset="-122"/>
+                    <a:ea typeface="黑体" pitchFamily="49" charset="-122"/>
+                  </a:endParaRPr>
+                </a:p>
+              </p:txBody>
+            </p:sp>
+          </p:grpSp>
+          <p:grpSp>
+            <p:nvGrpSpPr>
+              <p:cNvPr id="18" name="组合 57"/>
+              <p:cNvGrpSpPr>
+                <a:grpSpLocks/>
+              </p:cNvGrpSpPr>
+              <p:nvPr/>
+            </p:nvGrpSpPr>
+            <p:grpSpPr bwMode="auto">
+              <a:xfrm>
+                <a:off x="1849115" y="4911795"/>
+                <a:ext cx="719091" cy="1071008"/>
+                <a:chOff x="1523998" y="2237831"/>
+                <a:chExt cx="1038932" cy="1484312"/>
+              </a:xfrm>
+            </p:grpSpPr>
+            <p:sp>
+              <p:nvSpPr>
+                <p:cNvPr id="19" name="任意多边形 18"/>
+                <p:cNvSpPr/>
+                <p:nvPr/>
+              </p:nvSpPr>
+              <p:spPr>
+                <a:xfrm>
+                  <a:off x="1523998" y="2237831"/>
+                  <a:ext cx="1038932" cy="1484312"/>
+                </a:xfrm>
+                <a:custGeom>
+                  <a:avLst/>
+                  <a:gdLst>
+                    <a:gd name="connsiteX0" fmla="*/ 0 w 1484312"/>
+                    <a:gd name="connsiteY0" fmla="*/ 0 h 1039018"/>
+                    <a:gd name="connsiteX1" fmla="*/ 964803 w 1484312"/>
+                    <a:gd name="connsiteY1" fmla="*/ 0 h 1039018"/>
+                    <a:gd name="connsiteX2" fmla="*/ 1484312 w 1484312"/>
+                    <a:gd name="connsiteY2" fmla="*/ 519509 h 1039018"/>
+                    <a:gd name="connsiteX3" fmla="*/ 964803 w 1484312"/>
+                    <a:gd name="connsiteY3" fmla="*/ 1039018 h 1039018"/>
+                    <a:gd name="connsiteX4" fmla="*/ 0 w 1484312"/>
+                    <a:gd name="connsiteY4" fmla="*/ 1039018 h 1039018"/>
+                    <a:gd name="connsiteX5" fmla="*/ 519509 w 1484312"/>
+                    <a:gd name="connsiteY5" fmla="*/ 519509 h 1039018"/>
+                    <a:gd name="connsiteX6" fmla="*/ 0 w 1484312"/>
+                    <a:gd name="connsiteY6" fmla="*/ 0 h 1039018"/>
+                  </a:gdLst>
+                  <a:ahLst/>
+                  <a:cxnLst>
+                    <a:cxn ang="0">
+                      <a:pos x="connsiteX0" y="connsiteY0"/>
+                    </a:cxn>
+                    <a:cxn ang="0">
+                      <a:pos x="connsiteX1" y="connsiteY1"/>
+                    </a:cxn>
+                    <a:cxn ang="0">
+                      <a:pos x="connsiteX2" y="connsiteY2"/>
+                    </a:cxn>
+                    <a:cxn ang="0">
+                      <a:pos x="connsiteX3" y="connsiteY3"/>
+                    </a:cxn>
+                    <a:cxn ang="0">
+                      <a:pos x="connsiteX4" y="connsiteY4"/>
+                    </a:cxn>
+                    <a:cxn ang="0">
+                      <a:pos x="connsiteX5" y="connsiteY5"/>
+                    </a:cxn>
+                    <a:cxn ang="0">
+                      <a:pos x="connsiteX6" y="connsiteY6"/>
+                    </a:cxn>
+                  </a:cxnLst>
+                  <a:rect l="l" t="t" r="r" b="b"/>
+                  <a:pathLst>
+                    <a:path w="1484312" h="1039018">
+                      <a:moveTo>
+                        <a:pt x="1484312" y="0"/>
+                      </a:moveTo>
+                      <a:lnTo>
+                        <a:pt x="1484312" y="675362"/>
+                      </a:lnTo>
+                      <a:lnTo>
+                        <a:pt x="742156" y="1039018"/>
+                      </a:lnTo>
+                      <a:lnTo>
+                        <a:pt x="0" y="675362"/>
+                      </a:lnTo>
+                      <a:lnTo>
+                        <a:pt x="0" y="0"/>
+                      </a:lnTo>
+                      <a:lnTo>
+                        <a:pt x="742156" y="363656"/>
+                      </a:lnTo>
+                      <a:lnTo>
+                        <a:pt x="1484312" y="0"/>
+                      </a:lnTo>
+                      <a:close/>
+                    </a:path>
+                  </a:pathLst>
+                </a:custGeom>
+                <a:gradFill>
+                  <a:gsLst>
+                    <a:gs pos="100000">
+                      <a:srgbClr val="6DAA2D">
+                        <a:lumMod val="20000"/>
+                        <a:lumOff val="80000"/>
+                      </a:srgbClr>
+                    </a:gs>
+                    <a:gs pos="51657">
+                      <a:srgbClr val="6DAA2D">
+                        <a:lumMod val="60000"/>
+                        <a:lumOff val="40000"/>
+                      </a:srgbClr>
+                    </a:gs>
+                    <a:gs pos="0">
+                      <a:srgbClr val="6DAA2D">
+                        <a:lumMod val="20000"/>
+                        <a:lumOff val="80000"/>
+                      </a:srgbClr>
+                    </a:gs>
+                  </a:gsLst>
+                  <a:lin ang="5400000" scaled="1"/>
+                </a:gradFill>
+                <a:ln w="9525">
+                  <a:solidFill>
+                    <a:srgbClr val="6DAA2D">
+                      <a:lumMod val="60000"/>
+                      <a:lumOff val="40000"/>
+                    </a:srgbClr>
+                  </a:solidFill>
+                  <a:round/>
+                  <a:headEnd/>
+                  <a:tailEnd/>
+                </a:ln>
+                <a:effectLst>
+                  <a:outerShdw blurRad="63500" sx="101000" sy="101000" algn="ctr" rotWithShape="0">
+                    <a:prstClr val="black">
+                      <a:alpha val="18000"/>
+                    </a:prstClr>
+                  </a:outerShdw>
+                </a:effectLst>
+              </p:spPr>
+              <p:txBody>
+                <a:bodyPr lIns="17146" tIns="180000" rIns="17146" bIns="536654" spcCol="1270" anchor="ctr"/>
+                <a:lstStyle>
+                  <a:defPPr>
+                    <a:defRPr lang="zh-CN"/>
+                  </a:defPPr>
+                  <a:lvl1pPr marL="0" algn="l" defTabSz="914400" rtl="0" eaLnBrk="1" latinLnBrk="0" hangingPunct="1">
+                    <a:defRPr sz="1800" kern="1200">
+                      <a:solidFill>
+                        <a:schemeClr val="tx1"/>
+                      </a:solidFill>
+                      <a:latin typeface="+mn-lt"/>
+                      <a:ea typeface="+mn-ea"/>
+                      <a:cs typeface="+mn-cs"/>
+                    </a:defRPr>
+                  </a:lvl1pPr>
+                  <a:lvl2pPr marL="457200" algn="l" defTabSz="914400" rtl="0" eaLnBrk="1" latinLnBrk="0" hangingPunct="1">
+                    <a:defRPr sz="1800" kern="1200">
+                      <a:solidFill>
+                        <a:schemeClr val="tx1"/>
+                      </a:solidFill>
+                      <a:latin typeface="+mn-lt"/>
+                      <a:ea typeface="+mn-ea"/>
+                      <a:cs typeface="+mn-cs"/>
+                    </a:defRPr>
+                  </a:lvl2pPr>
+                  <a:lvl3pPr marL="914400" algn="l" defTabSz="914400" rtl="0" eaLnBrk="1" latinLnBrk="0" hangingPunct="1">
+                    <a:defRPr sz="1800" kern="1200">
+                      <a:solidFill>
+                        <a:schemeClr val="tx1"/>
+                      </a:solidFill>
+                      <a:latin typeface="+mn-lt"/>
+                      <a:ea typeface="+mn-ea"/>
+                      <a:cs typeface="+mn-cs"/>
+                    </a:defRPr>
+                  </a:lvl3pPr>
+                  <a:lvl4pPr marL="1371600" algn="l" defTabSz="914400" rtl="0" eaLnBrk="1" latinLnBrk="0" hangingPunct="1">
+                    <a:defRPr sz="1800" kern="1200">
+                      <a:solidFill>
+                        <a:schemeClr val="tx1"/>
+                      </a:solidFill>
+                      <a:latin typeface="+mn-lt"/>
+                      <a:ea typeface="+mn-ea"/>
+                      <a:cs typeface="+mn-cs"/>
+                    </a:defRPr>
+                  </a:lvl4pPr>
+                  <a:lvl5pPr marL="1828800" algn="l" defTabSz="914400" rtl="0" eaLnBrk="1" latinLnBrk="0" hangingPunct="1">
+                    <a:defRPr sz="1800" kern="1200">
+                      <a:solidFill>
+                        <a:schemeClr val="tx1"/>
+                      </a:solidFill>
+                      <a:latin typeface="+mn-lt"/>
+                      <a:ea typeface="+mn-ea"/>
+                      <a:cs typeface="+mn-cs"/>
+                    </a:defRPr>
+                  </a:lvl5pPr>
+                  <a:lvl6pPr marL="2286000" algn="l" defTabSz="914400" rtl="0" eaLnBrk="1" latinLnBrk="0" hangingPunct="1">
+                    <a:defRPr sz="1800" kern="1200">
+                      <a:solidFill>
+                        <a:schemeClr val="tx1"/>
+                      </a:solidFill>
+                      <a:latin typeface="+mn-lt"/>
+                      <a:ea typeface="+mn-ea"/>
+                      <a:cs typeface="+mn-cs"/>
+                    </a:defRPr>
+                  </a:lvl6pPr>
+                  <a:lvl7pPr marL="2743200" algn="l" defTabSz="914400" rtl="0" eaLnBrk="1" latinLnBrk="0" hangingPunct="1">
+                    <a:defRPr sz="1800" kern="1200">
+                      <a:solidFill>
+                        <a:schemeClr val="tx1"/>
+                      </a:solidFill>
+                      <a:latin typeface="+mn-lt"/>
+                      <a:ea typeface="+mn-ea"/>
+                      <a:cs typeface="+mn-cs"/>
+                    </a:defRPr>
+                  </a:lvl7pPr>
+                  <a:lvl8pPr marL="3200400" algn="l" defTabSz="914400" rtl="0" eaLnBrk="1" latinLnBrk="0" hangingPunct="1">
+                    <a:defRPr sz="1800" kern="1200">
+                      <a:solidFill>
+                        <a:schemeClr val="tx1"/>
+                      </a:solidFill>
+                      <a:latin typeface="+mn-lt"/>
+                      <a:ea typeface="+mn-ea"/>
+                      <a:cs typeface="+mn-cs"/>
+                    </a:defRPr>
+                  </a:lvl8pPr>
+                  <a:lvl9pPr marL="3657600" algn="l" defTabSz="914400" rtl="0" eaLnBrk="1" latinLnBrk="0" hangingPunct="1">
+                    <a:defRPr sz="1800" kern="1200">
+                      <a:solidFill>
+                        <a:schemeClr val="tx1"/>
+                      </a:solidFill>
+                      <a:latin typeface="+mn-lt"/>
+                      <a:ea typeface="+mn-ea"/>
+                      <a:cs typeface="+mn-cs"/>
+                    </a:defRPr>
+                  </a:lvl9pPr>
+                </a:lstStyle>
+                <a:p>
+                  <a:pPr marL="0" marR="0" lvl="0" indent="0" algn="ctr" defTabSz="1200150" rtl="0" eaLnBrk="1" fontAlgn="auto" latinLnBrk="0" hangingPunct="1">
+                    <a:lnSpc>
+                      <a:spcPct val="90000"/>
+                    </a:lnSpc>
+                    <a:spcBef>
+                      <a:spcPts val="0"/>
+                    </a:spcBef>
+                    <a:spcAft>
+                      <a:spcPct val="35000"/>
+                    </a:spcAft>
+                    <a:buClrTx/>
+                    <a:buSzTx/>
+                    <a:buFontTx/>
+                    <a:buNone/>
+                    <a:tabLst/>
+                    <a:defRPr/>
+                  </a:pPr>
+                  <a:endParaRPr kumimoji="0" lang="zh-CN" altLang="en-US" sz="2800" b="0" i="0" u="none" strike="noStrike" kern="1200" cap="none" spc="0" normalizeH="0" baseline="0" noProof="0" dirty="0">
+                    <a:ln>
+                      <a:noFill/>
+                    </a:ln>
+                    <a:solidFill>
+                      <a:sysClr val="windowText" lastClr="000000"/>
+                    </a:solidFill>
+                    <a:effectLst/>
+                    <a:uLnTx/>
+                    <a:uFillTx/>
+                    <a:latin typeface="Impact" pitchFamily="34" charset="0"/>
+                    <a:ea typeface="微软雅黑" pitchFamily="34" charset="-122"/>
+                    <a:cs typeface="+mn-cs"/>
+                  </a:endParaRPr>
+                </a:p>
+              </p:txBody>
+            </p:sp>
+            <p:sp>
+              <p:nvSpPr>
+                <p:cNvPr id="20" name="任意多边形 19"/>
+                <p:cNvSpPr/>
+                <p:nvPr/>
+              </p:nvSpPr>
+              <p:spPr>
+                <a:xfrm>
+                  <a:off x="1549399" y="2292958"/>
+                  <a:ext cx="988220" cy="1374776"/>
+                </a:xfrm>
+                <a:custGeom>
+                  <a:avLst/>
+                  <a:gdLst>
+                    <a:gd name="connsiteX0" fmla="*/ 0 w 1484312"/>
+                    <a:gd name="connsiteY0" fmla="*/ 0 h 1039018"/>
+                    <a:gd name="connsiteX1" fmla="*/ 964803 w 1484312"/>
+                    <a:gd name="connsiteY1" fmla="*/ 0 h 1039018"/>
+                    <a:gd name="connsiteX2" fmla="*/ 1484312 w 1484312"/>
+                    <a:gd name="connsiteY2" fmla="*/ 519509 h 1039018"/>
+                    <a:gd name="connsiteX3" fmla="*/ 964803 w 1484312"/>
+                    <a:gd name="connsiteY3" fmla="*/ 1039018 h 1039018"/>
+                    <a:gd name="connsiteX4" fmla="*/ 0 w 1484312"/>
+                    <a:gd name="connsiteY4" fmla="*/ 1039018 h 1039018"/>
+                    <a:gd name="connsiteX5" fmla="*/ 519509 w 1484312"/>
+                    <a:gd name="connsiteY5" fmla="*/ 519509 h 1039018"/>
+                    <a:gd name="connsiteX6" fmla="*/ 0 w 1484312"/>
+                    <a:gd name="connsiteY6" fmla="*/ 0 h 1039018"/>
+                  </a:gdLst>
+                  <a:ahLst/>
+                  <a:cxnLst>
+                    <a:cxn ang="0">
+                      <a:pos x="connsiteX0" y="connsiteY0"/>
+                    </a:cxn>
+                    <a:cxn ang="0">
+                      <a:pos x="connsiteX1" y="connsiteY1"/>
+                    </a:cxn>
+                    <a:cxn ang="0">
+                      <a:pos x="connsiteX2" y="connsiteY2"/>
+                    </a:cxn>
+                    <a:cxn ang="0">
+                      <a:pos x="connsiteX3" y="connsiteY3"/>
+                    </a:cxn>
+                    <a:cxn ang="0">
+                      <a:pos x="connsiteX4" y="connsiteY4"/>
+                    </a:cxn>
+                    <a:cxn ang="0">
+                      <a:pos x="connsiteX5" y="connsiteY5"/>
+                    </a:cxn>
+                    <a:cxn ang="0">
+                      <a:pos x="connsiteX6" y="connsiteY6"/>
+                    </a:cxn>
+                  </a:cxnLst>
+                  <a:rect l="l" t="t" r="r" b="b"/>
+                  <a:pathLst>
+                    <a:path w="1484312" h="1039018">
+                      <a:moveTo>
+                        <a:pt x="1484312" y="0"/>
+                      </a:moveTo>
+                      <a:lnTo>
+                        <a:pt x="1484312" y="675362"/>
+                      </a:lnTo>
+                      <a:lnTo>
+                        <a:pt x="742156" y="1039018"/>
+                      </a:lnTo>
+                      <a:lnTo>
+                        <a:pt x="0" y="675362"/>
+                      </a:lnTo>
+                      <a:lnTo>
+                        <a:pt x="0" y="0"/>
+                      </a:lnTo>
+                      <a:lnTo>
+                        <a:pt x="742156" y="363656"/>
+                      </a:lnTo>
+                      <a:lnTo>
+                        <a:pt x="1484312" y="0"/>
+                      </a:lnTo>
+                      <a:close/>
+                    </a:path>
+                  </a:pathLst>
+                </a:custGeom>
+                <a:gradFill rotWithShape="1">
+                  <a:gsLst>
+                    <a:gs pos="98000">
+                      <a:srgbClr val="6DAA2D">
+                        <a:lumMod val="60000"/>
+                        <a:lumOff val="40000"/>
+                      </a:srgbClr>
+                    </a:gs>
+                    <a:gs pos="100000">
+                      <a:srgbClr val="6DAA2D">
+                        <a:lumMod val="40000"/>
+                        <a:lumOff val="60000"/>
+                      </a:srgbClr>
+                    </a:gs>
+                    <a:gs pos="51657">
+                      <a:srgbClr val="6DAA2D"/>
+                    </a:gs>
+                    <a:gs pos="50000">
+                      <a:srgbClr val="6DAA2D">
+                        <a:alpha val="70000"/>
+                      </a:srgbClr>
+                    </a:gs>
+                    <a:gs pos="8000">
+                      <a:srgbClr val="6DAA2D">
+                        <a:lumMod val="60000"/>
+                        <a:lumOff val="40000"/>
+                      </a:srgbClr>
+                    </a:gs>
+                  </a:gsLst>
+                  <a:lin ang="5400000" scaled="1"/>
+                </a:gradFill>
+                <a:ln w="9525">
+                  <a:noFill/>
+                  <a:round/>
+                  <a:headEnd/>
+                  <a:tailEnd/>
+                </a:ln>
+              </p:spPr>
+              <p:txBody>
+                <a:bodyPr tIns="180000" anchor="ctr"/>
+                <a:lstStyle/>
+                <a:p>
+                  <a:pPr marL="0" marR="0" lvl="0" indent="0" algn="ctr" defTabSz="914400" eaLnBrk="1" fontAlgn="auto" latinLnBrk="0" hangingPunct="1">
+                    <a:lnSpc>
+                      <a:spcPct val="100000"/>
+                    </a:lnSpc>
+                    <a:spcBef>
+                      <a:spcPts val="0"/>
+                    </a:spcBef>
+                    <a:spcAft>
+                      <a:spcPts val="0"/>
+                    </a:spcAft>
+                    <a:buClrTx/>
+                    <a:buSzTx/>
+                    <a:buFontTx/>
+                    <a:buNone/>
+                    <a:tabLst/>
+                    <a:defRPr/>
+                  </a:pPr>
+                  <a:r>
+                    <a:rPr kumimoji="0" lang="en-US" altLang="zh-CN" sz="2800" b="0" i="0" u="none" strike="noStrike" kern="0" cap="none" spc="0" normalizeH="0" baseline="0" noProof="0" dirty="0">
+                      <a:ln>
+                        <a:noFill/>
+                      </a:ln>
+                      <a:solidFill>
+                        <a:srgbClr val="FFFFFF"/>
+                      </a:solidFill>
+                      <a:effectLst/>
+                      <a:uLnTx/>
+                      <a:uFillTx/>
+                      <a:latin typeface="Impact" pitchFamily="34" charset="0"/>
+                      <a:cs typeface="Arial" charset="0"/>
+                    </a:rPr>
+                    <a:t>4</a:t>
+                  </a:r>
+                  <a:endParaRPr kumimoji="0" lang="zh-CN" altLang="en-US" sz="2800" b="0" i="0" u="none" strike="noStrike" kern="0" cap="none" spc="0" normalizeH="0" baseline="0" noProof="0" dirty="0">
+                    <a:ln>
+                      <a:noFill/>
+                    </a:ln>
+                    <a:solidFill>
+                      <a:srgbClr val="FFFFFF"/>
+                    </a:solidFill>
+                    <a:effectLst/>
+                    <a:uLnTx/>
+                    <a:uFillTx/>
+                    <a:latin typeface="Impact" pitchFamily="34" charset="0"/>
+                    <a:cs typeface="Arial" charset="0"/>
+                  </a:endParaRPr>
+                </a:p>
+              </p:txBody>
+            </p:sp>
+          </p:grpSp>
+        </p:grpSp>
+      </p:grpSp>
+    </p:spTree>
+    <p:extLst>
+      <p:ext uri="{BB962C8B-B14F-4D97-AF65-F5344CB8AC3E}">
+        <p14:creationId xmlns:p14="http://schemas.microsoft.com/office/powerpoint/2010/main" val="445148514"/>
+      </p:ext>
+    </p:extLst>
+  </p:cSld>
+  <p:clrMapOvr>
+    <a:masterClrMapping/>
+  </p:clrMapOvr>
+  <p:transition spd="slow">
+    <p:push dir="u"/>
+  </p:transition>
+  <p:timing>
+    <p:tnLst>
+      <p:par>
+        <p:cTn id="1" dur="indefinite" restart="never" nodeType="tmRoot"/>
+      </p:par>
+    </p:tnLst>
+  </p:timing>
+</p:sld>
+</file>
+
+<file path=ppt/slides/slide8.xml><?xml version="1.0" encoding="utf-8"?>
+<p:sld xmlns:a="http://schemas.openxmlformats.org/drawingml/2006/main" xmlns:r="http://schemas.openxmlformats.org/officeDocument/2006/relationships" xmlns:p="http://schemas.openxmlformats.org/presentationml/2006/main">
+  <p:cSld>
+    <p:spTree>
+      <p:nvGrpSpPr>
+        <p:cNvPr id="1" name=""/>
+        <p:cNvGrpSpPr/>
+        <p:nvPr/>
+      </p:nvGrpSpPr>
+      <p:grpSpPr>
+        <a:xfrm>
+          <a:off x="0" y="0"/>
+          <a:ext cx="0" cy="0"/>
+          <a:chOff x="0" y="0"/>
+          <a:chExt cx="0" cy="0"/>
+        </a:xfrm>
+      </p:grpSpPr>
+      <p:sp>
+        <p:nvSpPr>
+          <p:cNvPr id="3" name="副标题 2"/>
+          <p:cNvSpPr>
+            <a:spLocks noGrp="1"/>
+          </p:cNvSpPr>
+          <p:nvPr>
+            <p:ph type="subTitle" idx="1"/>
+          </p:nvPr>
+        </p:nvSpPr>
+        <p:spPr/>
+        <p:txBody>
+          <a:bodyPr/>
+          <a:lstStyle/>
+          <a:p>
+            <a:endParaRPr lang="zh-CN" altLang="en-US"/>
+          </a:p>
+        </p:txBody>
+      </p:sp>
+      <p:pic>
+        <p:nvPicPr>
+          <p:cNvPr id="4" name="图片 3"/>
+          <p:cNvPicPr>
+            <a:picLocks noChangeAspect="1"/>
+          </p:cNvPicPr>
+          <p:nvPr/>
+        </p:nvPicPr>
+        <p:blipFill>
+          <a:blip r:embed="rId2"/>
+          <a:stretch>
+            <a:fillRect/>
+          </a:stretch>
+        </p:blipFill>
+        <p:spPr>
+          <a:xfrm>
+            <a:off x="0" y="597477"/>
+            <a:ext cx="9144000" cy="3948545"/>
+          </a:xfrm>
+          <a:prstGeom prst="rect">
+            <a:avLst/>
+          </a:prstGeom>
+        </p:spPr>
+      </p:pic>
+    </p:spTree>
+    <p:extLst>
+      <p:ext uri="{BB962C8B-B14F-4D97-AF65-F5344CB8AC3E}">
+        <p14:creationId xmlns:p14="http://schemas.microsoft.com/office/powerpoint/2010/main" val="2987306765"/>
+      </p:ext>
+    </p:extLst>
+  </p:cSld>
+  <p:clrMapOvr>
+    <a:masterClrMapping/>
+  </p:clrMapOvr>
+  <mc:AlternateContent xmlns:mc="http://schemas.openxmlformats.org/markup-compatibility/2006">
+    <mc:Choice xmlns:p14="http://schemas.microsoft.com/office/powerpoint/2010/main" Requires="p14">
+      <p:transition spd="slow" p14:dur="1500">
+        <p:split orient="vert"/>
+      </p:transition>
+    </mc:Choice>
+    <mc:Fallback>
+      <p:transition spd="slow">
+        <p:split orient="vert"/>
+      </p:transition>
+    </mc:Fallback>
+  </mc:AlternateContent>
+  <p:timing>
+    <p:tnLst>
+      <p:par>
+        <p:cTn id="1" dur="indefinite" restart="never" nodeType="tmRoot"/>
+      </p:par>
+    </p:tnLst>
+  </p:timing>
+</p:sld>
+</file>
+
+<file path=ppt/slides/slide9.xml><?xml version="1.0" encoding="utf-8"?>
 <p:sld xmlns:a="http://schemas.openxmlformats.org/drawingml/2006/main" xmlns:r="http://schemas.openxmlformats.org/officeDocument/2006/relationships" xmlns:p="http://schemas.openxmlformats.org/presentationml/2006/main">
   <p:cSld>
     <p:spTree>
@@ -8800,495 +13201,97 @@
           <a:p>
             <a:r>
               <a:rPr lang="zh-CN" altLang="en-US" dirty="0" smtClean="0"/>
-              <a:t>疑问</a:t>
+              <a:t>获取清单</a:t>
             </a:r>
             <a:endParaRPr lang="zh-CN" altLang="en-US" dirty="0"/>
           </a:p>
         </p:txBody>
       </p:sp>
-      <p:sp>
-        <p:nvSpPr>
-          <p:cNvPr id="3" name="副标题 2"/>
-          <p:cNvSpPr>
-            <a:spLocks noGrp="1"/>
-          </p:cNvSpPr>
-          <p:nvPr>
-            <p:ph type="subTitle" idx="1"/>
-          </p:nvPr>
-        </p:nvSpPr>
+      <p:pic>
+        <p:nvPicPr>
+          <p:cNvPr id="8" name="图片 7"/>
+          <p:cNvPicPr>
+            <a:picLocks noChangeAspect="1"/>
+          </p:cNvPicPr>
+          <p:nvPr/>
+        </p:nvPicPr>
+        <p:blipFill>
+          <a:blip r:embed="rId3"/>
+          <a:stretch>
+            <a:fillRect/>
+          </a:stretch>
+        </p:blipFill>
         <p:spPr>
           <a:xfrm>
-            <a:off x="249288" y="807362"/>
-            <a:ext cx="8571184" cy="3852619"/>
+            <a:off x="251520" y="1189583"/>
+            <a:ext cx="4492310" cy="2316857"/>
           </a:xfrm>
+          <a:prstGeom prst="rect">
+            <a:avLst/>
+          </a:prstGeom>
         </p:spPr>
-        <p:txBody>
-          <a:bodyPr/>
-          <a:lstStyle/>
-          <a:p>
-            <a:r>
-              <a:rPr lang="en-US" altLang="zh-CN" dirty="0" smtClean="0"/>
-              <a:t>1.</a:t>
-            </a:r>
-            <a:r>
-              <a:rPr lang="zh-CN" altLang="en-US" dirty="0" smtClean="0"/>
-              <a:t>服务清单如何获取</a:t>
-            </a:r>
-            <a:endParaRPr lang="en-US" altLang="zh-CN" dirty="0" smtClean="0"/>
-          </a:p>
-          <a:p>
-            <a:r>
-              <a:rPr lang="en-US" altLang="zh-CN" dirty="0" smtClean="0"/>
-              <a:t>2.</a:t>
-            </a:r>
-            <a:r>
-              <a:rPr lang="zh-CN" altLang="en-US" dirty="0" smtClean="0"/>
-              <a:t>清单如何存储</a:t>
-            </a:r>
-            <a:endParaRPr lang="en-US" altLang="zh-CN" dirty="0" smtClean="0"/>
-          </a:p>
-          <a:p>
-            <a:r>
-              <a:rPr lang="en-US" altLang="zh-CN" dirty="0" smtClean="0"/>
-              <a:t>3.</a:t>
-            </a:r>
-            <a:r>
-              <a:rPr lang="zh-CN" altLang="en-US" dirty="0" smtClean="0"/>
-              <a:t>如何维护（心跳检测）</a:t>
-            </a:r>
-            <a:endParaRPr lang="en-US" altLang="zh-CN" dirty="0" smtClean="0"/>
-          </a:p>
-          <a:p>
-            <a:r>
-              <a:rPr lang="en-US" altLang="zh-CN" dirty="0" smtClean="0"/>
-              <a:t>4.</a:t>
-            </a:r>
-            <a:r>
-              <a:rPr lang="zh-CN" altLang="en-US" dirty="0" smtClean="0"/>
-              <a:t>如何选取</a:t>
-            </a:r>
-            <a:endParaRPr lang="zh-CN" altLang="en-US" dirty="0"/>
-          </a:p>
-        </p:txBody>
-      </p:sp>
+      </p:pic>
+      <p:pic>
+        <p:nvPicPr>
+          <p:cNvPr id="9" name="图片 8"/>
+          <p:cNvPicPr>
+            <a:picLocks noChangeAspect="1"/>
+          </p:cNvPicPr>
+          <p:nvPr/>
+        </p:nvPicPr>
+        <p:blipFill>
+          <a:blip r:embed="rId4"/>
+          <a:stretch>
+            <a:fillRect/>
+          </a:stretch>
+        </p:blipFill>
+        <p:spPr>
+          <a:xfrm>
+            <a:off x="251520" y="3570401"/>
+            <a:ext cx="4492310" cy="729541"/>
+          </a:xfrm>
+          <a:prstGeom prst="rect">
+            <a:avLst/>
+          </a:prstGeom>
+        </p:spPr>
+      </p:pic>
+      <p:pic>
+        <p:nvPicPr>
+          <p:cNvPr id="10" name="图片 9"/>
+          <p:cNvPicPr>
+            <a:picLocks noChangeAspect="1"/>
+          </p:cNvPicPr>
+          <p:nvPr/>
+        </p:nvPicPr>
+        <p:blipFill>
+          <a:blip r:embed="rId5"/>
+          <a:stretch>
+            <a:fillRect/>
+          </a:stretch>
+        </p:blipFill>
+        <p:spPr>
+          <a:xfrm>
+            <a:off x="4850864" y="1189583"/>
+            <a:ext cx="4246652" cy="3110359"/>
+          </a:xfrm>
+          <a:prstGeom prst="rect">
+            <a:avLst/>
+          </a:prstGeom>
+        </p:spPr>
+      </p:pic>
     </p:spTree>
     <p:extLst>
       <p:ext uri="{BB962C8B-B14F-4D97-AF65-F5344CB8AC3E}">
-        <p14:creationId xmlns:p14="http://schemas.microsoft.com/office/powerpoint/2010/main" val="445148514"/>
+        <p14:creationId xmlns:p14="http://schemas.microsoft.com/office/powerpoint/2010/main" val="2911346938"/>
       </p:ext>
     </p:extLst>
   </p:cSld>
   <p:clrMapOvr>
     <a:masterClrMapping/>
   </p:clrMapOvr>
-  <p:timing>
-    <p:tnLst>
-      <p:par>
-        <p:cTn id="1" dur="indefinite" restart="never" nodeType="tmRoot"/>
-      </p:par>
-    </p:tnLst>
-  </p:timing>
-</p:sld>
-</file>
-
-<file path=ppt/slides/slide8.xml><?xml version="1.0" encoding="utf-8"?>
-<p:sld xmlns:a="http://schemas.openxmlformats.org/drawingml/2006/main" xmlns:r="http://schemas.openxmlformats.org/officeDocument/2006/relationships" xmlns:p="http://schemas.openxmlformats.org/presentationml/2006/main">
-  <p:cSld>
-    <p:spTree>
-      <p:nvGrpSpPr>
-        <p:cNvPr id="1" name=""/>
-        <p:cNvGrpSpPr/>
-        <p:nvPr/>
-      </p:nvGrpSpPr>
-      <p:grpSpPr>
-        <a:xfrm>
-          <a:off x="0" y="0"/>
-          <a:ext cx="0" cy="0"/>
-          <a:chOff x="0" y="0"/>
-          <a:chExt cx="0" cy="0"/>
-        </a:xfrm>
-      </p:grpSpPr>
-      <p:sp>
-        <p:nvSpPr>
-          <p:cNvPr id="2" name="标题 1"/>
-          <p:cNvSpPr>
-            <a:spLocks noGrp="1"/>
-          </p:cNvSpPr>
-          <p:nvPr>
-            <p:ph type="ctrTitle"/>
-          </p:nvPr>
-        </p:nvSpPr>
-        <p:spPr/>
-        <p:txBody>
-          <a:bodyPr/>
-          <a:lstStyle/>
-          <a:p>
-            <a:r>
-              <a:rPr lang="zh-CN" altLang="en-US" dirty="0" smtClean="0"/>
-              <a:t>疑问</a:t>
-            </a:r>
-            <a:endParaRPr lang="zh-CN" altLang="en-US" dirty="0"/>
-          </a:p>
-        </p:txBody>
-      </p:sp>
-      <p:sp>
-        <p:nvSpPr>
-          <p:cNvPr id="3" name="副标题 2"/>
-          <p:cNvSpPr>
-            <a:spLocks noGrp="1"/>
-          </p:cNvSpPr>
-          <p:nvPr>
-            <p:ph type="subTitle" idx="1"/>
-          </p:nvPr>
-        </p:nvSpPr>
-        <p:spPr>
-          <a:xfrm>
-            <a:off x="249288" y="807362"/>
-            <a:ext cx="7563072" cy="2916515"/>
-          </a:xfrm>
-        </p:spPr>
-        <p:txBody>
-          <a:bodyPr/>
-          <a:lstStyle/>
-          <a:p>
-            <a:r>
-              <a:rPr lang="zh-CN" altLang="en-US" dirty="0"/>
-              <a:t> </a:t>
-            </a:r>
-            <a:endParaRPr lang="en-US" altLang="zh-CN" dirty="0" smtClean="0"/>
-          </a:p>
-          <a:p>
-            <a:r>
-              <a:rPr lang="en-US" altLang="zh-CN" dirty="0" smtClean="0"/>
-              <a:t>1</a:t>
-            </a:r>
-            <a:r>
-              <a:rPr lang="en-US" altLang="zh-CN" dirty="0"/>
-              <a:t>.</a:t>
-            </a:r>
-            <a:r>
-              <a:rPr lang="zh-CN" altLang="en-US" dirty="0"/>
-              <a:t>根据服务别名，</a:t>
-            </a:r>
-            <a:r>
-              <a:rPr lang="zh-CN" altLang="en-US" dirty="0" smtClean="0"/>
-              <a:t>从</a:t>
-            </a:r>
-            <a:r>
-              <a:rPr lang="zh-CN" altLang="en-US" dirty="0"/>
-              <a:t>注册</a:t>
-            </a:r>
-            <a:r>
-              <a:rPr lang="zh-CN" altLang="en-US" dirty="0" smtClean="0"/>
-              <a:t>中心获取</a:t>
-            </a:r>
-            <a:r>
-              <a:rPr lang="zh-CN" altLang="en-US" dirty="0"/>
-              <a:t>服务提供者的客户端</a:t>
-            </a:r>
-            <a:r>
-              <a:rPr lang="zh-CN" altLang="en-US" dirty="0" smtClean="0"/>
-              <a:t>列表 </a:t>
-            </a:r>
-            <a:r>
-              <a:rPr lang="zh-CN" altLang="en-US" dirty="0" smtClean="0">
-                <a:solidFill>
-                  <a:srgbClr val="FF0000"/>
-                </a:solidFill>
-              </a:rPr>
-              <a:t>代码在哪</a:t>
-            </a:r>
-            <a:endParaRPr lang="zh-CN" altLang="en-US" dirty="0">
-              <a:solidFill>
-                <a:srgbClr val="FF0000"/>
-              </a:solidFill>
-            </a:endParaRPr>
-          </a:p>
-          <a:p>
-            <a:endParaRPr lang="en-US" altLang="zh-CN" dirty="0" smtClean="0"/>
-          </a:p>
-          <a:p>
-            <a:r>
-              <a:rPr lang="en-US" altLang="zh-CN" dirty="0" smtClean="0"/>
-              <a:t>2</a:t>
-            </a:r>
-            <a:r>
-              <a:rPr lang="en-US" altLang="zh-CN" dirty="0"/>
-              <a:t>.</a:t>
-            </a:r>
-            <a:r>
-              <a:rPr lang="zh-CN" altLang="en-US" dirty="0"/>
-              <a:t>将列表缓存到本地，即消费者客户端的</a:t>
-            </a:r>
-            <a:r>
-              <a:rPr lang="en-US" altLang="zh-CN" dirty="0" err="1"/>
-              <a:t>jvm</a:t>
-            </a:r>
-            <a:r>
-              <a:rPr lang="zh-CN" altLang="en-US" dirty="0" smtClean="0"/>
-              <a:t>中 </a:t>
-            </a:r>
-            <a:r>
-              <a:rPr lang="zh-CN" altLang="en-US" dirty="0" smtClean="0">
-                <a:solidFill>
-                  <a:srgbClr val="FF0000"/>
-                </a:solidFill>
-              </a:rPr>
-              <a:t>代码</a:t>
-            </a:r>
-            <a:r>
-              <a:rPr lang="zh-CN" altLang="en-US" dirty="0">
-                <a:solidFill>
-                  <a:srgbClr val="FF0000"/>
-                </a:solidFill>
-              </a:rPr>
-              <a:t>在哪</a:t>
-            </a:r>
-            <a:endParaRPr lang="zh-CN" altLang="en-US" dirty="0"/>
-          </a:p>
-          <a:p>
-            <a:endParaRPr lang="en-US" altLang="zh-CN" dirty="0" smtClean="0"/>
-          </a:p>
-          <a:p>
-            <a:r>
-              <a:rPr lang="en-US" altLang="zh-CN" dirty="0" smtClean="0"/>
-              <a:t>3.</a:t>
-            </a:r>
-            <a:r>
-              <a:rPr lang="zh-CN" altLang="en-US" dirty="0"/>
-              <a:t>根据用户指定的策略，在从</a:t>
-            </a:r>
-            <a:r>
-              <a:rPr lang="en-US" altLang="zh-CN" dirty="0"/>
-              <a:t>Server</a:t>
-            </a:r>
-            <a:r>
-              <a:rPr lang="zh-CN" altLang="en-US" dirty="0"/>
-              <a:t>取到的服务注册列表中选择一个</a:t>
-            </a:r>
-            <a:r>
-              <a:rPr lang="zh-CN" altLang="en-US" dirty="0" smtClean="0"/>
-              <a:t>地址</a:t>
-            </a:r>
-            <a:endParaRPr lang="zh-CN" altLang="en-US" dirty="0"/>
-          </a:p>
-        </p:txBody>
-      </p:sp>
-    </p:spTree>
-    <p:extLst>
-      <p:ext uri="{BB962C8B-B14F-4D97-AF65-F5344CB8AC3E}">
-        <p14:creationId xmlns:p14="http://schemas.microsoft.com/office/powerpoint/2010/main" val="4088738001"/>
-      </p:ext>
-    </p:extLst>
-  </p:cSld>
-  <p:clrMapOvr>
-    <a:masterClrMapping/>
-  </p:clrMapOvr>
-  <p:timing>
-    <p:tnLst>
-      <p:par>
-        <p:cTn id="1" dur="indefinite" restart="never" nodeType="tmRoot"/>
-      </p:par>
-    </p:tnLst>
-  </p:timing>
-</p:sld>
-</file>
-
-<file path=ppt/slides/slide9.xml><?xml version="1.0" encoding="utf-8"?>
-<p:sld xmlns:a="http://schemas.openxmlformats.org/drawingml/2006/main" xmlns:r="http://schemas.openxmlformats.org/officeDocument/2006/relationships" xmlns:p="http://schemas.openxmlformats.org/presentationml/2006/main">
-  <p:cSld>
-    <p:spTree>
-      <p:nvGrpSpPr>
-        <p:cNvPr id="1" name=""/>
-        <p:cNvGrpSpPr/>
-        <p:nvPr/>
-      </p:nvGrpSpPr>
-      <p:grpSpPr>
-        <a:xfrm>
-          <a:off x="0" y="0"/>
-          <a:ext cx="0" cy="0"/>
-          <a:chOff x="0" y="0"/>
-          <a:chExt cx="0" cy="0"/>
-        </a:xfrm>
-      </p:grpSpPr>
-      <p:sp>
-        <p:nvSpPr>
-          <p:cNvPr id="3" name="副标题 2"/>
-          <p:cNvSpPr txBox="1">
-            <a:spLocks/>
-          </p:cNvSpPr>
-          <p:nvPr/>
-        </p:nvSpPr>
-        <p:spPr>
-          <a:xfrm>
-            <a:off x="3131839" y="2283718"/>
-            <a:ext cx="6020709" cy="2196435"/>
-          </a:xfrm>
-          <a:prstGeom prst="rect">
-            <a:avLst/>
-          </a:prstGeom>
-        </p:spPr>
-        <p:txBody>
-          <a:bodyPr/>
-          <a:lstStyle>
-            <a:lvl1pPr marL="342900" indent="-342900" algn="l" defTabSz="914400" rtl="0" eaLnBrk="1" latinLnBrk="0" hangingPunct="1">
-              <a:spcBef>
-                <a:spcPct val="20000"/>
-              </a:spcBef>
-              <a:buFont typeface="Arial" panose="020B0604020202020204" pitchFamily="34" charset="0"/>
-              <a:buChar char="•"/>
-              <a:defRPr sz="3200" kern="1200">
-                <a:solidFill>
-                  <a:schemeClr val="tx1"/>
-                </a:solidFill>
-                <a:latin typeface="+mn-lt"/>
-                <a:ea typeface="+mn-ea"/>
-                <a:cs typeface="+mn-cs"/>
-              </a:defRPr>
-            </a:lvl1pPr>
-            <a:lvl2pPr marL="742950" indent="-285750" algn="l" defTabSz="914400" rtl="0" eaLnBrk="1" latinLnBrk="0" hangingPunct="1">
-              <a:spcBef>
-                <a:spcPct val="20000"/>
-              </a:spcBef>
-              <a:buFont typeface="Arial" panose="020B0604020202020204" pitchFamily="34" charset="0"/>
-              <a:buChar char="–"/>
-              <a:defRPr sz="2800" kern="1200">
-                <a:solidFill>
-                  <a:schemeClr val="tx1"/>
-                </a:solidFill>
-                <a:latin typeface="+mn-lt"/>
-                <a:ea typeface="+mn-ea"/>
-                <a:cs typeface="+mn-cs"/>
-              </a:defRPr>
-            </a:lvl2pPr>
-            <a:lvl3pPr marL="1143000" indent="-228600" algn="l" defTabSz="914400" rtl="0" eaLnBrk="1" latinLnBrk="0" hangingPunct="1">
-              <a:spcBef>
-                <a:spcPct val="20000"/>
-              </a:spcBef>
-              <a:buFont typeface="Arial" panose="020B0604020202020204" pitchFamily="34" charset="0"/>
-              <a:buChar char="•"/>
-              <a:defRPr sz="2400" kern="1200">
-                <a:solidFill>
-                  <a:schemeClr val="tx1"/>
-                </a:solidFill>
-                <a:latin typeface="+mn-lt"/>
-                <a:ea typeface="+mn-ea"/>
-                <a:cs typeface="+mn-cs"/>
-              </a:defRPr>
-            </a:lvl3pPr>
-            <a:lvl4pPr marL="1600200" indent="-228600" algn="l" defTabSz="914400" rtl="0" eaLnBrk="1" latinLnBrk="0" hangingPunct="1">
-              <a:spcBef>
-                <a:spcPct val="20000"/>
-              </a:spcBef>
-              <a:buFont typeface="Arial" panose="020B0604020202020204" pitchFamily="34" charset="0"/>
-              <a:buChar char="–"/>
-              <a:defRPr sz="2000" kern="1200">
-                <a:solidFill>
-                  <a:schemeClr val="tx1"/>
-                </a:solidFill>
-                <a:latin typeface="+mn-lt"/>
-                <a:ea typeface="+mn-ea"/>
-                <a:cs typeface="+mn-cs"/>
-              </a:defRPr>
-            </a:lvl4pPr>
-            <a:lvl5pPr marL="2057400" indent="-228600" algn="l" defTabSz="914400" rtl="0" eaLnBrk="1" latinLnBrk="0" hangingPunct="1">
-              <a:spcBef>
-                <a:spcPct val="20000"/>
-              </a:spcBef>
-              <a:buFont typeface="Arial" panose="020B0604020202020204" pitchFamily="34" charset="0"/>
-              <a:buChar char="»"/>
-              <a:defRPr sz="2000" kern="1200">
-                <a:solidFill>
-                  <a:schemeClr val="tx1"/>
-                </a:solidFill>
-                <a:latin typeface="+mn-lt"/>
-                <a:ea typeface="+mn-ea"/>
-                <a:cs typeface="+mn-cs"/>
-              </a:defRPr>
-            </a:lvl5pPr>
-            <a:lvl6pPr marL="2514600" indent="-228600" algn="l" defTabSz="914400" rtl="0" eaLnBrk="1" latinLnBrk="0" hangingPunct="1">
-              <a:spcBef>
-                <a:spcPct val="20000"/>
-              </a:spcBef>
-              <a:buFont typeface="Arial" panose="020B0604020202020204" pitchFamily="34" charset="0"/>
-              <a:buChar char="•"/>
-              <a:defRPr sz="2000" kern="1200">
-                <a:solidFill>
-                  <a:schemeClr val="tx1"/>
-                </a:solidFill>
-                <a:latin typeface="+mn-lt"/>
-                <a:ea typeface="+mn-ea"/>
-                <a:cs typeface="+mn-cs"/>
-              </a:defRPr>
-            </a:lvl6pPr>
-            <a:lvl7pPr marL="2971800" indent="-228600" algn="l" defTabSz="914400" rtl="0" eaLnBrk="1" latinLnBrk="0" hangingPunct="1">
-              <a:spcBef>
-                <a:spcPct val="20000"/>
-              </a:spcBef>
-              <a:buFont typeface="Arial" panose="020B0604020202020204" pitchFamily="34" charset="0"/>
-              <a:buChar char="•"/>
-              <a:defRPr sz="2000" kern="1200">
-                <a:solidFill>
-                  <a:schemeClr val="tx1"/>
-                </a:solidFill>
-                <a:latin typeface="+mn-lt"/>
-                <a:ea typeface="+mn-ea"/>
-                <a:cs typeface="+mn-cs"/>
-              </a:defRPr>
-            </a:lvl7pPr>
-            <a:lvl8pPr marL="3429000" indent="-228600" algn="l" defTabSz="914400" rtl="0" eaLnBrk="1" latinLnBrk="0" hangingPunct="1">
-              <a:spcBef>
-                <a:spcPct val="20000"/>
-              </a:spcBef>
-              <a:buFont typeface="Arial" panose="020B0604020202020204" pitchFamily="34" charset="0"/>
-              <a:buChar char="•"/>
-              <a:defRPr sz="2000" kern="1200">
-                <a:solidFill>
-                  <a:schemeClr val="tx1"/>
-                </a:solidFill>
-                <a:latin typeface="+mn-lt"/>
-                <a:ea typeface="+mn-ea"/>
-                <a:cs typeface="+mn-cs"/>
-              </a:defRPr>
-            </a:lvl8pPr>
-            <a:lvl9pPr marL="3886200" indent="-228600" algn="l" defTabSz="914400" rtl="0" eaLnBrk="1" latinLnBrk="0" hangingPunct="1">
-              <a:spcBef>
-                <a:spcPct val="20000"/>
-              </a:spcBef>
-              <a:buFont typeface="Arial" panose="020B0604020202020204" pitchFamily="34" charset="0"/>
-              <a:buChar char="•"/>
-              <a:defRPr sz="2000" kern="1200">
-                <a:solidFill>
-                  <a:schemeClr val="tx1"/>
-                </a:solidFill>
-                <a:latin typeface="+mn-lt"/>
-                <a:ea typeface="+mn-ea"/>
-                <a:cs typeface="+mn-cs"/>
-              </a:defRPr>
-            </a:lvl9pPr>
-          </a:lstStyle>
-          <a:p>
-            <a:pPr marL="0" indent="0">
-              <a:buNone/>
-            </a:pPr>
-            <a:r>
-              <a:rPr lang="zh-CN" altLang="en-US" sz="3600" dirty="0" smtClean="0"/>
-              <a:t>源码分析</a:t>
-            </a:r>
-            <a:endParaRPr lang="zh-CN" altLang="en-US" sz="3600" dirty="0"/>
-          </a:p>
-        </p:txBody>
-      </p:sp>
-    </p:spTree>
-    <p:extLst>
-      <p:ext uri="{BB962C8B-B14F-4D97-AF65-F5344CB8AC3E}">
-        <p14:creationId xmlns:p14="http://schemas.microsoft.com/office/powerpoint/2010/main" val="997665064"/>
-      </p:ext>
-    </p:extLst>
-  </p:cSld>
-  <p:clrMapOvr>
-    <a:masterClrMapping/>
-  </p:clrMapOvr>
+  <p:transition spd="slow">
+    <p:cover/>
+  </p:transition>
   <p:timing>
     <p:tnLst>
       <p:par>
